--- a/Programming with C#/1. C# Fundamentals I/05. Conditional Statements/Conditional-Statements.pptx
+++ b/Programming with C#/1. C# Fundamentals I/05. Conditional Statements/Conditional-Statements.pptx
@@ -176,6 +176,36 @@
       </a:defRPr>
     </a:lvl9pPr>
   </p:defaultTextStyle>
+  <p:extLst>
+    <p:ext uri="{EFAFB233-063F-42B5-8137-9DF3F51BA10A}">
+      <p15:sldGuideLst xmlns:p15="http://schemas.microsoft.com/office/powerpoint/2012/main">
+        <p15:guide id="1" orient="horz" pos="2160">
+          <p15:clr>
+            <a:srgbClr val="A4A3A4"/>
+          </p15:clr>
+        </p15:guide>
+        <p15:guide id="2" pos="2880">
+          <p15:clr>
+            <a:srgbClr val="A4A3A4"/>
+          </p15:clr>
+        </p15:guide>
+      </p15:sldGuideLst>
+    </p:ext>
+    <p:ext uri="{2D200454-40CA-4A62-9FC3-DE9A4176ACB9}">
+      <p15:notesGuideLst xmlns:p15="http://schemas.microsoft.com/office/powerpoint/2012/main">
+        <p15:guide id="1" orient="horz" pos="2928">
+          <p15:clr>
+            <a:srgbClr val="A4A3A4"/>
+          </p15:clr>
+        </p15:guide>
+        <p15:guide id="2" pos="2168">
+          <p15:clr>
+            <a:srgbClr val="A4A3A4"/>
+          </p15:clr>
+        </p15:guide>
+      </p15:notesGuideLst>
+    </p:ext>
+  </p:extLst>
 </p:presentation>
 </file>
 
@@ -294,7 +324,7 @@
             <a:fld id="{3BF7C7B5-275F-4D1F-9AB4-9255447DBC73}" type="datetimeFigureOut">
               <a:rPr lang="en-US"/>
               <a:pPr/>
-              <a:t>11/4/2011</a:t>
+              <a:t>1/13/2021</a:t>
             </a:fld>
             <a:endParaRPr lang="en-US" dirty="0"/>
           </a:p>
@@ -525,7 +555,7 @@
             <a:fld id="{9B46F231-FB2B-4655-A644-E2477325E686}" type="datetimeFigureOut">
               <a:rPr lang="en-US"/>
               <a:pPr/>
-              <a:t>11/4/2011</a:t>
+              <a:t>1/13/2021</a:t>
             </a:fld>
             <a:endParaRPr lang="en-US" dirty="0"/>
           </a:p>
@@ -601,38 +631,37 @@
           <a:p>
             <a:pPr lvl="0"/>
             <a:r>
-              <a:rPr lang="en-US" noProof="0" smtClean="0"/>
+              <a:rPr lang="en-US" noProof="0"/>
               <a:t>Click to edit Master text styles</a:t>
             </a:r>
           </a:p>
           <a:p>
             <a:pPr lvl="1"/>
             <a:r>
-              <a:rPr lang="en-US" noProof="0" smtClean="0"/>
+              <a:rPr lang="en-US" noProof="0"/>
               <a:t>Second level</a:t>
             </a:r>
           </a:p>
           <a:p>
             <a:pPr lvl="2"/>
             <a:r>
-              <a:rPr lang="en-US" noProof="0" smtClean="0"/>
+              <a:rPr lang="en-US" noProof="0"/>
               <a:t>Third level</a:t>
             </a:r>
           </a:p>
           <a:p>
             <a:pPr lvl="3"/>
             <a:r>
-              <a:rPr lang="en-US" noProof="0" smtClean="0"/>
+              <a:rPr lang="en-US" noProof="0"/>
               <a:t>Fourth level</a:t>
             </a:r>
           </a:p>
           <a:p>
             <a:pPr lvl="4"/>
             <a:r>
-              <a:rPr lang="en-US" noProof="0" smtClean="0"/>
+              <a:rPr lang="en-US" noProof="0"/>
               <a:t>Fifth level</a:t>
             </a:r>
-            <a:endParaRPr lang="en-US" noProof="0"/>
           </a:p>
         </p:txBody>
       </p:sp>
@@ -2685,10 +2714,9 @@
           </a:lstStyle>
           <a:p>
             <a:r>
-              <a:rPr lang="en-US" dirty="0" smtClean="0"/>
+              <a:rPr lang="en-US" dirty="0"/>
               <a:t>Presentation Title</a:t>
             </a:r>
-            <a:endParaRPr lang="en-US" dirty="0"/>
           </a:p>
         </p:txBody>
       </p:sp>
@@ -2749,10 +2777,9 @@
           </a:lstStyle>
           <a:p>
             <a:r>
-              <a:rPr lang="en-US" dirty="0" smtClean="0"/>
+              <a:rPr lang="en-US" dirty="0"/>
               <a:t>Presentation Subtitle</a:t>
             </a:r>
-            <a:endParaRPr lang="en-US" dirty="0"/>
           </a:p>
         </p:txBody>
       </p:sp>
@@ -2855,10 +2882,9 @@
           <a:p>
             <a:pPr lvl="0"/>
             <a:r>
-              <a:rPr lang="en-US" dirty="0" smtClean="0"/>
+              <a:rPr lang="en-US" dirty="0"/>
               <a:t>Author Name</a:t>
             </a:r>
-            <a:endParaRPr lang="en-US" dirty="0"/>
           </a:p>
         </p:txBody>
       </p:sp>
@@ -2915,7 +2941,7 @@
           <a:p>
             <a:pPr algn="l"/>
             <a:r>
-              <a:rPr lang="en-US" sz="1800" b="1" dirty="0" smtClean="0">
+              <a:rPr lang="en-US" sz="1800" b="1" dirty="0">
                 <a:solidFill>
                   <a:srgbClr val="0EFE58"/>
                 </a:solidFill>
@@ -2929,18 +2955,6 @@
               </a:rPr>
               <a:t>Telerik Corporation</a:t>
             </a:r>
-            <a:endParaRPr lang="en-US" sz="1800" b="1" dirty="0">
-              <a:solidFill>
-                <a:srgbClr val="0EFE58"/>
-              </a:solidFill>
-              <a:effectLst>
-                <a:outerShdw blurRad="38100" dist="38100" dir="2700000" algn="tl">
-                  <a:srgbClr val="000000">
-                    <a:alpha val="43137"/>
-                  </a:srgbClr>
-                </a:outerShdw>
-              </a:effectLst>
-            </a:endParaRPr>
           </a:p>
         </p:txBody>
       </p:sp>
@@ -2997,7 +3011,7 @@
           <a:p>
             <a:pPr algn="l"/>
             <a:r>
-              <a:rPr lang="en-US" sz="1600" b="1" dirty="0" smtClean="0">
+              <a:rPr lang="en-US" sz="1600" b="1" dirty="0">
                 <a:solidFill>
                   <a:schemeClr val="tx1">
                     <a:lumMod val="50000"/>
@@ -3036,13 +3050,6 @@
   <p:clrMapOvr>
     <a:masterClrMapping/>
   </p:clrMapOvr>
-  <p:timing>
-    <p:tnLst>
-      <p:par>
-        <p:cTn id="1" dur="indefinite" restart="never" nodeType="tmRoot"/>
-      </p:par>
-    </p:tnLst>
-  </p:timing>
 </p:sldLayout>
 </file>
 
@@ -3096,10 +3103,9 @@
           </a:lstStyle>
           <a:p>
             <a:r>
-              <a:rPr lang="en-US" dirty="0" smtClean="0"/>
+              <a:rPr lang="en-US" dirty="0"/>
               <a:t>Slide Title</a:t>
             </a:r>
-            <a:endParaRPr lang="en-US" dirty="0"/>
           </a:p>
         </p:txBody>
       </p:sp>
@@ -3236,38 +3242,37 @@
           <a:p>
             <a:pPr lvl="0"/>
             <a:r>
-              <a:rPr lang="en-US" dirty="0" smtClean="0"/>
+              <a:rPr lang="en-US" dirty="0"/>
               <a:t>First Level</a:t>
             </a:r>
           </a:p>
           <a:p>
             <a:pPr lvl="1"/>
             <a:r>
-              <a:rPr lang="en-US" dirty="0" smtClean="0"/>
+              <a:rPr lang="en-US" dirty="0"/>
               <a:t>Second level</a:t>
             </a:r>
           </a:p>
           <a:p>
             <a:pPr lvl="2"/>
             <a:r>
-              <a:rPr lang="en-US" dirty="0" smtClean="0"/>
+              <a:rPr lang="en-US" dirty="0"/>
               <a:t>Third level</a:t>
             </a:r>
           </a:p>
           <a:p>
             <a:pPr lvl="3"/>
             <a:r>
-              <a:rPr lang="en-US" dirty="0" smtClean="0"/>
+              <a:rPr lang="en-US" dirty="0"/>
               <a:t>Fourth level</a:t>
             </a:r>
           </a:p>
           <a:p>
             <a:pPr lvl="4"/>
             <a:r>
-              <a:rPr lang="en-US" dirty="0" smtClean="0"/>
+              <a:rPr lang="en-US" dirty="0"/>
               <a:t>Fifth level</a:t>
             </a:r>
-            <a:endParaRPr lang="en-US" dirty="0"/>
           </a:p>
         </p:txBody>
       </p:sp>
@@ -3317,13 +3322,6 @@
   <p:clrMapOvr>
     <a:masterClrMapping/>
   </p:clrMapOvr>
-  <p:timing>
-    <p:tnLst>
-      <p:par>
-        <p:cTn id="1" dur="indefinite" restart="never" nodeType="tmRoot"/>
-      </p:par>
-    </p:tnLst>
-  </p:timing>
 </p:sldLayout>
 </file>
 
@@ -3383,10 +3381,9 @@
           </a:lstStyle>
           <a:p>
             <a:r>
-              <a:rPr lang="en-US" dirty="0" smtClean="0"/>
+              <a:rPr lang="en-US" dirty="0"/>
               <a:t>Section Title</a:t>
             </a:r>
-            <a:endParaRPr lang="en-US" dirty="0"/>
           </a:p>
         </p:txBody>
       </p:sp>
@@ -3471,10 +3468,9 @@
           </a:lstStyle>
           <a:p>
             <a:r>
-              <a:rPr lang="en-US" dirty="0" smtClean="0"/>
+              <a:rPr lang="en-US" dirty="0"/>
               <a:t>Section Subtitle</a:t>
             </a:r>
-            <a:endParaRPr lang="en-US" dirty="0"/>
           </a:p>
         </p:txBody>
       </p:sp>
@@ -3483,13 +3479,6 @@
   <p:clrMapOvr>
     <a:masterClrMapping/>
   </p:clrMapOvr>
-  <p:timing>
-    <p:tnLst>
-      <p:par>
-        <p:cTn id="1" dur="indefinite" restart="never" nodeType="tmRoot"/>
-      </p:par>
-    </p:tnLst>
-  </p:timing>
 </p:sldLayout>
 </file>
 
@@ -3543,10 +3532,9 @@
           </a:lstStyle>
           <a:p>
             <a:r>
-              <a:rPr lang="en-US" dirty="0" smtClean="0"/>
+              <a:rPr lang="en-US" dirty="0"/>
               <a:t>Slide Title</a:t>
             </a:r>
-            <a:endParaRPr lang="en-US" dirty="0"/>
           </a:p>
         </p:txBody>
       </p:sp>
@@ -3692,10 +3680,9 @@
           <a:p>
             <a:pPr lvl="0"/>
             <a:r>
-              <a:rPr lang="en-US" dirty="0" smtClean="0"/>
+              <a:rPr lang="en-US" dirty="0"/>
               <a:t>Example description</a:t>
             </a:r>
-            <a:endParaRPr lang="en-US" dirty="0"/>
           </a:p>
         </p:txBody>
       </p:sp>
@@ -3755,69 +3742,69 @@
           <a:p>
             <a:pPr lvl="0"/>
             <a:r>
-              <a:rPr lang="en-US" noProof="1" smtClean="0"/>
+              <a:rPr lang="en-US" noProof="1"/>
               <a:t>Source code box</a:t>
             </a:r>
           </a:p>
           <a:p>
             <a:pPr lvl="0"/>
-            <a:endParaRPr lang="en-US" noProof="1" smtClean="0"/>
+            <a:endParaRPr lang="en-US" noProof="1"/>
           </a:p>
           <a:p>
             <a:pPr lvl="0"/>
-            <a:endParaRPr lang="en-US" noProof="1" smtClean="0"/>
+            <a:endParaRPr lang="en-US" noProof="1"/>
           </a:p>
           <a:p>
             <a:pPr lvl="0"/>
-            <a:endParaRPr lang="en-US" noProof="1" smtClean="0"/>
+            <a:endParaRPr lang="en-US" noProof="1"/>
           </a:p>
           <a:p>
             <a:pPr lvl="0"/>
-            <a:endParaRPr lang="en-US" noProof="1" smtClean="0"/>
+            <a:endParaRPr lang="en-US" noProof="1"/>
           </a:p>
           <a:p>
             <a:pPr lvl="0"/>
-            <a:endParaRPr lang="en-US" noProof="1" smtClean="0"/>
+            <a:endParaRPr lang="en-US" noProof="1"/>
           </a:p>
           <a:p>
             <a:pPr lvl="0"/>
-            <a:endParaRPr lang="en-US" noProof="1" smtClean="0"/>
+            <a:endParaRPr lang="en-US" noProof="1"/>
           </a:p>
           <a:p>
             <a:pPr lvl="0"/>
-            <a:endParaRPr lang="en-US" noProof="1" smtClean="0"/>
+            <a:endParaRPr lang="en-US" noProof="1"/>
           </a:p>
           <a:p>
             <a:pPr lvl="0"/>
-            <a:endParaRPr lang="en-US" noProof="1" smtClean="0"/>
+            <a:endParaRPr lang="en-US" noProof="1"/>
           </a:p>
           <a:p>
             <a:pPr lvl="0"/>
-            <a:endParaRPr lang="en-US" noProof="1" smtClean="0"/>
+            <a:endParaRPr lang="en-US" noProof="1"/>
           </a:p>
           <a:p>
             <a:pPr lvl="0"/>
-            <a:endParaRPr lang="en-US" noProof="1" smtClean="0"/>
+            <a:endParaRPr lang="en-US" noProof="1"/>
           </a:p>
           <a:p>
             <a:pPr lvl="0"/>
-            <a:endParaRPr lang="en-US" noProof="1" smtClean="0"/>
+            <a:endParaRPr lang="en-US" noProof="1"/>
           </a:p>
           <a:p>
             <a:pPr lvl="0"/>
-            <a:endParaRPr lang="en-US" noProof="1" smtClean="0"/>
+            <a:endParaRPr lang="en-US" noProof="1"/>
           </a:p>
           <a:p>
             <a:pPr lvl="0"/>
-            <a:endParaRPr lang="en-US" noProof="1" smtClean="0"/>
+            <a:endParaRPr lang="en-US" noProof="1"/>
           </a:p>
           <a:p>
             <a:pPr lvl="0"/>
-            <a:endParaRPr lang="en-US" noProof="1" smtClean="0"/>
+            <a:endParaRPr lang="en-US" noProof="1"/>
           </a:p>
           <a:p>
             <a:pPr lvl="0"/>
-            <a:endParaRPr lang="en-US" noProof="1" smtClean="0"/>
+            <a:endParaRPr lang="en-US" noProof="1"/>
           </a:p>
         </p:txBody>
       </p:sp>
@@ -3855,13 +3842,6 @@
   <p:clrMapOvr>
     <a:masterClrMapping/>
   </p:clrMapOvr>
-  <p:timing>
-    <p:tnLst>
-      <p:par>
-        <p:cTn id="1" dur="indefinite" restart="never" nodeType="tmRoot"/>
-      </p:par>
-    </p:tnLst>
-  </p:timing>
 </p:sldLayout>
 </file>
 
@@ -3915,10 +3895,9 @@
           </a:lstStyle>
           <a:p>
             <a:r>
-              <a:rPr lang="en-US" dirty="0" smtClean="0"/>
+              <a:rPr lang="en-US" dirty="0"/>
               <a:t>Presentation Title</a:t>
             </a:r>
-            <a:endParaRPr lang="en-US" dirty="0"/>
           </a:p>
         </p:txBody>
       </p:sp>
@@ -3964,7 +3943,7 @@
               <a:defRPr/>
             </a:pPr>
             <a:r>
-              <a:rPr lang="en-US" sz="8000" b="1" kern="1200" dirty="0" smtClean="0">
+              <a:rPr lang="en-US" sz="8000" b="1" kern="1200" dirty="0">
                 <a:solidFill>
                   <a:srgbClr val="E8FFC8"/>
                 </a:solidFill>
@@ -3989,13 +3968,6 @@
   <p:clrMapOvr>
     <a:masterClrMapping/>
   </p:clrMapOvr>
-  <p:timing>
-    <p:tnLst>
-      <p:par>
-        <p:cTn id="1" dur="indefinite" restart="never" nodeType="tmRoot"/>
-      </p:par>
-    </p:tnLst>
-  </p:timing>
 </p:sldLayout>
 </file>
 
@@ -4021,13 +3993,6 @@
   <p:clrMapOvr>
     <a:masterClrMapping/>
   </p:clrMapOvr>
-  <p:timing>
-    <p:tnLst>
-      <p:par>
-        <p:cTn id="1" dur="indefinite" restart="never" nodeType="tmRoot"/>
-      </p:par>
-    </p:tnLst>
-  </p:timing>
 </p:sldLayout>
 </file>
 
@@ -4891,13 +4856,6 @@
     <p:sldLayoutId id="2147483702" r:id="rId5"/>
     <p:sldLayoutId id="2147483694" r:id="rId6"/>
   </p:sldLayoutIdLst>
-  <p:timing>
-    <p:tnLst>
-      <p:par>
-        <p:cTn id="1" dur="indefinite" restart="never" nodeType="tmRoot"/>
-      </p:par>
-    </p:tnLst>
-  </p:timing>
   <p:hf hdr="0" ftr="0" dt="0"/>
   <p:txStyles>
     <p:titleStyle>
@@ -5416,10 +5374,9 @@
           <a:lstStyle/>
           <a:p>
             <a:r>
-              <a:rPr lang="en-US" dirty="0" smtClean="0"/>
+              <a:rPr lang="en-US" dirty="0"/>
               <a:t>Conditional Statements</a:t>
             </a:r>
-            <a:endParaRPr lang="en-US" dirty="0"/>
           </a:p>
         </p:txBody>
       </p:sp>
@@ -5444,10 +5401,9 @@
           <a:lstStyle/>
           <a:p>
             <a:r>
-              <a:rPr lang="en-US" dirty="0" smtClean="0"/>
+              <a:rPr lang="en-US" dirty="0"/>
               <a:t>Implementing Control Logic in C#</a:t>
             </a:r>
-            <a:endParaRPr lang="en-US" dirty="0"/>
           </a:p>
         </p:txBody>
       </p:sp>
@@ -5532,7 +5488,7 @@
           <a:lstStyle/>
           <a:p>
             <a:r>
-              <a:rPr lang="en-US" dirty="0" smtClean="0">
+              <a:rPr lang="en-US" dirty="0">
                 <a:hlinkClick r:id="rId2"/>
               </a:rPr>
               <a:t>www.telerik.com</a:t>
@@ -5809,13 +5765,6 @@
   <p:clrMapOvr>
     <a:masterClrMapping/>
   </p:clrMapOvr>
-  <p:timing>
-    <p:tnLst>
-      <p:par>
-        <p:cTn id="1" dur="indefinite" restart="never" nodeType="tmRoot"/>
-      </p:par>
-    </p:tnLst>
-  </p:timing>
 </p:sld>
 </file>
 
@@ -5852,21 +5801,20 @@
           <a:lstStyle/>
           <a:p>
             <a:r>
-              <a:rPr lang="en-US" dirty="0" smtClean="0"/>
+              <a:rPr lang="en-US" dirty="0"/>
               <a:t>The </a:t>
             </a:r>
             <a:r>
-              <a:rPr lang="en-US" dirty="0" smtClean="0">
+              <a:rPr lang="en-US" dirty="0">
                 <a:latin typeface="Consolas" pitchFamily="49" charset="0"/>
                 <a:cs typeface="Consolas" pitchFamily="49" charset="0"/>
               </a:rPr>
               <a:t>if</a:t>
             </a:r>
             <a:r>
-              <a:rPr lang="en-US" dirty="0" smtClean="0"/>
+              <a:rPr lang="en-US" dirty="0"/>
               <a:t> Statement – Example</a:t>
             </a:r>
-            <a:endParaRPr lang="en-US" dirty="0"/>
           </a:p>
         </p:txBody>
       </p:sp>
@@ -6003,7 +5951,7 @@
               <a:buSzPct val="70000"/>
             </a:pPr>
             <a:r>
-              <a:rPr lang="en-US" sz="2000" b="1" noProof="1" smtClean="0">
+              <a:rPr lang="en-US" sz="2000" b="1" noProof="1">
                 <a:solidFill>
                   <a:srgbClr val="8CF4F2"/>
                 </a:solidFill>
@@ -6017,24 +5965,7 @@
                 <a:latin typeface="Consolas" pitchFamily="49" charset="0"/>
                 <a:cs typeface="Consolas" pitchFamily="49" charset="0"/>
               </a:rPr>
-              <a:t>    Console.WriteLine</a:t>
-            </a:r>
-            <a:r>
-              <a:rPr lang="en-US" sz="2000" b="1" noProof="1">
-                <a:solidFill>
-                  <a:srgbClr val="8CF4F2"/>
-                </a:solidFill>
-                <a:effectLst>
-                  <a:outerShdw blurRad="38100" dist="38100" dir="2700000" algn="tl">
-                    <a:srgbClr val="000000">
-                      <a:alpha val="43137"/>
-                    </a:srgbClr>
-                  </a:outerShdw>
-                </a:effectLst>
-                <a:latin typeface="Consolas" pitchFamily="49" charset="0"/>
-                <a:cs typeface="Consolas" pitchFamily="49" charset="0"/>
-              </a:rPr>
-              <a:t>("Enter two numbers.");</a:t>
+              <a:t>    Console.WriteLine("Enter two numbers.");</a:t>
             </a:r>
           </a:p>
           <a:p>
@@ -6087,10 +6018,21 @@
                 <a:latin typeface="Consolas" pitchFamily="49" charset="0"/>
                 <a:cs typeface="Consolas" pitchFamily="49" charset="0"/>
               </a:rPr>
-              <a:t>    int </a:t>
-            </a:r>
-            <a:r>
-              <a:rPr lang="en-US" sz="2000" b="1" noProof="1" smtClean="0">
+              <a:t>    int biggerNumber = int.Parse(Console.ReadLine());</a:t>
+            </a:r>
+          </a:p>
+          <a:p>
+            <a:pPr eaLnBrk="0" hangingPunct="0">
+              <a:buClr>
+                <a:schemeClr val="accent5">
+                  <a:lumMod val="40000"/>
+                  <a:lumOff val="60000"/>
+                </a:schemeClr>
+              </a:buClr>
+              <a:buSzPct val="70000"/>
+            </a:pPr>
+            <a:r>
+              <a:rPr lang="en-US" sz="2000" b="1" noProof="1">
                 <a:solidFill>
                   <a:srgbClr val="8CF4F2"/>
                 </a:solidFill>
@@ -6104,86 +6046,7 @@
                 <a:latin typeface="Consolas" pitchFamily="49" charset="0"/>
                 <a:cs typeface="Consolas" pitchFamily="49" charset="0"/>
               </a:rPr>
-              <a:t>biggerNumber </a:t>
-            </a:r>
-            <a:r>
-              <a:rPr lang="en-US" sz="2000" b="1" noProof="1">
-                <a:solidFill>
-                  <a:srgbClr val="8CF4F2"/>
-                </a:solidFill>
-                <a:effectLst>
-                  <a:outerShdw blurRad="38100" dist="38100" dir="2700000" algn="tl">
-                    <a:srgbClr val="000000">
-                      <a:alpha val="43137"/>
-                    </a:srgbClr>
-                  </a:outerShdw>
-                </a:effectLst>
-                <a:latin typeface="Consolas" pitchFamily="49" charset="0"/>
-                <a:cs typeface="Consolas" pitchFamily="49" charset="0"/>
-              </a:rPr>
-              <a:t>= int.Parse(Console.ReadLine());</a:t>
-            </a:r>
-          </a:p>
-          <a:p>
-            <a:pPr eaLnBrk="0" hangingPunct="0">
-              <a:buClr>
-                <a:schemeClr val="accent5">
-                  <a:lumMod val="40000"/>
-                  <a:lumOff val="60000"/>
-                </a:schemeClr>
-              </a:buClr>
-              <a:buSzPct val="70000"/>
-            </a:pPr>
-            <a:r>
-              <a:rPr lang="en-US" sz="2000" b="1" noProof="1">
-                <a:solidFill>
-                  <a:srgbClr val="8CF4F2"/>
-                </a:solidFill>
-                <a:effectLst>
-                  <a:outerShdw blurRad="38100" dist="38100" dir="2700000" algn="tl">
-                    <a:srgbClr val="000000">
-                      <a:alpha val="43137"/>
-                    </a:srgbClr>
-                  </a:outerShdw>
-                </a:effectLst>
-                <a:latin typeface="Consolas" pitchFamily="49" charset="0"/>
-                <a:cs typeface="Consolas" pitchFamily="49" charset="0"/>
-              </a:rPr>
-              <a:t>    int </a:t>
-            </a:r>
-            <a:r>
-              <a:rPr lang="en-US" sz="2000" b="1" noProof="1" smtClean="0">
-                <a:solidFill>
-                  <a:srgbClr val="8CF4F2"/>
-                </a:solidFill>
-                <a:effectLst>
-                  <a:outerShdw blurRad="38100" dist="38100" dir="2700000" algn="tl">
-                    <a:srgbClr val="000000">
-                      <a:alpha val="43137"/>
-                    </a:srgbClr>
-                  </a:outerShdw>
-                </a:effectLst>
-                <a:latin typeface="Consolas" pitchFamily="49" charset="0"/>
-                <a:cs typeface="Consolas" pitchFamily="49" charset="0"/>
-              </a:rPr>
-              <a:t>smallerNumber </a:t>
-            </a:r>
-            <a:r>
-              <a:rPr lang="en-US" sz="2000" b="1" noProof="1">
-                <a:solidFill>
-                  <a:srgbClr val="8CF4F2"/>
-                </a:solidFill>
-                <a:effectLst>
-                  <a:outerShdw blurRad="38100" dist="38100" dir="2700000" algn="tl">
-                    <a:srgbClr val="000000">
-                      <a:alpha val="43137"/>
-                    </a:srgbClr>
-                  </a:outerShdw>
-                </a:effectLst>
-                <a:latin typeface="Consolas" pitchFamily="49" charset="0"/>
-                <a:cs typeface="Consolas" pitchFamily="49" charset="0"/>
-              </a:rPr>
-              <a:t>= int.Parse(Console.ReadLine());</a:t>
+              <a:t>    int smallerNumber = int.Parse(Console.ReadLine());</a:t>
             </a:r>
           </a:p>
           <a:p>
@@ -6236,10 +6099,21 @@
                 <a:latin typeface="Consolas" pitchFamily="49" charset="0"/>
                 <a:cs typeface="Consolas" pitchFamily="49" charset="0"/>
               </a:rPr>
-              <a:t>    </a:t>
-            </a:r>
-            <a:r>
-              <a:rPr lang="en-US" sz="2000" b="1" noProof="1" smtClean="0">
+              <a:t>    if (smallerNumber &gt; biggerNumber)</a:t>
+            </a:r>
+          </a:p>
+          <a:p>
+            <a:pPr eaLnBrk="0" hangingPunct="0">
+              <a:buClr>
+                <a:schemeClr val="accent5">
+                  <a:lumMod val="40000"/>
+                  <a:lumOff val="60000"/>
+                </a:schemeClr>
+              </a:buClr>
+              <a:buSzPct val="70000"/>
+            </a:pPr>
+            <a:r>
+              <a:rPr lang="en-US" sz="2000" b="1" noProof="1">
                 <a:solidFill>
                   <a:srgbClr val="8CF4F2"/>
                 </a:solidFill>
@@ -6253,8 +6127,19 @@
                 <a:latin typeface="Consolas" pitchFamily="49" charset="0"/>
                 <a:cs typeface="Consolas" pitchFamily="49" charset="0"/>
               </a:rPr>
-              <a:t>if (smallerNumber </a:t>
-            </a:r>
+              <a:t>    {</a:t>
+            </a:r>
+          </a:p>
+          <a:p>
+            <a:pPr eaLnBrk="0" hangingPunct="0">
+              <a:buClr>
+                <a:schemeClr val="accent5">
+                  <a:lumMod val="40000"/>
+                  <a:lumOff val="60000"/>
+                </a:schemeClr>
+              </a:buClr>
+              <a:buSzPct val="70000"/>
+            </a:pPr>
             <a:r>
               <a:rPr lang="en-US" sz="2000" b="1" noProof="1">
                 <a:solidFill>
@@ -6270,148 +6155,7 @@
                 <a:latin typeface="Consolas" pitchFamily="49" charset="0"/>
                 <a:cs typeface="Consolas" pitchFamily="49" charset="0"/>
               </a:rPr>
-              <a:t>&gt; </a:t>
-            </a:r>
-            <a:r>
-              <a:rPr lang="en-US" sz="2000" b="1" noProof="1" smtClean="0">
-                <a:solidFill>
-                  <a:srgbClr val="8CF4F2"/>
-                </a:solidFill>
-                <a:effectLst>
-                  <a:outerShdw blurRad="38100" dist="38100" dir="2700000" algn="tl">
-                    <a:srgbClr val="000000">
-                      <a:alpha val="43137"/>
-                    </a:srgbClr>
-                  </a:outerShdw>
-                </a:effectLst>
-                <a:latin typeface="Consolas" pitchFamily="49" charset="0"/>
-                <a:cs typeface="Consolas" pitchFamily="49" charset="0"/>
-              </a:rPr>
-              <a:t>biggerNumber</a:t>
-            </a:r>
-            <a:r>
-              <a:rPr lang="en-US" sz="2000" b="1" noProof="1">
-                <a:solidFill>
-                  <a:srgbClr val="8CF4F2"/>
-                </a:solidFill>
-                <a:effectLst>
-                  <a:outerShdw blurRad="38100" dist="38100" dir="2700000" algn="tl">
-                    <a:srgbClr val="000000">
-                      <a:alpha val="43137"/>
-                    </a:srgbClr>
-                  </a:outerShdw>
-                </a:effectLst>
-                <a:latin typeface="Consolas" pitchFamily="49" charset="0"/>
-                <a:cs typeface="Consolas" pitchFamily="49" charset="0"/>
-              </a:rPr>
-              <a:t>)</a:t>
-            </a:r>
-          </a:p>
-          <a:p>
-            <a:pPr eaLnBrk="0" hangingPunct="0">
-              <a:buClr>
-                <a:schemeClr val="accent5">
-                  <a:lumMod val="40000"/>
-                  <a:lumOff val="60000"/>
-                </a:schemeClr>
-              </a:buClr>
-              <a:buSzPct val="70000"/>
-            </a:pPr>
-            <a:r>
-              <a:rPr lang="en-US" sz="2000" b="1" noProof="1">
-                <a:solidFill>
-                  <a:srgbClr val="8CF4F2"/>
-                </a:solidFill>
-                <a:effectLst>
-                  <a:outerShdw blurRad="38100" dist="38100" dir="2700000" algn="tl">
-                    <a:srgbClr val="000000">
-                      <a:alpha val="43137"/>
-                    </a:srgbClr>
-                  </a:outerShdw>
-                </a:effectLst>
-                <a:latin typeface="Consolas" pitchFamily="49" charset="0"/>
-                <a:cs typeface="Consolas" pitchFamily="49" charset="0"/>
-              </a:rPr>
-              <a:t>    {</a:t>
-            </a:r>
-          </a:p>
-          <a:p>
-            <a:pPr eaLnBrk="0" hangingPunct="0">
-              <a:buClr>
-                <a:schemeClr val="accent5">
-                  <a:lumMod val="40000"/>
-                  <a:lumOff val="60000"/>
-                </a:schemeClr>
-              </a:buClr>
-              <a:buSzPct val="70000"/>
-            </a:pPr>
-            <a:r>
-              <a:rPr lang="en-US" sz="2000" b="1" noProof="1" smtClean="0">
-                <a:solidFill>
-                  <a:srgbClr val="8CF4F2"/>
-                </a:solidFill>
-                <a:effectLst>
-                  <a:outerShdw blurRad="38100" dist="38100" dir="2700000" algn="tl">
-                    <a:srgbClr val="000000">
-                      <a:alpha val="43137"/>
-                    </a:srgbClr>
-                  </a:outerShdw>
-                </a:effectLst>
-                <a:latin typeface="Consolas" pitchFamily="49" charset="0"/>
-                <a:cs typeface="Consolas" pitchFamily="49" charset="0"/>
-              </a:rPr>
-              <a:t>        biggerNumber </a:t>
-            </a:r>
-            <a:r>
-              <a:rPr lang="en-US" sz="2000" b="1" noProof="1">
-                <a:solidFill>
-                  <a:srgbClr val="8CF4F2"/>
-                </a:solidFill>
-                <a:effectLst>
-                  <a:outerShdw blurRad="38100" dist="38100" dir="2700000" algn="tl">
-                    <a:srgbClr val="000000">
-                      <a:alpha val="43137"/>
-                    </a:srgbClr>
-                  </a:outerShdw>
-                </a:effectLst>
-                <a:latin typeface="Consolas" pitchFamily="49" charset="0"/>
-                <a:cs typeface="Consolas" pitchFamily="49" charset="0"/>
-              </a:rPr>
-              <a:t>= </a:t>
-            </a:r>
-            <a:r>
-              <a:rPr lang="en-US" sz="2000" b="1" noProof="1" smtClean="0">
-                <a:solidFill>
-                  <a:srgbClr val="8CF4F2"/>
-                </a:solidFill>
-                <a:effectLst>
-                  <a:outerShdw blurRad="38100" dist="38100" dir="2700000" algn="tl">
-                    <a:srgbClr val="000000">
-                      <a:alpha val="43137"/>
-                    </a:srgbClr>
-                  </a:outerShdw>
-                </a:effectLst>
-                <a:latin typeface="Consolas" pitchFamily="49" charset="0"/>
-                <a:cs typeface="Consolas" pitchFamily="49" charset="0"/>
-              </a:rPr>
-              <a:t>smallerNumber</a:t>
-            </a:r>
-            <a:r>
-              <a:rPr lang="en-US" sz="2000" b="1" noProof="1">
-                <a:solidFill>
-                  <a:srgbClr val="8CF4F2"/>
-                </a:solidFill>
-                <a:effectLst>
-                  <a:outerShdw blurRad="38100" dist="38100" dir="2700000" algn="tl">
-                    <a:srgbClr val="000000">
-                      <a:alpha val="43137"/>
-                    </a:srgbClr>
-                  </a:outerShdw>
-                </a:effectLst>
-                <a:latin typeface="Consolas" pitchFamily="49" charset="0"/>
-                <a:cs typeface="Consolas" pitchFamily="49" charset="0"/>
-              </a:rPr>
-              <a:t>;</a:t>
+              <a:t>        biggerNumber = smallerNumber;</a:t>
             </a:r>
           </a:p>
           <a:p>
@@ -6492,10 +6236,21 @@
                 <a:latin typeface="Consolas" pitchFamily="49" charset="0"/>
                 <a:cs typeface="Consolas" pitchFamily="49" charset="0"/>
               </a:rPr>
-              <a:t>    Console.WriteLine("The greater number is: </a:t>
-            </a:r>
-            <a:r>
-              <a:rPr lang="en-US" sz="2000" b="1" noProof="1" smtClean="0">
+              <a:t>    Console.WriteLine("The greater number is: {0}",</a:t>
+            </a:r>
+          </a:p>
+          <a:p>
+            <a:pPr eaLnBrk="0" hangingPunct="0">
+              <a:buClr>
+                <a:schemeClr val="accent5">
+                  <a:lumMod val="40000"/>
+                  <a:lumOff val="60000"/>
+                </a:schemeClr>
+              </a:buClr>
+              <a:buSzPct val="70000"/>
+            </a:pPr>
+            <a:r>
+              <a:rPr lang="en-US" sz="2000" b="1" noProof="1">
                 <a:solidFill>
                   <a:srgbClr val="8CF4F2"/>
                 </a:solidFill>
@@ -6509,7 +6264,7 @@
                 <a:latin typeface="Consolas" pitchFamily="49" charset="0"/>
                 <a:cs typeface="Consolas" pitchFamily="49" charset="0"/>
               </a:rPr>
-              <a:t>{0}",</a:t>
+              <a:t>        biggerNumber);</a:t>
             </a:r>
           </a:p>
           <a:p>
@@ -6523,7 +6278,7 @@
               <a:buSzPct val="70000"/>
             </a:pPr>
             <a:r>
-              <a:rPr lang="en-US" sz="2000" b="1" noProof="1" smtClean="0">
+              <a:rPr lang="en-US" sz="2000" b="1" noProof="1">
                 <a:solidFill>
                   <a:srgbClr val="8CF4F2"/>
                 </a:solidFill>
@@ -6537,51 +6292,6 @@
                 <a:latin typeface="Consolas" pitchFamily="49" charset="0"/>
                 <a:cs typeface="Consolas" pitchFamily="49" charset="0"/>
               </a:rPr>
-              <a:t>        biggerNumber</a:t>
-            </a:r>
-            <a:r>
-              <a:rPr lang="en-US" sz="2000" b="1" noProof="1">
-                <a:solidFill>
-                  <a:srgbClr val="8CF4F2"/>
-                </a:solidFill>
-                <a:effectLst>
-                  <a:outerShdw blurRad="38100" dist="38100" dir="2700000" algn="tl">
-                    <a:srgbClr val="000000">
-                      <a:alpha val="43137"/>
-                    </a:srgbClr>
-                  </a:outerShdw>
-                </a:effectLst>
-                <a:latin typeface="Consolas" pitchFamily="49" charset="0"/>
-                <a:cs typeface="Consolas" pitchFamily="49" charset="0"/>
-              </a:rPr>
-              <a:t>);</a:t>
-            </a:r>
-          </a:p>
-          <a:p>
-            <a:pPr eaLnBrk="0" hangingPunct="0">
-              <a:buClr>
-                <a:schemeClr val="accent5">
-                  <a:lumMod val="40000"/>
-                  <a:lumOff val="60000"/>
-                </a:schemeClr>
-              </a:buClr>
-              <a:buSzPct val="70000"/>
-            </a:pPr>
-            <a:r>
-              <a:rPr lang="en-US" sz="2000" b="1" noProof="1">
-                <a:solidFill>
-                  <a:srgbClr val="8CF4F2"/>
-                </a:solidFill>
-                <a:effectLst>
-                  <a:outerShdw blurRad="38100" dist="38100" dir="2700000" algn="tl">
-                    <a:srgbClr val="000000">
-                      <a:alpha val="43137"/>
-                    </a:srgbClr>
-                  </a:outerShdw>
-                </a:effectLst>
-                <a:latin typeface="Consolas" pitchFamily="49" charset="0"/>
-                <a:cs typeface="Consolas" pitchFamily="49" charset="0"/>
-              </a:rPr>
               <a:t>}</a:t>
             </a:r>
           </a:p>
@@ -6592,13 +6302,6 @@
   <p:clrMapOvr>
     <a:masterClrMapping/>
   </p:clrMapOvr>
-  <p:timing>
-    <p:tnLst>
-      <p:par>
-        <p:cTn id="1" dur="indefinite" restart="never" nodeType="tmRoot"/>
-      </p:par>
-    </p:tnLst>
-  </p:timing>
 </p:sld>
 </file>
 
@@ -6645,18 +6348,18 @@
               </a:lnSpc>
             </a:pPr>
             <a:r>
-              <a:rPr lang="en-US" dirty="0" smtClean="0"/>
+              <a:rPr lang="en-US" dirty="0"/>
               <a:t>The </a:t>
             </a:r>
             <a:r>
-              <a:rPr lang="en-US" dirty="0" smtClean="0">
+              <a:rPr lang="en-US" dirty="0">
                 <a:latin typeface="Consolas" pitchFamily="49" charset="0"/>
                 <a:cs typeface="Consolas" pitchFamily="49" charset="0"/>
               </a:rPr>
               <a:t>if</a:t>
             </a:r>
             <a:r>
-              <a:rPr lang="en-US" dirty="0" smtClean="0"/>
+              <a:rPr lang="en-US" dirty="0"/>
               <a:t> Statement</a:t>
             </a:r>
             <a:endParaRPr lang="bg-BG" dirty="0"/>
@@ -6700,7 +6403,7 @@
               </a:lnSpc>
             </a:pPr>
             <a:r>
-              <a:rPr lang="en-US" sz="2800" b="1" dirty="0" smtClean="0">
+              <a:rPr lang="en-US" sz="2800" b="1" dirty="0">
                 <a:effectLst>
                   <a:outerShdw blurRad="38100" dist="38100" dir="2700000" algn="tl">
                     <a:srgbClr val="000000">
@@ -6890,13 +6593,6 @@
     <a:masterClrMapping/>
   </p:clrMapOvr>
   <p:transition/>
-  <p:timing>
-    <p:tnLst>
-      <p:par>
-        <p:cTn id="1" dur="indefinite" restart="never" nodeType="tmRoot"/>
-      </p:par>
-    </p:tnLst>
-  </p:timing>
 </p:sld>
 </file>
 
@@ -6993,15 +6689,7 @@
             </a:pPr>
             <a:r>
               <a:rPr lang="en-US" sz="2900" dirty="0"/>
-              <a:t>Executes one branch if the condition is true, </a:t>
-            </a:r>
-            <a:r>
-              <a:rPr lang="en-US" sz="2900" dirty="0" smtClean="0"/>
-              <a:t>and another </a:t>
-            </a:r>
-            <a:r>
-              <a:rPr lang="en-US" sz="2900" dirty="0"/>
-              <a:t>if it is false </a:t>
+              <a:t>Executes one branch if the condition is true, and another if it is false </a:t>
             </a:r>
           </a:p>
           <a:p>
@@ -7092,20 +6780,6 @@
               </a:rPr>
               <a:t>if (expression) </a:t>
             </a:r>
-            <a:endParaRPr lang="en-US" sz="2000" b="1" noProof="1" smtClean="0">
-              <a:solidFill>
-                <a:srgbClr val="8CF4F2"/>
-              </a:solidFill>
-              <a:effectLst>
-                <a:outerShdw blurRad="38100" dist="38100" dir="2700000" algn="tl">
-                  <a:srgbClr val="000000">
-                    <a:alpha val="43137"/>
-                  </a:srgbClr>
-                </a:outerShdw>
-              </a:effectLst>
-              <a:latin typeface="Consolas" pitchFamily="49" charset="0"/>
-              <a:cs typeface="Consolas" pitchFamily="49" charset="0"/>
-            </a:endParaRPr>
           </a:p>
           <a:p>
             <a:pPr eaLnBrk="0" hangingPunct="0">
@@ -7118,7 +6792,7 @@
               <a:buSzPct val="70000"/>
             </a:pPr>
             <a:r>
-              <a:rPr lang="en-US" sz="2000" b="1" noProof="1" smtClean="0">
+              <a:rPr lang="en-US" sz="2000" b="1" noProof="1">
                 <a:solidFill>
                   <a:srgbClr val="8CF4F2"/>
                 </a:solidFill>
@@ -7146,7 +6820,7 @@
               <a:buSzPct val="70000"/>
             </a:pPr>
             <a:r>
-              <a:rPr lang="en-US" sz="2000" b="1" noProof="1" smtClean="0">
+              <a:rPr lang="en-US" sz="2000" b="1" noProof="1">
                 <a:solidFill>
                   <a:srgbClr val="8CF4F2"/>
                 </a:solidFill>
@@ -7160,8 +6834,19 @@
                 <a:latin typeface="Consolas" pitchFamily="49" charset="0"/>
                 <a:cs typeface="Consolas" pitchFamily="49" charset="0"/>
               </a:rPr>
-              <a:t>    statement1</a:t>
-            </a:r>
+              <a:t>    statement1; </a:t>
+            </a:r>
+          </a:p>
+          <a:p>
+            <a:pPr eaLnBrk="0" hangingPunct="0">
+              <a:buClr>
+                <a:schemeClr val="accent5">
+                  <a:lumMod val="40000"/>
+                  <a:lumOff val="60000"/>
+                </a:schemeClr>
+              </a:buClr>
+              <a:buSzPct val="70000"/>
+            </a:pPr>
             <a:r>
               <a:rPr lang="en-US" sz="2000" b="1" noProof="1">
                 <a:solidFill>
@@ -7177,22 +6862,8 @@
                 <a:latin typeface="Consolas" pitchFamily="49" charset="0"/>
                 <a:cs typeface="Consolas" pitchFamily="49" charset="0"/>
               </a:rPr>
-              <a:t>; </a:t>
-            </a:r>
-            <a:endParaRPr lang="en-US" sz="2000" b="1" noProof="1" smtClean="0">
-              <a:solidFill>
-                <a:srgbClr val="8CF4F2"/>
-              </a:solidFill>
-              <a:effectLst>
-                <a:outerShdw blurRad="38100" dist="38100" dir="2700000" algn="tl">
-                  <a:srgbClr val="000000">
-                    <a:alpha val="43137"/>
-                  </a:srgbClr>
-                </a:outerShdw>
-              </a:effectLst>
-              <a:latin typeface="Consolas" pitchFamily="49" charset="0"/>
-              <a:cs typeface="Consolas" pitchFamily="49" charset="0"/>
-            </a:endParaRPr>
+              <a:t>}</a:t>
+            </a:r>
           </a:p>
           <a:p>
             <a:pPr eaLnBrk="0" hangingPunct="0">
@@ -7205,7 +6876,7 @@
               <a:buSzPct val="70000"/>
             </a:pPr>
             <a:r>
-              <a:rPr lang="en-US" sz="2000" b="1" noProof="1" smtClean="0">
+              <a:rPr lang="en-US" sz="2000" b="1" noProof="1">
                 <a:solidFill>
                   <a:srgbClr val="8CF4F2"/>
                 </a:solidFill>
@@ -7219,7 +6890,7 @@
                 <a:latin typeface="Consolas" pitchFamily="49" charset="0"/>
                 <a:cs typeface="Consolas" pitchFamily="49" charset="0"/>
               </a:rPr>
-              <a:t>}</a:t>
+              <a:t>else </a:t>
             </a:r>
           </a:p>
           <a:p>
@@ -7233,7 +6904,7 @@
               <a:buSzPct val="70000"/>
             </a:pPr>
             <a:r>
-              <a:rPr lang="en-US" sz="2000" b="1" noProof="1" smtClean="0">
+              <a:rPr lang="en-US" sz="2000" b="1" noProof="1">
                 <a:solidFill>
                   <a:srgbClr val="8CF4F2"/>
                 </a:solidFill>
@@ -7247,7 +6918,7 @@
                 <a:latin typeface="Consolas" pitchFamily="49" charset="0"/>
                 <a:cs typeface="Consolas" pitchFamily="49" charset="0"/>
               </a:rPr>
-              <a:t>else </a:t>
+              <a:t>{</a:t>
             </a:r>
           </a:p>
           <a:p>
@@ -7261,7 +6932,7 @@
               <a:buSzPct val="70000"/>
             </a:pPr>
             <a:r>
-              <a:rPr lang="en-US" sz="2000" b="1" noProof="1" smtClean="0">
+              <a:rPr lang="en-US" sz="2000" b="1" noProof="1">
                 <a:solidFill>
                   <a:srgbClr val="8CF4F2"/>
                 </a:solidFill>
@@ -7275,7 +6946,7 @@
                 <a:latin typeface="Consolas" pitchFamily="49" charset="0"/>
                 <a:cs typeface="Consolas" pitchFamily="49" charset="0"/>
               </a:rPr>
-              <a:t>{</a:t>
+              <a:t>    statement2; </a:t>
             </a:r>
           </a:p>
           <a:p>
@@ -7289,7 +6960,7 @@
               <a:buSzPct val="70000"/>
             </a:pPr>
             <a:r>
-              <a:rPr lang="en-US" sz="2000" b="1" noProof="1" smtClean="0">
+              <a:rPr lang="en-US" sz="2000" b="1" noProof="1">
                 <a:solidFill>
                   <a:srgbClr val="8CF4F2"/>
                 </a:solidFill>
@@ -7303,81 +6974,8 @@
                 <a:latin typeface="Consolas" pitchFamily="49" charset="0"/>
                 <a:cs typeface="Consolas" pitchFamily="49" charset="0"/>
               </a:rPr>
-              <a:t>    statement2</a:t>
-            </a:r>
-            <a:r>
-              <a:rPr lang="en-US" sz="2000" b="1" noProof="1">
-                <a:solidFill>
-                  <a:srgbClr val="8CF4F2"/>
-                </a:solidFill>
-                <a:effectLst>
-                  <a:outerShdw blurRad="38100" dist="38100" dir="2700000" algn="tl">
-                    <a:srgbClr val="000000">
-                      <a:alpha val="43137"/>
-                    </a:srgbClr>
-                  </a:outerShdw>
-                </a:effectLst>
-                <a:latin typeface="Consolas" pitchFamily="49" charset="0"/>
-                <a:cs typeface="Consolas" pitchFamily="49" charset="0"/>
-              </a:rPr>
-              <a:t>; </a:t>
-            </a:r>
-            <a:endParaRPr lang="en-US" sz="2000" b="1" noProof="1" smtClean="0">
-              <a:solidFill>
-                <a:srgbClr val="8CF4F2"/>
-              </a:solidFill>
-              <a:effectLst>
-                <a:outerShdw blurRad="38100" dist="38100" dir="2700000" algn="tl">
-                  <a:srgbClr val="000000">
-                    <a:alpha val="43137"/>
-                  </a:srgbClr>
-                </a:outerShdw>
-              </a:effectLst>
-              <a:latin typeface="Consolas" pitchFamily="49" charset="0"/>
-              <a:cs typeface="Consolas" pitchFamily="49" charset="0"/>
-            </a:endParaRPr>
-          </a:p>
-          <a:p>
-            <a:pPr eaLnBrk="0" hangingPunct="0">
-              <a:buClr>
-                <a:schemeClr val="accent5">
-                  <a:lumMod val="40000"/>
-                  <a:lumOff val="60000"/>
-                </a:schemeClr>
-              </a:buClr>
-              <a:buSzPct val="70000"/>
-            </a:pPr>
-            <a:r>
-              <a:rPr lang="en-US" sz="2000" b="1" noProof="1" smtClean="0">
-                <a:solidFill>
-                  <a:srgbClr val="8CF4F2"/>
-                </a:solidFill>
-                <a:effectLst>
-                  <a:outerShdw blurRad="38100" dist="38100" dir="2700000" algn="tl">
-                    <a:srgbClr val="000000">
-                      <a:alpha val="43137"/>
-                    </a:srgbClr>
-                  </a:outerShdw>
-                </a:effectLst>
-                <a:latin typeface="Consolas" pitchFamily="49" charset="0"/>
-                <a:cs typeface="Consolas" pitchFamily="49" charset="0"/>
-              </a:rPr>
               <a:t>}</a:t>
             </a:r>
-            <a:endParaRPr lang="en-US" sz="2000" b="1" noProof="1">
-              <a:solidFill>
-                <a:srgbClr val="8CF4F2"/>
-              </a:solidFill>
-              <a:effectLst>
-                <a:outerShdw blurRad="38100" dist="38100" dir="2700000" algn="tl">
-                  <a:srgbClr val="000000">
-                    <a:alpha val="43137"/>
-                  </a:srgbClr>
-                </a:outerShdw>
-              </a:effectLst>
-              <a:latin typeface="Consolas" pitchFamily="49" charset="0"/>
-              <a:cs typeface="Consolas" pitchFamily="49" charset="0"/>
-            </a:endParaRPr>
           </a:p>
         </p:txBody>
       </p:sp>
@@ -7421,13 +7019,6 @@
     <a:masterClrMapping/>
   </p:clrMapOvr>
   <p:transition/>
-  <p:timing>
-    <p:tnLst>
-      <p:par>
-        <p:cTn id="1" dur="indefinite" restart="never" nodeType="tmRoot"/>
-      </p:par>
-    </p:tnLst>
-  </p:timing>
 </p:sld>
 </file>
 
@@ -7502,11 +7093,7 @@
           <a:p>
             <a:r>
               <a:rPr lang="en-US"/>
-              <a:t>How </a:t>
-            </a:r>
-            <a:r>
-              <a:rPr lang="en-US" smtClean="0"/>
-              <a:t>It </a:t>
+              <a:t>How It </a:t>
             </a:r>
             <a:r>
               <a:rPr lang="en-US" dirty="0"/>
@@ -7554,13 +7141,8 @@
             </a:pPr>
             <a:r>
               <a:rPr lang="en-US" dirty="0"/>
-              <a:t>If it is true, the </a:t>
-            </a:r>
-            <a:r>
-              <a:rPr lang="en-US" dirty="0" smtClean="0"/>
-              <a:t>first statement is executed</a:t>
-            </a:r>
-            <a:endParaRPr lang="en-US" dirty="0"/>
+              <a:t>If it is true, the first statement is executed</a:t>
+            </a:r>
           </a:p>
           <a:p>
             <a:pPr lvl="1">
@@ -7570,11 +7152,7 @@
             </a:pPr>
             <a:r>
               <a:rPr lang="en-US" dirty="0"/>
-              <a:t>If it is false, </a:t>
-            </a:r>
-            <a:r>
-              <a:rPr lang="en-US" dirty="0" smtClean="0"/>
-              <a:t>the second statement is executed</a:t>
+              <a:t>If it is false, the second statement is executed</a:t>
             </a:r>
             <a:endParaRPr lang="bg-BG" dirty="0"/>
           </a:p>
@@ -7969,7 +7547,7 @@
               </a:spcBef>
             </a:pPr>
             <a:r>
-              <a:rPr lang="en-US" sz="2000" b="1" dirty="0" smtClean="0">
+              <a:rPr lang="en-US" sz="2000" b="1" dirty="0">
                 <a:solidFill>
                   <a:srgbClr val="EBFFD2"/>
                 </a:solidFill>
@@ -8185,7 +7763,7 @@
               </a:spcBef>
             </a:pPr>
             <a:r>
-              <a:rPr lang="en-US" sz="2000" b="1" dirty="0" smtClean="0">
+              <a:rPr lang="en-US" sz="2000" b="1" dirty="0">
                 <a:solidFill>
                   <a:srgbClr val="EBFFD2"/>
                 </a:solidFill>
@@ -8252,13 +7830,6 @@
     <a:masterClrMapping/>
   </p:clrMapOvr>
   <p:transition/>
-  <p:timing>
-    <p:tnLst>
-      <p:par>
-        <p:cTn id="1" dur="indefinite" restart="never" nodeType="tmRoot"/>
-      </p:par>
-    </p:tnLst>
-  </p:timing>
 </p:sld>
 </file>
 
@@ -8295,14 +7866,14 @@
           <a:lstStyle/>
           <a:p>
             <a:r>
-              <a:rPr lang="en-US" dirty="0" smtClean="0">
+              <a:rPr lang="en-US" dirty="0">
                 <a:latin typeface="Consolas" pitchFamily="49" charset="0"/>
                 <a:cs typeface="Consolas" pitchFamily="49" charset="0"/>
               </a:rPr>
               <a:t>if-else</a:t>
             </a:r>
             <a:r>
-              <a:rPr lang="en-US" i="1" dirty="0" smtClean="0"/>
+              <a:rPr lang="en-US" i="1" dirty="0"/>
               <a:t> </a:t>
             </a:r>
             <a:r>
@@ -8394,7 +7965,7 @@
               <a:buNone/>
             </a:pPr>
             <a:r>
-              <a:rPr lang="en-US" sz="2000" b="1" noProof="1" smtClean="0">
+              <a:rPr lang="en-US" sz="2000" b="1" noProof="1">
                 <a:solidFill>
                   <a:srgbClr val="8CF4F2"/>
                 </a:solidFill>
@@ -8424,7 +7995,7 @@
               <a:buNone/>
             </a:pPr>
             <a:r>
-              <a:rPr lang="en-US" sz="2000" b="1" noProof="1" smtClean="0">
+              <a:rPr lang="en-US" sz="2000" b="1" noProof="1">
                 <a:solidFill>
                   <a:srgbClr val="8CF4F2"/>
                 </a:solidFill>
@@ -8438,42 +8009,21 @@
                 <a:latin typeface="Consolas" pitchFamily="49" charset="0"/>
                 <a:cs typeface="Consolas" pitchFamily="49" charset="0"/>
               </a:rPr>
-              <a:t>int </a:t>
-            </a:r>
-            <a:r>
-              <a:rPr lang="en-US" sz="2000" b="1" noProof="1">
-                <a:solidFill>
-                  <a:srgbClr val="8CF4F2"/>
-                </a:solidFill>
-                <a:effectLst>
-                  <a:outerShdw blurRad="38100" dist="38100" dir="2700000" algn="tl">
-                    <a:srgbClr val="000000">
-                      <a:alpha val="43137"/>
-                    </a:srgbClr>
-                  </a:outerShdw>
-                </a:effectLst>
-                <a:latin typeface="Consolas" pitchFamily="49" charset="0"/>
-                <a:cs typeface="Consolas" pitchFamily="49" charset="0"/>
-              </a:rPr>
-              <a:t>number = </a:t>
-            </a:r>
-            <a:r>
-              <a:rPr lang="en-US" sz="2000" b="1" noProof="1" smtClean="0">
-                <a:solidFill>
-                  <a:srgbClr val="8CF4F2"/>
-                </a:solidFill>
-                <a:effectLst>
-                  <a:outerShdw blurRad="38100" dist="38100" dir="2700000" algn="tl">
-                    <a:srgbClr val="000000">
-                      <a:alpha val="43137"/>
-                    </a:srgbClr>
-                  </a:outerShdw>
-                </a:effectLst>
-                <a:latin typeface="Consolas" pitchFamily="49" charset="0"/>
-                <a:cs typeface="Consolas" pitchFamily="49" charset="0"/>
-              </a:rPr>
-              <a:t>int.Parse(s);</a:t>
-            </a:r>
+              <a:t>int number = int.Parse(s);</a:t>
+            </a:r>
+          </a:p>
+          <a:p>
+            <a:pPr marL="457200" indent="-457200" eaLnBrk="0" hangingPunct="0">
+              <a:buClr>
+                <a:schemeClr val="accent5">
+                  <a:lumMod val="40000"/>
+                  <a:lumOff val="60000"/>
+                </a:schemeClr>
+              </a:buClr>
+              <a:buSzPct val="70000"/>
+              <a:buFontTx/>
+              <a:buNone/>
+            </a:pPr>
             <a:endParaRPr lang="en-US" sz="2000" b="1" noProof="1">
               <a:solidFill>
                 <a:srgbClr val="8CF4F2"/>
@@ -8501,20 +8051,23 @@
               <a:buFontTx/>
               <a:buNone/>
             </a:pPr>
-            <a:endParaRPr lang="en-US" sz="2000" b="1" noProof="1" smtClean="0">
-              <a:solidFill>
-                <a:srgbClr val="8CF4F2"/>
-              </a:solidFill>
-              <a:effectLst>
-                <a:outerShdw blurRad="38100" dist="38100" dir="2700000" algn="tl">
-                  <a:srgbClr val="000000">
-                    <a:alpha val="43137"/>
-                  </a:srgbClr>
-                </a:outerShdw>
-              </a:effectLst>
-              <a:latin typeface="Consolas" pitchFamily="49" charset="0"/>
-              <a:cs typeface="Consolas" pitchFamily="49" charset="0"/>
-            </a:endParaRPr>
+            <a:r>
+              <a:rPr lang="en-US" sz="2000" b="1" noProof="1">
+                <a:solidFill>
+                  <a:srgbClr val="8CF4F2"/>
+                </a:solidFill>
+                <a:effectLst>
+                  <a:outerShdw blurRad="38100" dist="38100" dir="2700000" algn="tl">
+                    <a:srgbClr val="000000">
+                      <a:alpha val="43137"/>
+                    </a:srgbClr>
+                  </a:outerShdw>
+                </a:effectLst>
+                <a:latin typeface="Consolas" pitchFamily="49" charset="0"/>
+                <a:cs typeface="Consolas" pitchFamily="49" charset="0"/>
+              </a:rPr>
+              <a:t>if (number % 2 == 0)</a:t>
+            </a:r>
           </a:p>
           <a:p>
             <a:pPr marL="457200" indent="-457200" eaLnBrk="0" hangingPunct="0">
@@ -8529,7 +8082,7 @@
               <a:buNone/>
             </a:pPr>
             <a:r>
-              <a:rPr lang="en-US" sz="2000" b="1" noProof="1" smtClean="0">
+              <a:rPr lang="en-US" sz="2000" b="1" noProof="1">
                 <a:solidFill>
                   <a:srgbClr val="8CF4F2"/>
                 </a:solidFill>
@@ -8543,24 +8096,7 @@
                 <a:latin typeface="Consolas" pitchFamily="49" charset="0"/>
                 <a:cs typeface="Consolas" pitchFamily="49" charset="0"/>
               </a:rPr>
-              <a:t>if (</a:t>
-            </a:r>
-            <a:r>
-              <a:rPr lang="en-US" sz="2000" b="1" noProof="1">
-                <a:solidFill>
-                  <a:srgbClr val="8CF4F2"/>
-                </a:solidFill>
-                <a:effectLst>
-                  <a:outerShdw blurRad="38100" dist="38100" dir="2700000" algn="tl">
-                    <a:srgbClr val="000000">
-                      <a:alpha val="43137"/>
-                    </a:srgbClr>
-                  </a:outerShdw>
-                </a:effectLst>
-                <a:latin typeface="Consolas" pitchFamily="49" charset="0"/>
-                <a:cs typeface="Consolas" pitchFamily="49" charset="0"/>
-              </a:rPr>
-              <a:t>number % 2 == 0)</a:t>
+              <a:t>{</a:t>
             </a:r>
           </a:p>
           <a:p>
@@ -8590,7 +8126,7 @@
                 <a:latin typeface="Consolas" pitchFamily="49" charset="0"/>
                 <a:cs typeface="Consolas" pitchFamily="49" charset="0"/>
               </a:rPr>
-              <a:t>{</a:t>
+              <a:t>    Console.WriteLine("This number is even.");</a:t>
             </a:r>
           </a:p>
           <a:p>
@@ -8606,7 +8142,7 @@
               <a:buNone/>
             </a:pPr>
             <a:r>
-              <a:rPr lang="en-US" sz="2000" b="1" noProof="1" smtClean="0">
+              <a:rPr lang="en-US" sz="2000" b="1" noProof="1">
                 <a:solidFill>
                   <a:srgbClr val="8CF4F2"/>
                 </a:solidFill>
@@ -8620,24 +8156,7 @@
                 <a:latin typeface="Consolas" pitchFamily="49" charset="0"/>
                 <a:cs typeface="Consolas" pitchFamily="49" charset="0"/>
               </a:rPr>
-              <a:t>    Console.WriteLine</a:t>
-            </a:r>
-            <a:r>
-              <a:rPr lang="en-US" sz="2000" b="1" noProof="1">
-                <a:solidFill>
-                  <a:srgbClr val="8CF4F2"/>
-                </a:solidFill>
-                <a:effectLst>
-                  <a:outerShdw blurRad="38100" dist="38100" dir="2700000" algn="tl">
-                    <a:srgbClr val="000000">
-                      <a:alpha val="43137"/>
-                    </a:srgbClr>
-                  </a:outerShdw>
-                </a:effectLst>
-                <a:latin typeface="Consolas" pitchFamily="49" charset="0"/>
-                <a:cs typeface="Consolas" pitchFamily="49" charset="0"/>
-              </a:rPr>
-              <a:t>("This number is even.");</a:t>
+              <a:t>}</a:t>
             </a:r>
           </a:p>
           <a:p>
@@ -8667,7 +8186,7 @@
                 <a:latin typeface="Consolas" pitchFamily="49" charset="0"/>
                 <a:cs typeface="Consolas" pitchFamily="49" charset="0"/>
               </a:rPr>
-              <a:t>}</a:t>
+              <a:t>else</a:t>
             </a:r>
           </a:p>
           <a:p>
@@ -8697,7 +8216,7 @@
                 <a:latin typeface="Consolas" pitchFamily="49" charset="0"/>
                 <a:cs typeface="Consolas" pitchFamily="49" charset="0"/>
               </a:rPr>
-              <a:t>else</a:t>
+              <a:t>{</a:t>
             </a:r>
           </a:p>
           <a:p>
@@ -8727,54 +8246,7 @@
                 <a:latin typeface="Consolas" pitchFamily="49" charset="0"/>
                 <a:cs typeface="Consolas" pitchFamily="49" charset="0"/>
               </a:rPr>
-              <a:t>{</a:t>
-            </a:r>
-          </a:p>
-          <a:p>
-            <a:pPr marL="457200" indent="-457200" eaLnBrk="0" hangingPunct="0">
-              <a:buClr>
-                <a:schemeClr val="accent5">
-                  <a:lumMod val="40000"/>
-                  <a:lumOff val="60000"/>
-                </a:schemeClr>
-              </a:buClr>
-              <a:buSzPct val="70000"/>
-              <a:buFontTx/>
-              <a:buNone/>
-            </a:pPr>
-            <a:r>
-              <a:rPr lang="en-US" sz="2000" b="1" noProof="1" smtClean="0">
-                <a:solidFill>
-                  <a:srgbClr val="8CF4F2"/>
-                </a:solidFill>
-                <a:effectLst>
-                  <a:outerShdw blurRad="38100" dist="38100" dir="2700000" algn="tl">
-                    <a:srgbClr val="000000">
-                      <a:alpha val="43137"/>
-                    </a:srgbClr>
-                  </a:outerShdw>
-                </a:effectLst>
-                <a:latin typeface="Consolas" pitchFamily="49" charset="0"/>
-                <a:cs typeface="Consolas" pitchFamily="49" charset="0"/>
-              </a:rPr>
-              <a:t>    Console.WriteLine</a:t>
-            </a:r>
-            <a:r>
-              <a:rPr lang="en-US" sz="2000" b="1" noProof="1">
-                <a:solidFill>
-                  <a:srgbClr val="8CF4F2"/>
-                </a:solidFill>
-                <a:effectLst>
-                  <a:outerShdw blurRad="38100" dist="38100" dir="2700000" algn="tl">
-                    <a:srgbClr val="000000">
-                      <a:alpha val="43137"/>
-                    </a:srgbClr>
-                  </a:outerShdw>
-                </a:effectLst>
-                <a:latin typeface="Consolas" pitchFamily="49" charset="0"/>
-                <a:cs typeface="Consolas" pitchFamily="49" charset="0"/>
-              </a:rPr>
-              <a:t>("This number is odd.");</a:t>
+              <a:t>    Console.WriteLine("This number is odd.");</a:t>
             </a:r>
           </a:p>
           <a:p>
@@ -8849,13 +8321,6 @@
     <a:masterClrMapping/>
   </p:clrMapOvr>
   <p:transition/>
-  <p:timing>
-    <p:tnLst>
-      <p:par>
-        <p:cTn id="1" dur="indefinite" restart="never" nodeType="tmRoot"/>
-      </p:par>
-    </p:tnLst>
-  </p:timing>
 </p:sld>
 </file>
 
@@ -8957,7 +8422,7 @@
               </a:lnSpc>
             </a:pPr>
             <a:r>
-              <a:rPr lang="en-US" sz="2800" b="1" dirty="0" smtClean="0">
+              <a:rPr lang="en-US" sz="2800" b="1" dirty="0">
                 <a:effectLst>
                   <a:outerShdw blurRad="38100" dist="38100" dir="2700000" algn="tl">
                     <a:srgbClr val="000000">
@@ -9018,13 +8483,6 @@
     <a:masterClrMapping/>
   </p:clrMapOvr>
   <p:transition/>
-  <p:timing>
-    <p:tnLst>
-      <p:par>
-        <p:cTn id="1" dur="indefinite" restart="never" nodeType="tmRoot"/>
-      </p:par>
-    </p:tnLst>
-  </p:timing>
 </p:sld>
 </file>
 
@@ -9066,21 +8524,20 @@
           <a:lstStyle/>
           <a:p>
             <a:r>
-              <a:rPr lang="en-US" dirty="0" smtClean="0"/>
+              <a:rPr lang="en-US" dirty="0"/>
               <a:t>Nested </a:t>
             </a:r>
             <a:r>
-              <a:rPr lang="en-US" dirty="0" smtClean="0">
+              <a:rPr lang="en-US" dirty="0">
                 <a:latin typeface="Consolas" pitchFamily="49" charset="0"/>
                 <a:cs typeface="Consolas" pitchFamily="49" charset="0"/>
               </a:rPr>
               <a:t>if</a:t>
             </a:r>
             <a:r>
-              <a:rPr lang="en-US" dirty="0" smtClean="0"/>
+              <a:rPr lang="en-US" dirty="0"/>
               <a:t> Statements </a:t>
             </a:r>
-            <a:endParaRPr lang="en-US" dirty="0"/>
           </a:p>
         </p:txBody>
       </p:sp>
@@ -9105,10 +8562,9 @@
           <a:lstStyle/>
           <a:p>
             <a:r>
-              <a:rPr lang="en-US" dirty="0" smtClean="0"/>
+              <a:rPr lang="en-US" dirty="0"/>
               <a:t>Creating More Complex Logic</a:t>
             </a:r>
-            <a:endParaRPr lang="en-US" dirty="0"/>
           </a:p>
         </p:txBody>
       </p:sp>
@@ -9189,21 +8645,20 @@
           <a:lstStyle/>
           <a:p>
             <a:r>
-              <a:rPr lang="en-US" dirty="0" smtClean="0"/>
+              <a:rPr lang="en-US" dirty="0"/>
               <a:t>Nested </a:t>
             </a:r>
             <a:r>
-              <a:rPr lang="en-US" dirty="0" smtClean="0">
+              <a:rPr lang="en-US" dirty="0">
                 <a:latin typeface="Consolas" pitchFamily="49" charset="0"/>
                 <a:cs typeface="Consolas" pitchFamily="49" charset="0"/>
               </a:rPr>
               <a:t>if</a:t>
             </a:r>
             <a:r>
-              <a:rPr lang="en-US" dirty="0" smtClean="0"/>
+              <a:rPr lang="en-US" dirty="0"/>
               <a:t> Statements</a:t>
             </a:r>
-            <a:endParaRPr lang="en-US" dirty="0"/>
           </a:p>
         </p:txBody>
       </p:sp>
@@ -9233,7 +8688,7 @@
               </a:lnSpc>
             </a:pPr>
             <a:r>
-              <a:rPr lang="en-US" sz="2800" dirty="0" smtClean="0">
+              <a:rPr lang="en-US" sz="2800" dirty="0">
                 <a:solidFill>
                   <a:schemeClr val="accent5">
                     <a:lumMod val="20000"/>
@@ -9246,15 +8701,15 @@
               <a:t>if</a:t>
             </a:r>
             <a:r>
-              <a:rPr lang="en-US" sz="2800" i="1" dirty="0" smtClean="0"/>
+              <a:rPr lang="en-US" sz="2800" i="1" dirty="0"/>
               <a:t> </a:t>
             </a:r>
             <a:r>
-              <a:rPr lang="en-US" sz="2800" dirty="0" smtClean="0"/>
+              <a:rPr lang="en-US" sz="2800" dirty="0"/>
               <a:t>and </a:t>
             </a:r>
             <a:r>
-              <a:rPr lang="en-US" sz="2800" dirty="0" smtClean="0">
+              <a:rPr lang="en-US" sz="2800" dirty="0">
                 <a:solidFill>
                   <a:schemeClr val="accent5">
                     <a:lumMod val="20000"/>
@@ -9267,11 +8722,11 @@
               <a:t>if-else</a:t>
             </a:r>
             <a:r>
-              <a:rPr lang="en-US" sz="2800" dirty="0" smtClean="0"/>
+              <a:rPr lang="en-US" sz="2800" dirty="0"/>
               <a:t> statements can be </a:t>
             </a:r>
             <a:r>
-              <a:rPr lang="en-US" sz="2800" dirty="0" smtClean="0">
+              <a:rPr lang="en-US" sz="2800" dirty="0">
                 <a:solidFill>
                   <a:schemeClr val="accent5">
                     <a:lumMod val="20000"/>
@@ -9282,11 +8737,11 @@
               <a:t>nested</a:t>
             </a:r>
             <a:r>
-              <a:rPr lang="en-US" sz="2800" dirty="0" smtClean="0"/>
+              <a:rPr lang="en-US" sz="2800" dirty="0"/>
               <a:t>, i.e. used inside another </a:t>
             </a:r>
             <a:r>
-              <a:rPr lang="en-US" sz="2800" dirty="0" smtClean="0">
+              <a:rPr lang="en-US" sz="2800" dirty="0">
                 <a:solidFill>
                   <a:schemeClr val="accent5">
                     <a:lumMod val="20000"/>
@@ -9299,11 +8754,11 @@
               <a:t>if</a:t>
             </a:r>
             <a:r>
-              <a:rPr lang="en-US" sz="2800" dirty="0" smtClean="0"/>
+              <a:rPr lang="en-US" sz="2800" dirty="0"/>
               <a:t> or </a:t>
             </a:r>
             <a:r>
-              <a:rPr lang="en-US" sz="2800" dirty="0" smtClean="0">
+              <a:rPr lang="en-US" sz="2800" dirty="0">
                 <a:solidFill>
                   <a:schemeClr val="accent5">
                     <a:lumMod val="20000"/>
@@ -9316,14 +8771,13 @@
               <a:t>else</a:t>
             </a:r>
             <a:r>
-              <a:rPr lang="en-US" sz="2800" i="1" dirty="0" smtClean="0"/>
+              <a:rPr lang="en-US" sz="2800" i="1" dirty="0"/>
               <a:t> </a:t>
             </a:r>
             <a:r>
-              <a:rPr lang="en-US" sz="2800" dirty="0" smtClean="0"/>
+              <a:rPr lang="en-US" sz="2800" dirty="0"/>
               <a:t>statement</a:t>
             </a:r>
-            <a:endParaRPr lang="en-US" sz="2800" dirty="0"/>
           </a:p>
           <a:p>
             <a:pPr>
@@ -9353,7 +8807,7 @@
               <a:t> corresponds to its closest preceding </a:t>
             </a:r>
             <a:r>
-              <a:rPr lang="en-US" sz="2800" dirty="0" smtClean="0">
+              <a:rPr lang="en-US" sz="2800" dirty="0">
                 <a:solidFill>
                   <a:schemeClr val="accent5">
                     <a:lumMod val="20000"/>
@@ -9421,7 +8875,7 @@
               <a:buSzPct val="70000"/>
             </a:pPr>
             <a:r>
-              <a:rPr lang="en-US" sz="2000" b="1" noProof="1" smtClean="0">
+              <a:rPr lang="en-US" sz="2000" b="1" noProof="1">
                 <a:solidFill>
                   <a:srgbClr val="8CF4F2"/>
                 </a:solidFill>
@@ -9449,7 +8903,7 @@
               <a:buSzPct val="70000"/>
             </a:pPr>
             <a:r>
-              <a:rPr lang="en-US" sz="2000" b="1" noProof="1" smtClean="0">
+              <a:rPr lang="en-US" sz="2000" b="1" noProof="1">
                 <a:solidFill>
                   <a:srgbClr val="8CF4F2"/>
                 </a:solidFill>
@@ -9477,7 +8931,7 @@
               <a:buSzPct val="70000"/>
             </a:pPr>
             <a:r>
-              <a:rPr lang="en-US" sz="2000" b="1" noProof="1" smtClean="0">
+              <a:rPr lang="en-US" sz="2000" b="1" noProof="1">
                 <a:solidFill>
                   <a:srgbClr val="8CF4F2"/>
                 </a:solidFill>
@@ -9505,7 +8959,7 @@
               <a:buSzPct val="70000"/>
             </a:pPr>
             <a:r>
-              <a:rPr lang="en-US" sz="2000" b="1" noProof="1" smtClean="0">
+              <a:rPr lang="en-US" sz="2000" b="1" noProof="1">
                 <a:solidFill>
                   <a:srgbClr val="8CF4F2"/>
                 </a:solidFill>
@@ -9533,7 +8987,7 @@
               <a:buSzPct val="70000"/>
             </a:pPr>
             <a:r>
-              <a:rPr lang="en-US" sz="2000" b="1" noProof="1" smtClean="0">
+              <a:rPr lang="en-US" sz="2000" b="1" noProof="1">
                 <a:solidFill>
                   <a:srgbClr val="8CF4F2"/>
                 </a:solidFill>
@@ -9561,7 +9015,7 @@
               <a:buSzPct val="70000"/>
             </a:pPr>
             <a:r>
-              <a:rPr lang="en-US" sz="2000" b="1" noProof="1" smtClean="0">
+              <a:rPr lang="en-US" sz="2000" b="1" noProof="1">
                 <a:solidFill>
                   <a:srgbClr val="8CF4F2"/>
                 </a:solidFill>
@@ -9589,7 +9043,7 @@
               <a:buSzPct val="70000"/>
             </a:pPr>
             <a:r>
-              <a:rPr lang="en-US" sz="2000" b="1" noProof="1" smtClean="0">
+              <a:rPr lang="en-US" sz="2000" b="1" noProof="1">
                 <a:solidFill>
                   <a:srgbClr val="8CF4F2"/>
                 </a:solidFill>
@@ -9617,7 +9071,7 @@
               <a:buSzPct val="70000"/>
             </a:pPr>
             <a:r>
-              <a:rPr lang="en-US" sz="2000" b="1" noProof="1" smtClean="0">
+              <a:rPr lang="en-US" sz="2000" b="1" noProof="1">
                 <a:solidFill>
                   <a:srgbClr val="8CF4F2"/>
                 </a:solidFill>
@@ -9645,7 +9099,7 @@
               <a:buSzPct val="70000"/>
             </a:pPr>
             <a:r>
-              <a:rPr lang="en-US" sz="2000" b="1" noProof="1" smtClean="0">
+              <a:rPr lang="en-US" sz="2000" b="1" noProof="1">
                 <a:solidFill>
                   <a:srgbClr val="8CF4F2"/>
                 </a:solidFill>
@@ -9673,7 +9127,7 @@
               <a:buSzPct val="70000"/>
             </a:pPr>
             <a:r>
-              <a:rPr lang="en-US" sz="2000" b="1" noProof="1" smtClean="0">
+              <a:rPr lang="en-US" sz="2000" b="1" noProof="1">
                 <a:solidFill>
                   <a:srgbClr val="8CF4F2"/>
                 </a:solidFill>
@@ -9701,7 +9155,7 @@
               <a:buSzPct val="70000"/>
             </a:pPr>
             <a:r>
-              <a:rPr lang="en-US" sz="2000" b="1" noProof="1" smtClean="0">
+              <a:rPr lang="en-US" sz="2000" b="1" noProof="1">
                 <a:solidFill>
                   <a:srgbClr val="8CF4F2"/>
                 </a:solidFill>
@@ -9729,7 +9183,7 @@
               <a:buSzPct val="70000"/>
             </a:pPr>
             <a:r>
-              <a:rPr lang="en-US" sz="2000" b="1" noProof="1" smtClean="0">
+              <a:rPr lang="en-US" sz="2000" b="1" noProof="1">
                 <a:solidFill>
                   <a:srgbClr val="8CF4F2"/>
                 </a:solidFill>
@@ -9757,7 +9211,7 @@
               <a:buSzPct val="70000"/>
             </a:pPr>
             <a:r>
-              <a:rPr lang="en-US" sz="2000" b="1" noProof="1" smtClean="0">
+              <a:rPr lang="en-US" sz="2000" b="1" noProof="1">
                 <a:solidFill>
                   <a:srgbClr val="8CF4F2"/>
                 </a:solidFill>
@@ -9816,13 +9270,6 @@
     <a:masterClrMapping/>
   </p:clrMapOvr>
   <p:transition/>
-  <p:timing>
-    <p:tnLst>
-      <p:par>
-        <p:cTn id="1" dur="indefinite" restart="never" nodeType="tmRoot"/>
-      </p:par>
-    </p:tnLst>
-  </p:timing>
 </p:sld>
 </file>
 
@@ -9864,27 +9311,19 @@
           <a:lstStyle/>
           <a:p>
             <a:r>
-              <a:rPr lang="en-US" dirty="0" smtClean="0"/>
+              <a:rPr lang="en-US" dirty="0"/>
               <a:t>Nested </a:t>
             </a:r>
             <a:r>
-              <a:rPr lang="en-US" dirty="0" smtClean="0">
+              <a:rPr lang="en-US" dirty="0">
                 <a:latin typeface="Consolas" pitchFamily="49" charset="0"/>
                 <a:cs typeface="Consolas" pitchFamily="49" charset="0"/>
               </a:rPr>
               <a:t>if</a:t>
             </a:r>
             <a:r>
-              <a:rPr lang="en-US" dirty="0" smtClean="0"/>
-              <a:t> </a:t>
-            </a:r>
-            <a:r>
               <a:rPr lang="en-US" dirty="0"/>
-              <a:t>– Good </a:t>
-            </a:r>
-            <a:r>
-              <a:rPr lang="en-US" dirty="0" smtClean="0"/>
-              <a:t>Practices</a:t>
+              <a:t> – Good Practices</a:t>
             </a:r>
             <a:endParaRPr lang="en-US" dirty="0">
               <a:latin typeface="Courier New" pitchFamily="49" charset="0"/>
@@ -9918,7 +9357,7 @@
               </a:lnSpc>
             </a:pPr>
             <a:r>
-              <a:rPr lang="en-US" dirty="0" smtClean="0"/>
+              <a:rPr lang="en-US" dirty="0"/>
               <a:t>Always use </a:t>
             </a:r>
             <a:r>
@@ -9974,11 +9413,7 @@
             </a:r>
             <a:r>
               <a:rPr lang="en-US" dirty="0"/>
-              <a:t> blocks to avoid </a:t>
-            </a:r>
-            <a:r>
-              <a:rPr lang="en-US" dirty="0" smtClean="0"/>
-              <a:t>ambiguity</a:t>
+              <a:t> blocks to avoid ambiguity</a:t>
             </a:r>
           </a:p>
           <a:p>
@@ -9988,10 +9423,9 @@
               </a:lnSpc>
             </a:pPr>
             <a:r>
-              <a:rPr lang="en-US" dirty="0" smtClean="0"/>
+              <a:rPr lang="en-US" dirty="0"/>
               <a:t>Even when a single statement follows</a:t>
             </a:r>
-            <a:endParaRPr lang="en-US" dirty="0"/>
           </a:p>
           <a:p>
             <a:pPr>
@@ -10000,12 +9434,8 @@
               </a:lnSpc>
             </a:pPr>
             <a:r>
-              <a:rPr lang="en-US" dirty="0" smtClean="0"/>
-              <a:t>Avoid using more </a:t>
-            </a:r>
-            <a:r>
               <a:rPr lang="en-US" dirty="0"/>
-              <a:t>than three levels of nested </a:t>
+              <a:t>Avoid using more than three levels of nested </a:t>
             </a:r>
             <a:r>
               <a:rPr lang="en-US" dirty="0">
@@ -10098,13 +9528,6 @@
     <a:masterClrMapping/>
   </p:clrMapOvr>
   <p:transition/>
-  <p:timing>
-    <p:tnLst>
-      <p:par>
-        <p:cTn id="1" dur="indefinite" restart="never" nodeType="tmRoot"/>
-      </p:par>
-    </p:tnLst>
-  </p:timing>
 </p:sld>
 </file>
 
@@ -10141,29 +9564,20 @@
           <a:lstStyle/>
           <a:p>
             <a:r>
-              <a:rPr lang="en-US" sz="3700" dirty="0" smtClean="0"/>
+              <a:rPr lang="en-US" sz="3700" dirty="0"/>
               <a:t>Nested </a:t>
             </a:r>
             <a:r>
-              <a:rPr lang="en-US" sz="3700" dirty="0" smtClean="0">
+              <a:rPr lang="en-US" sz="3700" dirty="0">
                 <a:latin typeface="Consolas" pitchFamily="49" charset="0"/>
                 <a:cs typeface="Consolas" pitchFamily="49" charset="0"/>
               </a:rPr>
               <a:t>if</a:t>
             </a:r>
             <a:r>
-              <a:rPr lang="en-US" sz="3700" dirty="0" smtClean="0"/>
-              <a:t> Statements </a:t>
-            </a:r>
-            <a:r>
               <a:rPr lang="en-US" sz="3700" dirty="0"/>
-              <a:t>– </a:t>
-            </a:r>
-            <a:r>
-              <a:rPr lang="en-US" sz="3700" dirty="0" smtClean="0"/>
-              <a:t>Example</a:t>
-            </a:r>
-            <a:endParaRPr lang="en-US" sz="3700" dirty="0"/>
+              <a:t> Statements – Example</a:t>
+            </a:r>
           </a:p>
         </p:txBody>
       </p:sp>
@@ -10217,7 +9631,7 @@
               <a:buNone/>
             </a:pPr>
             <a:r>
-              <a:rPr lang="en-US" sz="2000" b="1" noProof="1" smtClean="0">
+              <a:rPr lang="en-US" sz="2000" b="1" noProof="1">
                 <a:solidFill>
                   <a:srgbClr val="8CF4F2"/>
                 </a:solidFill>
@@ -10231,24 +9645,7 @@
                 <a:latin typeface="Consolas" pitchFamily="49" charset="0"/>
                 <a:cs typeface="Consolas" pitchFamily="49" charset="0"/>
               </a:rPr>
-              <a:t>if (</a:t>
-            </a:r>
-            <a:r>
-              <a:rPr lang="en-US" sz="2000" b="1" noProof="1">
-                <a:solidFill>
-                  <a:srgbClr val="8CF4F2"/>
-                </a:solidFill>
-                <a:effectLst>
-                  <a:outerShdw blurRad="38100" dist="38100" dir="2700000" algn="tl">
-                    <a:srgbClr val="000000">
-                      <a:alpha val="43137"/>
-                    </a:srgbClr>
-                  </a:outerShdw>
-                </a:effectLst>
-                <a:latin typeface="Consolas" pitchFamily="49" charset="0"/>
-                <a:cs typeface="Consolas" pitchFamily="49" charset="0"/>
-              </a:rPr>
-              <a:t>first == second)</a:t>
+              <a:t>if (first == second)</a:t>
             </a:r>
           </a:p>
           <a:p>
@@ -10294,7 +9691,7 @@
               <a:buNone/>
             </a:pPr>
             <a:r>
-              <a:rPr lang="en-US" sz="2000" b="1" noProof="1" smtClean="0">
+              <a:rPr lang="en-US" sz="2000" b="1" noProof="1">
                 <a:solidFill>
                   <a:srgbClr val="8CF4F2"/>
                 </a:solidFill>
@@ -10324,7 +9721,7 @@
               <a:buNone/>
             </a:pPr>
             <a:r>
-              <a:rPr lang="en-US" sz="2000" b="1" noProof="1" smtClean="0">
+              <a:rPr lang="en-US" sz="2000" b="1" noProof="1">
                 <a:solidFill>
                   <a:srgbClr val="8CF4F2"/>
                 </a:solidFill>
@@ -10338,24 +9735,7 @@
                 <a:latin typeface="Consolas" pitchFamily="49" charset="0"/>
                 <a:cs typeface="Consolas" pitchFamily="49" charset="0"/>
               </a:rPr>
-              <a:t>        "</a:t>
-            </a:r>
-            <a:r>
-              <a:rPr lang="en-US" sz="2000" b="1" noProof="1">
-                <a:solidFill>
-                  <a:srgbClr val="8CF4F2"/>
-                </a:solidFill>
-                <a:effectLst>
-                  <a:outerShdw blurRad="38100" dist="38100" dir="2700000" algn="tl">
-                    <a:srgbClr val="000000">
-                      <a:alpha val="43137"/>
-                    </a:srgbClr>
-                  </a:outerShdw>
-                </a:effectLst>
-                <a:latin typeface="Consolas" pitchFamily="49" charset="0"/>
-                <a:cs typeface="Consolas" pitchFamily="49" charset="0"/>
-              </a:rPr>
-              <a:t>These two numbers are equal.");</a:t>
+              <a:t>        "These two numbers are equal.");</a:t>
             </a:r>
           </a:p>
           <a:p>
@@ -10461,7 +9841,7 @@
               <a:buNone/>
             </a:pPr>
             <a:r>
-              <a:rPr lang="en-US" sz="2000" b="1" noProof="1" smtClean="0">
+              <a:rPr lang="en-US" sz="2000" b="1" noProof="1">
                 <a:solidFill>
                   <a:srgbClr val="8CF4F2"/>
                 </a:solidFill>
@@ -10475,24 +9855,7 @@
                 <a:latin typeface="Consolas" pitchFamily="49" charset="0"/>
                 <a:cs typeface="Consolas" pitchFamily="49" charset="0"/>
               </a:rPr>
-              <a:t>    if (</a:t>
-            </a:r>
-            <a:r>
-              <a:rPr lang="en-US" sz="2000" b="1" noProof="1">
-                <a:solidFill>
-                  <a:srgbClr val="8CF4F2"/>
-                </a:solidFill>
-                <a:effectLst>
-                  <a:outerShdw blurRad="38100" dist="38100" dir="2700000" algn="tl">
-                    <a:srgbClr val="000000">
-                      <a:alpha val="43137"/>
-                    </a:srgbClr>
-                  </a:outerShdw>
-                </a:effectLst>
-                <a:latin typeface="Consolas" pitchFamily="49" charset="0"/>
-                <a:cs typeface="Consolas" pitchFamily="49" charset="0"/>
-              </a:rPr>
-              <a:t>first &gt; second)</a:t>
+              <a:t>    if (first &gt; second)</a:t>
             </a:r>
           </a:p>
           <a:p>
@@ -10508,7 +9871,7 @@
               <a:buNone/>
             </a:pPr>
             <a:r>
-              <a:rPr lang="en-US" sz="2000" b="1" noProof="1" smtClean="0">
+              <a:rPr lang="en-US" sz="2000" b="1" noProof="1">
                 <a:solidFill>
                   <a:srgbClr val="8CF4F2"/>
                 </a:solidFill>
@@ -10524,20 +9887,6 @@
               </a:rPr>
               <a:t>    {</a:t>
             </a:r>
-            <a:endParaRPr lang="en-US" sz="2000" b="1" noProof="1">
-              <a:solidFill>
-                <a:srgbClr val="8CF4F2"/>
-              </a:solidFill>
-              <a:effectLst>
-                <a:outerShdw blurRad="38100" dist="38100" dir="2700000" algn="tl">
-                  <a:srgbClr val="000000">
-                    <a:alpha val="43137"/>
-                  </a:srgbClr>
-                </a:outerShdw>
-              </a:effectLst>
-              <a:latin typeface="Consolas" pitchFamily="49" charset="0"/>
-              <a:cs typeface="Consolas" pitchFamily="49" charset="0"/>
-            </a:endParaRPr>
           </a:p>
           <a:p>
             <a:pPr eaLnBrk="0" hangingPunct="0">
@@ -10552,7 +9901,7 @@
               <a:buNone/>
             </a:pPr>
             <a:r>
-              <a:rPr lang="en-US" sz="2000" b="1" noProof="1" smtClean="0">
+              <a:rPr lang="en-US" sz="2000" b="1" noProof="1">
                 <a:solidFill>
                   <a:srgbClr val="8CF4F2"/>
                 </a:solidFill>
@@ -10582,7 +9931,7 @@
               <a:buNone/>
             </a:pPr>
             <a:r>
-              <a:rPr lang="en-US" sz="2000" b="1" noProof="1" smtClean="0">
+              <a:rPr lang="en-US" sz="2000" b="1" noProof="1">
                 <a:solidFill>
                   <a:srgbClr val="8CF4F2"/>
                 </a:solidFill>
@@ -10596,58 +9945,7 @@
                 <a:latin typeface="Consolas" pitchFamily="49" charset="0"/>
                 <a:cs typeface="Consolas" pitchFamily="49" charset="0"/>
               </a:rPr>
-              <a:t>            "</a:t>
-            </a:r>
-            <a:r>
-              <a:rPr lang="en-US" sz="2000" b="1" noProof="1">
-                <a:solidFill>
-                  <a:srgbClr val="8CF4F2"/>
-                </a:solidFill>
-                <a:effectLst>
-                  <a:outerShdw blurRad="38100" dist="38100" dir="2700000" algn="tl">
-                    <a:srgbClr val="000000">
-                      <a:alpha val="43137"/>
-                    </a:srgbClr>
-                  </a:outerShdw>
-                </a:effectLst>
-                <a:latin typeface="Consolas" pitchFamily="49" charset="0"/>
-                <a:cs typeface="Consolas" pitchFamily="49" charset="0"/>
-              </a:rPr>
-              <a:t>The first </a:t>
-            </a:r>
-            <a:r>
-              <a:rPr lang="en-US" sz="2000" b="1" noProof="1" smtClean="0">
-                <a:solidFill>
-                  <a:srgbClr val="8CF4F2"/>
-                </a:solidFill>
-                <a:effectLst>
-                  <a:outerShdw blurRad="38100" dist="38100" dir="2700000" algn="tl">
-                    <a:srgbClr val="000000">
-                      <a:alpha val="43137"/>
-                    </a:srgbClr>
-                  </a:outerShdw>
-                </a:effectLst>
-                <a:latin typeface="Consolas" pitchFamily="49" charset="0"/>
-                <a:cs typeface="Consolas" pitchFamily="49" charset="0"/>
-              </a:rPr>
-              <a:t>number </a:t>
-            </a:r>
-            <a:r>
-              <a:rPr lang="en-US" sz="2000" b="1" noProof="1">
-                <a:solidFill>
-                  <a:srgbClr val="8CF4F2"/>
-                </a:solidFill>
-                <a:effectLst>
-                  <a:outerShdw blurRad="38100" dist="38100" dir="2700000" algn="tl">
-                    <a:srgbClr val="000000">
-                      <a:alpha val="43137"/>
-                    </a:srgbClr>
-                  </a:outerShdw>
-                </a:effectLst>
-                <a:latin typeface="Consolas" pitchFamily="49" charset="0"/>
-                <a:cs typeface="Consolas" pitchFamily="49" charset="0"/>
-              </a:rPr>
-              <a:t>is bigger.");</a:t>
+              <a:t>            "The first number is bigger.");</a:t>
             </a:r>
           </a:p>
           <a:p>
@@ -10663,7 +9961,7 @@
               <a:buNone/>
             </a:pPr>
             <a:r>
-              <a:rPr lang="en-US" sz="2000" b="1" noProof="1" smtClean="0">
+              <a:rPr lang="en-US" sz="2000" b="1" noProof="1">
                 <a:solidFill>
                   <a:srgbClr val="8CF4F2"/>
                 </a:solidFill>
@@ -10679,20 +9977,6 @@
               </a:rPr>
               <a:t>    }</a:t>
             </a:r>
-            <a:endParaRPr lang="en-US" sz="2000" b="1" noProof="1">
-              <a:solidFill>
-                <a:srgbClr val="8CF4F2"/>
-              </a:solidFill>
-              <a:effectLst>
-                <a:outerShdw blurRad="38100" dist="38100" dir="2700000" algn="tl">
-                  <a:srgbClr val="000000">
-                    <a:alpha val="43137"/>
-                  </a:srgbClr>
-                </a:outerShdw>
-              </a:effectLst>
-              <a:latin typeface="Consolas" pitchFamily="49" charset="0"/>
-              <a:cs typeface="Consolas" pitchFamily="49" charset="0"/>
-            </a:endParaRPr>
           </a:p>
           <a:p>
             <a:pPr eaLnBrk="0" hangingPunct="0">
@@ -10707,7 +9991,7 @@
               <a:buNone/>
             </a:pPr>
             <a:r>
-              <a:rPr lang="en-US" sz="2000" b="1" noProof="1" smtClean="0">
+              <a:rPr lang="en-US" sz="2000" b="1" noProof="1">
                 <a:solidFill>
                   <a:srgbClr val="8CF4F2"/>
                 </a:solidFill>
@@ -10723,20 +10007,6 @@
               </a:rPr>
               <a:t>    else</a:t>
             </a:r>
-            <a:endParaRPr lang="en-US" sz="2000" b="1" noProof="1">
-              <a:solidFill>
-                <a:srgbClr val="8CF4F2"/>
-              </a:solidFill>
-              <a:effectLst>
-                <a:outerShdw blurRad="38100" dist="38100" dir="2700000" algn="tl">
-                  <a:srgbClr val="000000">
-                    <a:alpha val="43137"/>
-                  </a:srgbClr>
-                </a:outerShdw>
-              </a:effectLst>
-              <a:latin typeface="Consolas" pitchFamily="49" charset="0"/>
-              <a:cs typeface="Consolas" pitchFamily="49" charset="0"/>
-            </a:endParaRPr>
           </a:p>
           <a:p>
             <a:pPr eaLnBrk="0" hangingPunct="0">
@@ -10751,7 +10021,7 @@
               <a:buNone/>
             </a:pPr>
             <a:r>
-              <a:rPr lang="en-US" sz="2000" b="1" noProof="1" smtClean="0">
+              <a:rPr lang="en-US" sz="2000" b="1" noProof="1">
                 <a:solidFill>
                   <a:srgbClr val="8CF4F2"/>
                 </a:solidFill>
@@ -10767,20 +10037,6 @@
               </a:rPr>
               <a:t>    {</a:t>
             </a:r>
-            <a:endParaRPr lang="en-US" sz="2000" b="1" noProof="1">
-              <a:solidFill>
-                <a:srgbClr val="8CF4F2"/>
-              </a:solidFill>
-              <a:effectLst>
-                <a:outerShdw blurRad="38100" dist="38100" dir="2700000" algn="tl">
-                  <a:srgbClr val="000000">
-                    <a:alpha val="43137"/>
-                  </a:srgbClr>
-                </a:outerShdw>
-              </a:effectLst>
-              <a:latin typeface="Consolas" pitchFamily="49" charset="0"/>
-              <a:cs typeface="Consolas" pitchFamily="49" charset="0"/>
-            </a:endParaRPr>
           </a:p>
           <a:p>
             <a:pPr eaLnBrk="0" hangingPunct="0">
@@ -10795,7 +10051,7 @@
               <a:buNone/>
             </a:pPr>
             <a:r>
-              <a:rPr lang="en-US" sz="2000" b="1" noProof="1" smtClean="0">
+              <a:rPr lang="en-US" sz="2000" b="1" noProof="1">
                 <a:solidFill>
                   <a:srgbClr val="8CF4F2"/>
                 </a:solidFill>
@@ -10809,24 +10065,7 @@
                 <a:latin typeface="Consolas" pitchFamily="49" charset="0"/>
                 <a:cs typeface="Consolas" pitchFamily="49" charset="0"/>
               </a:rPr>
-              <a:t>        Console.WriteLine</a:t>
-            </a:r>
-            <a:r>
-              <a:rPr lang="en-US" sz="2000" b="1" noProof="1">
-                <a:solidFill>
-                  <a:srgbClr val="8CF4F2"/>
-                </a:solidFill>
-                <a:effectLst>
-                  <a:outerShdw blurRad="38100" dist="38100" dir="2700000" algn="tl">
-                    <a:srgbClr val="000000">
-                      <a:alpha val="43137"/>
-                    </a:srgbClr>
-                  </a:outerShdw>
-                </a:effectLst>
-                <a:latin typeface="Consolas" pitchFamily="49" charset="0"/>
-                <a:cs typeface="Consolas" pitchFamily="49" charset="0"/>
-              </a:rPr>
-              <a:t>("The second is bigger.");</a:t>
+              <a:t>        Console.WriteLine("The second is bigger.");</a:t>
             </a:r>
           </a:p>
           <a:p>
@@ -10842,7 +10081,7 @@
               <a:buNone/>
             </a:pPr>
             <a:r>
-              <a:rPr lang="en-US" sz="2000" b="1" noProof="1" smtClean="0">
+              <a:rPr lang="en-US" sz="2000" b="1" noProof="1">
                 <a:solidFill>
                   <a:srgbClr val="8CF4F2"/>
                 </a:solidFill>
@@ -10858,20 +10097,6 @@
               </a:rPr>
               <a:t>    }</a:t>
             </a:r>
-            <a:endParaRPr lang="en-US" sz="2000" b="1" noProof="1">
-              <a:solidFill>
-                <a:srgbClr val="8CF4F2"/>
-              </a:solidFill>
-              <a:effectLst>
-                <a:outerShdw blurRad="38100" dist="38100" dir="2700000" algn="tl">
-                  <a:srgbClr val="000000">
-                    <a:alpha val="43137"/>
-                  </a:srgbClr>
-                </a:outerShdw>
-              </a:effectLst>
-              <a:latin typeface="Consolas" pitchFamily="49" charset="0"/>
-              <a:cs typeface="Consolas" pitchFamily="49" charset="0"/>
-            </a:endParaRPr>
           </a:p>
           <a:p>
             <a:pPr eaLnBrk="0" hangingPunct="0">
@@ -10945,13 +10170,6 @@
     <a:masterClrMapping/>
   </p:clrMapOvr>
   <p:transition/>
-  <p:timing>
-    <p:tnLst>
-      <p:par>
-        <p:cTn id="1" dur="indefinite" restart="never" nodeType="tmRoot"/>
-      </p:par>
-    </p:tnLst>
-  </p:timing>
 </p:sld>
 </file>
 
@@ -10988,7 +10206,7 @@
           <a:lstStyle/>
           <a:p>
             <a:r>
-              <a:rPr lang="en-US" dirty="0" smtClean="0"/>
+              <a:rPr lang="en-US" dirty="0"/>
               <a:t>Table of Contents</a:t>
             </a:r>
             <a:endParaRPr lang="bg-BG" dirty="0"/>
@@ -11024,12 +10242,8 @@
               <a:tabLst/>
             </a:pPr>
             <a:r>
-              <a:rPr lang="en-US" dirty="0" smtClean="0"/>
-              <a:t>Comparison and </a:t>
-            </a:r>
-            <a:r>
               <a:rPr lang="en-US" dirty="0"/>
-              <a:t>Logical Operators</a:t>
+              <a:t>Comparison and Logical Operators</a:t>
             </a:r>
           </a:p>
           <a:p>
@@ -11046,7 +10260,7 @@
               <a:t>The </a:t>
             </a:r>
             <a:r>
-              <a:rPr lang="en-US" dirty="0" smtClean="0">
+              <a:rPr lang="en-US" dirty="0">
                 <a:solidFill>
                   <a:schemeClr val="accent5">
                     <a:lumMod val="20000"/>
@@ -11059,10 +10273,9 @@
               <a:t>if</a:t>
             </a:r>
             <a:r>
-              <a:rPr lang="en-US" dirty="0" smtClean="0"/>
+              <a:rPr lang="en-US" dirty="0"/>
               <a:t> Statement</a:t>
             </a:r>
-            <a:endParaRPr lang="en-US" dirty="0"/>
           </a:p>
           <a:p>
             <a:pPr marL="447675" indent="-447675">
@@ -11092,13 +10305,8 @@
             </a:r>
             <a:r>
               <a:rPr lang="en-US" dirty="0"/>
-              <a:t> </a:t>
-            </a:r>
-            <a:r>
-              <a:rPr lang="en-US" dirty="0" smtClean="0"/>
-              <a:t>Statement</a:t>
-            </a:r>
-            <a:endParaRPr lang="en-US" dirty="0"/>
+              <a:t> Statement</a:t>
+            </a:r>
           </a:p>
           <a:p>
             <a:pPr marL="447675" indent="-447675">
@@ -11128,13 +10336,8 @@
             </a:r>
             <a:r>
               <a:rPr lang="en-US" dirty="0"/>
-              <a:t> </a:t>
-            </a:r>
-            <a:r>
-              <a:rPr lang="en-US" dirty="0" smtClean="0"/>
-              <a:t>Statements</a:t>
-            </a:r>
-            <a:endParaRPr lang="en-US" dirty="0"/>
+              <a:t> Statements</a:t>
+            </a:r>
           </a:p>
           <a:p>
             <a:pPr marL="447675" indent="-447675">
@@ -11150,7 +10353,7 @@
               <a:t>The </a:t>
             </a:r>
             <a:r>
-              <a:rPr lang="en-US" dirty="0" smtClean="0">
+              <a:rPr lang="en-US" dirty="0">
                 <a:solidFill>
                   <a:schemeClr val="accent5">
                     <a:lumMod val="20000"/>
@@ -11163,10 +10366,9 @@
               <a:t>switch-case</a:t>
             </a:r>
             <a:r>
-              <a:rPr lang="en-US" dirty="0" smtClean="0"/>
+              <a:rPr lang="en-US" dirty="0"/>
               <a:t> Statement</a:t>
             </a:r>
-            <a:endParaRPr lang="en-US" dirty="0"/>
           </a:p>
         </p:txBody>
       </p:sp>
@@ -11291,13 +10493,6 @@
     <a:masterClrMapping/>
   </p:clrMapOvr>
   <p:transition/>
-  <p:timing>
-    <p:tnLst>
-      <p:par>
-        <p:cTn id="1" dur="indefinite" restart="never" nodeType="tmRoot"/>
-      </p:par>
-    </p:tnLst>
-  </p:timing>
 </p:sld>
 </file>
 
@@ -11344,27 +10539,26 @@
               </a:lnSpc>
             </a:pPr>
             <a:r>
-              <a:rPr lang="en-US" dirty="0" smtClean="0"/>
+              <a:rPr lang="en-US" dirty="0"/>
               <a:t>Nested </a:t>
             </a:r>
             <a:r>
-              <a:rPr lang="en-US" dirty="0" smtClean="0">
+              <a:rPr lang="en-US" dirty="0">
                 <a:latin typeface="Consolas" pitchFamily="49" charset="0"/>
                 <a:cs typeface="Consolas" pitchFamily="49" charset="0"/>
               </a:rPr>
               <a:t>if</a:t>
             </a:r>
             <a:br>
-              <a:rPr lang="en-US" dirty="0" smtClean="0">
+              <a:rPr lang="en-US" dirty="0">
                 <a:latin typeface="Consolas" pitchFamily="49" charset="0"/>
                 <a:cs typeface="Consolas" pitchFamily="49" charset="0"/>
               </a:rPr>
             </a:br>
             <a:r>
-              <a:rPr lang="en-US" dirty="0" smtClean="0"/>
+              <a:rPr lang="en-US" dirty="0"/>
               <a:t>Statements</a:t>
             </a:r>
-            <a:endParaRPr lang="en-US" dirty="0"/>
           </a:p>
         </p:txBody>
       </p:sp>
@@ -11405,7 +10599,7 @@
               </a:lnSpc>
             </a:pPr>
             <a:r>
-              <a:rPr lang="en-US" sz="2800" b="1" dirty="0" smtClean="0">
+              <a:rPr lang="en-US" sz="2800" b="1" dirty="0">
                 <a:effectLst>
                   <a:outerShdw blurRad="38100" dist="38100" dir="2700000" algn="tl">
                     <a:srgbClr val="000000">
@@ -11459,13 +10653,6 @@
     <a:masterClrMapping/>
   </p:clrMapOvr>
   <p:transition/>
-  <p:timing>
-    <p:tnLst>
-      <p:par>
-        <p:cTn id="1" dur="indefinite" restart="never" nodeType="tmRoot"/>
-      </p:par>
-    </p:tnLst>
-  </p:timing>
 </p:sld>
 </file>
 
@@ -11502,7 +10689,7 @@
           <a:lstStyle/>
           <a:p>
             <a:r>
-              <a:rPr lang="en-US" dirty="0" smtClean="0"/>
+              <a:rPr lang="en-US" dirty="0"/>
               <a:t>Multiple if-else-if-else-…</a:t>
             </a:r>
             <a:endParaRPr lang="bg-BG" dirty="0"/>
@@ -11530,11 +10717,11 @@
               </a:lnSpc>
             </a:pPr>
             <a:r>
-              <a:rPr lang="en-US" dirty="0" smtClean="0"/>
+              <a:rPr lang="en-US" dirty="0"/>
               <a:t>Sometimes we need to use another </a:t>
             </a:r>
             <a:r>
-              <a:rPr lang="en-US" dirty="0" smtClean="0">
+              <a:rPr lang="en-US" dirty="0">
                 <a:solidFill>
                   <a:schemeClr val="accent5">
                     <a:lumMod val="20000"/>
@@ -11546,11 +10733,11 @@
               <a:t>if</a:t>
             </a:r>
             <a:r>
-              <a:rPr lang="en-US" dirty="0" smtClean="0"/>
+              <a:rPr lang="en-US" dirty="0"/>
               <a:t>-construction in the </a:t>
             </a:r>
             <a:r>
-              <a:rPr lang="en-US" dirty="0" smtClean="0">
+              <a:rPr lang="en-US" dirty="0">
                 <a:solidFill>
                   <a:schemeClr val="accent5">
                     <a:lumMod val="20000"/>
@@ -11562,7 +10749,7 @@
               <a:t>else</a:t>
             </a:r>
             <a:r>
-              <a:rPr lang="en-US" dirty="0" smtClean="0"/>
+              <a:rPr lang="en-US" dirty="0"/>
               <a:t> block</a:t>
             </a:r>
           </a:p>
@@ -11573,11 +10760,11 @@
               </a:lnSpc>
             </a:pPr>
             <a:r>
-              <a:rPr lang="en-US" dirty="0" smtClean="0"/>
+              <a:rPr lang="en-US" dirty="0"/>
               <a:t>Thus </a:t>
             </a:r>
             <a:r>
-              <a:rPr lang="en-US" dirty="0" smtClean="0">
+              <a:rPr lang="en-US" dirty="0">
                 <a:solidFill>
                   <a:schemeClr val="accent5">
                     <a:lumMod val="20000"/>
@@ -11589,7 +10776,7 @@
               <a:t>else if</a:t>
             </a:r>
             <a:r>
-              <a:rPr lang="en-US" dirty="0" smtClean="0"/>
+              <a:rPr lang="en-US" dirty="0"/>
               <a:t> can be used:</a:t>
             </a:r>
             <a:endParaRPr lang="bg-BG" dirty="0"/>
@@ -11678,7 +10865,7 @@
               <a:buNone/>
             </a:pPr>
             <a:r>
-              <a:rPr lang="en-US" sz="1600" b="1" noProof="1" smtClean="0">
+              <a:rPr lang="en-US" sz="1600" b="1" noProof="1">
                 <a:solidFill>
                   <a:srgbClr val="8CF4F2"/>
                 </a:solidFill>
@@ -11711,7 +10898,7 @@
               <a:buNone/>
             </a:pPr>
             <a:r>
-              <a:rPr lang="en-US" sz="1600" b="1" noProof="1" smtClean="0">
+              <a:rPr lang="en-US" sz="1600" b="1" noProof="1">
                 <a:solidFill>
                   <a:srgbClr val="8CF4F2"/>
                 </a:solidFill>
@@ -11744,7 +10931,7 @@
               <a:buNone/>
             </a:pPr>
             <a:r>
-              <a:rPr lang="en-US" sz="1600" b="1" noProof="1" smtClean="0">
+              <a:rPr lang="en-US" sz="1600" b="1" noProof="1">
                 <a:solidFill>
                   <a:srgbClr val="8CF4F2"/>
                 </a:solidFill>
@@ -11777,7 +10964,7 @@
               <a:buNone/>
             </a:pPr>
             <a:r>
-              <a:rPr lang="en-US" sz="1600" b="1" noProof="1" smtClean="0">
+              <a:rPr lang="en-US" sz="1600" b="1" noProof="1">
                 <a:solidFill>
                   <a:srgbClr val="8CF4F2"/>
                 </a:solidFill>
@@ -11810,7 +10997,7 @@
               <a:buNone/>
             </a:pPr>
             <a:r>
-              <a:rPr lang="en-US" sz="1600" b="1" noProof="1" smtClean="0">
+              <a:rPr lang="en-US" sz="1600" b="1" noProof="1">
                 <a:solidFill>
                   <a:srgbClr val="8CF4F2"/>
                 </a:solidFill>
@@ -11843,7 +11030,7 @@
               <a:buNone/>
             </a:pPr>
             <a:r>
-              <a:rPr lang="en-US" sz="1600" b="1" noProof="1" smtClean="0">
+              <a:rPr lang="en-US" sz="1600" b="1" noProof="1">
                 <a:solidFill>
                   <a:srgbClr val="8CF4F2"/>
                 </a:solidFill>
@@ -11876,7 +11063,7 @@
               <a:buNone/>
             </a:pPr>
             <a:r>
-              <a:rPr lang="en-US" sz="1600" b="1" noProof="1" smtClean="0">
+              <a:rPr lang="en-US" sz="1600" b="1" noProof="1">
                 <a:solidFill>
                   <a:srgbClr val="8CF4F2"/>
                 </a:solidFill>
@@ -11909,7 +11096,7 @@
               <a:buNone/>
             </a:pPr>
             <a:r>
-              <a:rPr lang="en-US" sz="1600" b="1" noProof="1" smtClean="0">
+              <a:rPr lang="en-US" sz="1600" b="1" noProof="1">
                 <a:solidFill>
                   <a:srgbClr val="8CF4F2"/>
                 </a:solidFill>
@@ -11942,7 +11129,7 @@
               <a:buNone/>
             </a:pPr>
             <a:r>
-              <a:rPr lang="en-US" sz="1600" b="1" noProof="1" smtClean="0">
+              <a:rPr lang="en-US" sz="1600" b="1" noProof="1">
                 <a:solidFill>
                   <a:srgbClr val="8CF4F2"/>
                 </a:solidFill>
@@ -11975,7 +11162,7 @@
               <a:buNone/>
             </a:pPr>
             <a:r>
-              <a:rPr lang="en-US" sz="1600" b="1" noProof="1" smtClean="0">
+              <a:rPr lang="en-US" sz="1600" b="1" noProof="1">
                 <a:solidFill>
                   <a:srgbClr val="8CF4F2"/>
                 </a:solidFill>
@@ -12008,7 +11195,7 @@
               <a:buNone/>
             </a:pPr>
             <a:r>
-              <a:rPr lang="en-US" sz="1600" b="1" noProof="1" smtClean="0">
+              <a:rPr lang="en-US" sz="1600" b="1" noProof="1">
                 <a:solidFill>
                   <a:srgbClr val="8CF4F2"/>
                 </a:solidFill>
@@ -12024,20 +11211,6 @@
               </a:rPr>
               <a:t>else …</a:t>
             </a:r>
-            <a:endParaRPr lang="en-US" sz="1600" b="1" noProof="1">
-              <a:solidFill>
-                <a:srgbClr val="8CF4F2"/>
-              </a:solidFill>
-              <a:effectLst>
-                <a:outerShdw blurRad="38100" dist="38100" dir="2700000" algn="tl">
-                  <a:srgbClr val="000000">
-                    <a:alpha val="43137"/>
-                  </a:srgbClr>
-                </a:outerShdw>
-              </a:effectLst>
-              <a:latin typeface="Consolas" pitchFamily="49" charset="0"/>
-              <a:cs typeface="Consolas" pitchFamily="49" charset="0"/>
-            </a:endParaRPr>
           </a:p>
         </p:txBody>
       </p:sp>
@@ -12130,27 +11303,26 @@
               </a:lnSpc>
             </a:pPr>
             <a:r>
-              <a:rPr lang="en-US" dirty="0" smtClean="0"/>
+              <a:rPr lang="en-US" dirty="0"/>
               <a:t>Multiple </a:t>
             </a:r>
             <a:r>
-              <a:rPr lang="en-US" dirty="0" smtClean="0">
+              <a:rPr lang="en-US" dirty="0">
                 <a:latin typeface="Consolas" pitchFamily="49" charset="0"/>
                 <a:cs typeface="Consolas" pitchFamily="49" charset="0"/>
               </a:rPr>
               <a:t>if-else</a:t>
             </a:r>
             <a:br>
-              <a:rPr lang="en-US" dirty="0" smtClean="0">
+              <a:rPr lang="en-US" dirty="0">
                 <a:latin typeface="Consolas" pitchFamily="49" charset="0"/>
                 <a:cs typeface="Consolas" pitchFamily="49" charset="0"/>
               </a:rPr>
             </a:br>
             <a:r>
-              <a:rPr lang="en-US" dirty="0" smtClean="0"/>
+              <a:rPr lang="en-US" dirty="0"/>
               <a:t>Statements</a:t>
             </a:r>
-            <a:endParaRPr lang="en-US" dirty="0"/>
           </a:p>
         </p:txBody>
       </p:sp>
@@ -12191,7 +11363,7 @@
               </a:lnSpc>
             </a:pPr>
             <a:r>
-              <a:rPr lang="en-US" sz="2800" b="1" dirty="0" smtClean="0">
+              <a:rPr lang="en-US" sz="2800" b="1" dirty="0">
                 <a:effectLst>
                   <a:outerShdw blurRad="38100" dist="38100" dir="2700000" algn="tl">
                     <a:srgbClr val="000000">
@@ -12212,13 +11384,6 @@
     <a:masterClrMapping/>
   </p:clrMapOvr>
   <p:transition/>
-  <p:timing>
-    <p:tnLst>
-      <p:par>
-        <p:cTn id="1" dur="indefinite" restart="never" nodeType="tmRoot"/>
-      </p:par>
-    </p:tnLst>
-  </p:timing>
 </p:sld>
 </file>
 
@@ -12321,7 +11486,7 @@
               <a:buNone/>
             </a:pPr>
             <a:r>
-              <a:rPr lang="en-US" sz="2800" b="1" dirty="0" smtClean="0">
+              <a:rPr lang="en-US" sz="2800" b="1" dirty="0">
                 <a:effectLst>
                   <a:outerShdw blurRad="38100" dist="38100" dir="2700000" algn="tl">
                     <a:srgbClr val="000000">
@@ -12333,7 +11498,7 @@
               </a:rPr>
               <a:t>Making Several Comparisons at Once</a:t>
             </a:r>
-            <a:endParaRPr lang="bg-BG" sz="2800" b="1" dirty="0" smtClean="0">
+            <a:endParaRPr lang="bg-BG" sz="2800" b="1" dirty="0">
               <a:effectLst>
                 <a:outerShdw blurRad="38100" dist="38100" dir="2700000" algn="tl">
                   <a:srgbClr val="000000">
@@ -12383,13 +11548,6 @@
     <a:masterClrMapping/>
   </p:clrMapOvr>
   <p:transition/>
-  <p:timing>
-    <p:tnLst>
-      <p:par>
-        <p:cTn id="1" dur="indefinite" restart="never" nodeType="tmRoot"/>
-      </p:par>
-    </p:tnLst>
-  </p:timing>
 </p:sld>
 </file>
 
@@ -12426,18 +11584,18 @@
           <a:lstStyle/>
           <a:p>
             <a:r>
-              <a:rPr lang="en-US" dirty="0" smtClean="0"/>
+              <a:rPr lang="en-US" dirty="0"/>
               <a:t>The </a:t>
             </a:r>
             <a:r>
-              <a:rPr lang="en-US" dirty="0" smtClean="0">
+              <a:rPr lang="en-US" dirty="0">
                 <a:latin typeface="Consolas" pitchFamily="49" charset="0"/>
                 <a:cs typeface="Consolas" pitchFamily="49" charset="0"/>
               </a:rPr>
               <a:t>switch-case</a:t>
             </a:r>
             <a:r>
-              <a:rPr lang="en-US" dirty="0" smtClean="0"/>
+              <a:rPr lang="en-US" dirty="0"/>
               <a:t> Statement</a:t>
             </a:r>
             <a:endParaRPr lang="bg-BG" dirty="0">
@@ -12620,41 +11778,7 @@
                 <a:latin typeface="Consolas" pitchFamily="49" charset="0"/>
                 <a:cs typeface="Consolas" pitchFamily="49" charset="0"/>
               </a:rPr>
-              <a:t>	case </a:t>
-            </a:r>
-            <a:r>
-              <a:rPr lang="en-US" sz="2000" b="1" noProof="1" smtClean="0">
-                <a:solidFill>
-                  <a:srgbClr val="8CF4F2"/>
-                </a:solidFill>
-                <a:effectLst>
-                  <a:outerShdw blurRad="38100" dist="38100" dir="2700000" algn="tl">
-                    <a:srgbClr val="000000">
-                      <a:alpha val="43137"/>
-                    </a:srgbClr>
-                  </a:outerShdw>
-                </a:effectLst>
-                <a:latin typeface="Consolas" pitchFamily="49" charset="0"/>
-                <a:cs typeface="Consolas" pitchFamily="49" charset="0"/>
-              </a:rPr>
-              <a:t>1: </a:t>
-            </a:r>
-            <a:r>
-              <a:rPr lang="en-US" sz="2000" b="1" noProof="1">
-                <a:solidFill>
-                  <a:srgbClr val="8CF4F2"/>
-                </a:solidFill>
-                <a:effectLst>
-                  <a:outerShdw blurRad="38100" dist="38100" dir="2700000" algn="tl">
-                    <a:srgbClr val="000000">
-                      <a:alpha val="43137"/>
-                    </a:srgbClr>
-                  </a:outerShdw>
-                </a:effectLst>
-                <a:latin typeface="Consolas" pitchFamily="49" charset="0"/>
-                <a:cs typeface="Consolas" pitchFamily="49" charset="0"/>
-              </a:rPr>
-              <a:t>Console.WriteLine("Monday"); break;</a:t>
+              <a:t>	case 1: Console.WriteLine("Monday"); break;</a:t>
             </a:r>
           </a:p>
           <a:p>
@@ -12684,41 +11808,7 @@
                 <a:latin typeface="Consolas" pitchFamily="49" charset="0"/>
                 <a:cs typeface="Consolas" pitchFamily="49" charset="0"/>
               </a:rPr>
-              <a:t>	case </a:t>
-            </a:r>
-            <a:r>
-              <a:rPr lang="en-US" sz="2000" b="1" noProof="1" smtClean="0">
-                <a:solidFill>
-                  <a:srgbClr val="8CF4F2"/>
-                </a:solidFill>
-                <a:effectLst>
-                  <a:outerShdw blurRad="38100" dist="38100" dir="2700000" algn="tl">
-                    <a:srgbClr val="000000">
-                      <a:alpha val="43137"/>
-                    </a:srgbClr>
-                  </a:outerShdw>
-                </a:effectLst>
-                <a:latin typeface="Consolas" pitchFamily="49" charset="0"/>
-                <a:cs typeface="Consolas" pitchFamily="49" charset="0"/>
-              </a:rPr>
-              <a:t>2: </a:t>
-            </a:r>
-            <a:r>
-              <a:rPr lang="en-US" sz="2000" b="1" noProof="1">
-                <a:solidFill>
-                  <a:srgbClr val="8CF4F2"/>
-                </a:solidFill>
-                <a:effectLst>
-                  <a:outerShdw blurRad="38100" dist="38100" dir="2700000" algn="tl">
-                    <a:srgbClr val="000000">
-                      <a:alpha val="43137"/>
-                    </a:srgbClr>
-                  </a:outerShdw>
-                </a:effectLst>
-                <a:latin typeface="Consolas" pitchFamily="49" charset="0"/>
-                <a:cs typeface="Consolas" pitchFamily="49" charset="0"/>
-              </a:rPr>
-              <a:t>Console.WriteLine("Tuesday"); break;</a:t>
+              <a:t>	case 2: Console.WriteLine("Tuesday"); break;</a:t>
             </a:r>
           </a:p>
           <a:p>
@@ -12748,75 +11838,7 @@
                 <a:latin typeface="Consolas" pitchFamily="49" charset="0"/>
                 <a:cs typeface="Consolas" pitchFamily="49" charset="0"/>
               </a:rPr>
-              <a:t>	case </a:t>
-            </a:r>
-            <a:r>
-              <a:rPr lang="en-US" sz="2000" b="1" noProof="1" smtClean="0">
-                <a:solidFill>
-                  <a:srgbClr val="8CF4F2"/>
-                </a:solidFill>
-                <a:effectLst>
-                  <a:outerShdw blurRad="38100" dist="38100" dir="2700000" algn="tl">
-                    <a:srgbClr val="000000">
-                      <a:alpha val="43137"/>
-                    </a:srgbClr>
-                  </a:outerShdw>
-                </a:effectLst>
-                <a:latin typeface="Consolas" pitchFamily="49" charset="0"/>
-                <a:cs typeface="Consolas" pitchFamily="49" charset="0"/>
-              </a:rPr>
-              <a:t>3: </a:t>
-            </a:r>
-            <a:r>
-              <a:rPr lang="en-US" sz="2000" b="1" noProof="1">
-                <a:solidFill>
-                  <a:srgbClr val="8CF4F2"/>
-                </a:solidFill>
-                <a:effectLst>
-                  <a:outerShdw blurRad="38100" dist="38100" dir="2700000" algn="tl">
-                    <a:srgbClr val="000000">
-                      <a:alpha val="43137"/>
-                    </a:srgbClr>
-                  </a:outerShdw>
-                </a:effectLst>
-                <a:latin typeface="Consolas" pitchFamily="49" charset="0"/>
-                <a:cs typeface="Consolas" pitchFamily="49" charset="0"/>
-              </a:rPr>
-              <a:t>Console.WriteLine("Wednesday</a:t>
-            </a:r>
-            <a:r>
-              <a:rPr lang="en-US" sz="2000" b="1" noProof="1" smtClean="0">
-                <a:solidFill>
-                  <a:srgbClr val="8CF4F2"/>
-                </a:solidFill>
-                <a:effectLst>
-                  <a:outerShdw blurRad="38100" dist="38100" dir="2700000" algn="tl">
-                    <a:srgbClr val="000000">
-                      <a:alpha val="43137"/>
-                    </a:srgbClr>
-                  </a:outerShdw>
-                </a:effectLst>
-                <a:latin typeface="Consolas" pitchFamily="49" charset="0"/>
-                <a:cs typeface="Consolas" pitchFamily="49" charset="0"/>
-              </a:rPr>
-              <a:t>"); break</a:t>
-            </a:r>
-            <a:r>
-              <a:rPr lang="en-US" sz="2000" b="1" noProof="1">
-                <a:solidFill>
-                  <a:srgbClr val="8CF4F2"/>
-                </a:solidFill>
-                <a:effectLst>
-                  <a:outerShdw blurRad="38100" dist="38100" dir="2700000" algn="tl">
-                    <a:srgbClr val="000000">
-                      <a:alpha val="43137"/>
-                    </a:srgbClr>
-                  </a:outerShdw>
-                </a:effectLst>
-                <a:latin typeface="Consolas" pitchFamily="49" charset="0"/>
-                <a:cs typeface="Consolas" pitchFamily="49" charset="0"/>
-              </a:rPr>
-              <a:t>;</a:t>
+              <a:t>	case 3: Console.WriteLine("Wednesday"); break;</a:t>
             </a:r>
           </a:p>
           <a:p>
@@ -12846,41 +11868,7 @@
                 <a:latin typeface="Consolas" pitchFamily="49" charset="0"/>
                 <a:cs typeface="Consolas" pitchFamily="49" charset="0"/>
               </a:rPr>
-              <a:t>	case </a:t>
-            </a:r>
-            <a:r>
-              <a:rPr lang="en-US" sz="2000" b="1" noProof="1" smtClean="0">
-                <a:solidFill>
-                  <a:srgbClr val="8CF4F2"/>
-                </a:solidFill>
-                <a:effectLst>
-                  <a:outerShdw blurRad="38100" dist="38100" dir="2700000" algn="tl">
-                    <a:srgbClr val="000000">
-                      <a:alpha val="43137"/>
-                    </a:srgbClr>
-                  </a:outerShdw>
-                </a:effectLst>
-                <a:latin typeface="Consolas" pitchFamily="49" charset="0"/>
-                <a:cs typeface="Consolas" pitchFamily="49" charset="0"/>
-              </a:rPr>
-              <a:t>4: </a:t>
-            </a:r>
-            <a:r>
-              <a:rPr lang="en-US" sz="2000" b="1" noProof="1">
-                <a:solidFill>
-                  <a:srgbClr val="8CF4F2"/>
-                </a:solidFill>
-                <a:effectLst>
-                  <a:outerShdw blurRad="38100" dist="38100" dir="2700000" algn="tl">
-                    <a:srgbClr val="000000">
-                      <a:alpha val="43137"/>
-                    </a:srgbClr>
-                  </a:outerShdw>
-                </a:effectLst>
-                <a:latin typeface="Consolas" pitchFamily="49" charset="0"/>
-                <a:cs typeface="Consolas" pitchFamily="49" charset="0"/>
-              </a:rPr>
-              <a:t>Console.WriteLine("Thursday"); break;</a:t>
+              <a:t>	case 4: Console.WriteLine("Thursday"); break;</a:t>
             </a:r>
           </a:p>
           <a:p>
@@ -12910,41 +11898,7 @@
                 <a:latin typeface="Consolas" pitchFamily="49" charset="0"/>
                 <a:cs typeface="Consolas" pitchFamily="49" charset="0"/>
               </a:rPr>
-              <a:t>	case </a:t>
-            </a:r>
-            <a:r>
-              <a:rPr lang="en-US" sz="2000" b="1" noProof="1" smtClean="0">
-                <a:solidFill>
-                  <a:srgbClr val="8CF4F2"/>
-                </a:solidFill>
-                <a:effectLst>
-                  <a:outerShdw blurRad="38100" dist="38100" dir="2700000" algn="tl">
-                    <a:srgbClr val="000000">
-                      <a:alpha val="43137"/>
-                    </a:srgbClr>
-                  </a:outerShdw>
-                </a:effectLst>
-                <a:latin typeface="Consolas" pitchFamily="49" charset="0"/>
-                <a:cs typeface="Consolas" pitchFamily="49" charset="0"/>
-              </a:rPr>
-              <a:t>5: </a:t>
-            </a:r>
-            <a:r>
-              <a:rPr lang="en-US" sz="2000" b="1" noProof="1">
-                <a:solidFill>
-                  <a:srgbClr val="8CF4F2"/>
-                </a:solidFill>
-                <a:effectLst>
-                  <a:outerShdw blurRad="38100" dist="38100" dir="2700000" algn="tl">
-                    <a:srgbClr val="000000">
-                      <a:alpha val="43137"/>
-                    </a:srgbClr>
-                  </a:outerShdw>
-                </a:effectLst>
-                <a:latin typeface="Consolas" pitchFamily="49" charset="0"/>
-                <a:cs typeface="Consolas" pitchFamily="49" charset="0"/>
-              </a:rPr>
-              <a:t>Console.WriteLine("Friday"); break;</a:t>
+              <a:t>	case 5: Console.WriteLine("Friday"); break;</a:t>
             </a:r>
           </a:p>
           <a:p>
@@ -12974,41 +11928,7 @@
                 <a:latin typeface="Consolas" pitchFamily="49" charset="0"/>
                 <a:cs typeface="Consolas" pitchFamily="49" charset="0"/>
               </a:rPr>
-              <a:t>	case </a:t>
-            </a:r>
-            <a:r>
-              <a:rPr lang="en-US" sz="2000" b="1" noProof="1" smtClean="0">
-                <a:solidFill>
-                  <a:srgbClr val="8CF4F2"/>
-                </a:solidFill>
-                <a:effectLst>
-                  <a:outerShdw blurRad="38100" dist="38100" dir="2700000" algn="tl">
-                    <a:srgbClr val="000000">
-                      <a:alpha val="43137"/>
-                    </a:srgbClr>
-                  </a:outerShdw>
-                </a:effectLst>
-                <a:latin typeface="Consolas" pitchFamily="49" charset="0"/>
-                <a:cs typeface="Consolas" pitchFamily="49" charset="0"/>
-              </a:rPr>
-              <a:t>6: </a:t>
-            </a:r>
-            <a:r>
-              <a:rPr lang="en-US" sz="2000" b="1" noProof="1">
-                <a:solidFill>
-                  <a:srgbClr val="8CF4F2"/>
-                </a:solidFill>
-                <a:effectLst>
-                  <a:outerShdw blurRad="38100" dist="38100" dir="2700000" algn="tl">
-                    <a:srgbClr val="000000">
-                      <a:alpha val="43137"/>
-                    </a:srgbClr>
-                  </a:outerShdw>
-                </a:effectLst>
-                <a:latin typeface="Consolas" pitchFamily="49" charset="0"/>
-                <a:cs typeface="Consolas" pitchFamily="49" charset="0"/>
-              </a:rPr>
-              <a:t>Console.WriteLine("Saturday"); break;</a:t>
+              <a:t>	case 6: Console.WriteLine("Saturday"); break;</a:t>
             </a:r>
           </a:p>
           <a:p>
@@ -13038,41 +11958,7 @@
                 <a:latin typeface="Consolas" pitchFamily="49" charset="0"/>
                 <a:cs typeface="Consolas" pitchFamily="49" charset="0"/>
               </a:rPr>
-              <a:t>	case </a:t>
-            </a:r>
-            <a:r>
-              <a:rPr lang="en-US" sz="2000" b="1" noProof="1" smtClean="0">
-                <a:solidFill>
-                  <a:srgbClr val="8CF4F2"/>
-                </a:solidFill>
-                <a:effectLst>
-                  <a:outerShdw blurRad="38100" dist="38100" dir="2700000" algn="tl">
-                    <a:srgbClr val="000000">
-                      <a:alpha val="43137"/>
-                    </a:srgbClr>
-                  </a:outerShdw>
-                </a:effectLst>
-                <a:latin typeface="Consolas" pitchFamily="49" charset="0"/>
-                <a:cs typeface="Consolas" pitchFamily="49" charset="0"/>
-              </a:rPr>
-              <a:t>7: </a:t>
-            </a:r>
-            <a:r>
-              <a:rPr lang="en-US" sz="2000" b="1" noProof="1">
-                <a:solidFill>
-                  <a:srgbClr val="8CF4F2"/>
-                </a:solidFill>
-                <a:effectLst>
-                  <a:outerShdw blurRad="38100" dist="38100" dir="2700000" algn="tl">
-                    <a:srgbClr val="000000">
-                      <a:alpha val="43137"/>
-                    </a:srgbClr>
-                  </a:outerShdw>
-                </a:effectLst>
-                <a:latin typeface="Consolas" pitchFamily="49" charset="0"/>
-                <a:cs typeface="Consolas" pitchFamily="49" charset="0"/>
-              </a:rPr>
-              <a:t>Console.WriteLine("Sunday"); break;</a:t>
+              <a:t>	case 7: Console.WriteLine("Sunday"); break;</a:t>
             </a:r>
           </a:p>
           <a:p>
@@ -13102,41 +11988,7 @@
                 <a:latin typeface="Consolas" pitchFamily="49" charset="0"/>
                 <a:cs typeface="Consolas" pitchFamily="49" charset="0"/>
               </a:rPr>
-              <a:t>	</a:t>
-            </a:r>
-            <a:r>
-              <a:rPr lang="en-US" sz="2000" b="1" noProof="1" smtClean="0">
-                <a:solidFill>
-                  <a:srgbClr val="8CF4F2"/>
-                </a:solidFill>
-                <a:effectLst>
-                  <a:outerShdw blurRad="38100" dist="38100" dir="2700000" algn="tl">
-                    <a:srgbClr val="000000">
-                      <a:alpha val="43137"/>
-                    </a:srgbClr>
-                  </a:outerShdw>
-                </a:effectLst>
-                <a:latin typeface="Consolas" pitchFamily="49" charset="0"/>
-                <a:cs typeface="Consolas" pitchFamily="49" charset="0"/>
-              </a:rPr>
-              <a:t>default: </a:t>
-            </a:r>
-            <a:r>
-              <a:rPr lang="en-US" sz="2000" b="1" noProof="1">
-                <a:solidFill>
-                  <a:srgbClr val="8CF4F2"/>
-                </a:solidFill>
-                <a:effectLst>
-                  <a:outerShdw blurRad="38100" dist="38100" dir="2700000" algn="tl">
-                    <a:srgbClr val="000000">
-                      <a:alpha val="43137"/>
-                    </a:srgbClr>
-                  </a:outerShdw>
-                </a:effectLst>
-                <a:latin typeface="Consolas" pitchFamily="49" charset="0"/>
-                <a:cs typeface="Consolas" pitchFamily="49" charset="0"/>
-              </a:rPr>
-              <a:t>Console.WriteLine("Error!"); break;</a:t>
+              <a:t>	default: Console.WriteLine("Error!"); break;</a:t>
             </a:r>
           </a:p>
           <a:p>
@@ -13211,13 +12063,6 @@
     <a:masterClrMapping/>
   </p:clrMapOvr>
   <p:transition/>
-  <p:timing>
-    <p:tnLst>
-      <p:par>
-        <p:cTn id="1" dur="indefinite" restart="never" nodeType="tmRoot"/>
-      </p:par>
-    </p:tnLst>
-  </p:timing>
 </p:sld>
 </file>
 
@@ -13359,12 +12204,8 @@
               </a:lnSpc>
             </a:pPr>
             <a:r>
-              <a:rPr lang="en-US" dirty="0" smtClean="0"/>
-              <a:t>Otherwise the </a:t>
-            </a:r>
-            <a:r>
               <a:rPr lang="en-US" dirty="0"/>
-              <a:t>control is transferred to the end point of the switch statement </a:t>
+              <a:t>Otherwise the control is transferred to the end point of the switch statement </a:t>
             </a:r>
           </a:p>
         </p:txBody>
@@ -13409,13 +12250,6 @@
     <a:masterClrMapping/>
   </p:clrMapOvr>
   <p:transition/>
-  <p:timing>
-    <p:tnLst>
-      <p:par>
-        <p:cTn id="1" dur="indefinite" restart="never" nodeType="tmRoot"/>
-      </p:par>
-    </p:tnLst>
-  </p:timing>
 </p:sld>
 </file>
 
@@ -13462,24 +12296,23 @@
               </a:lnSpc>
             </a:pPr>
             <a:r>
-              <a:rPr lang="en-US" noProof="1" smtClean="0">
+              <a:rPr lang="en-US" noProof="1">
                 <a:latin typeface="+mn-lt"/>
                 <a:cs typeface="Consolas" pitchFamily="49" charset="0"/>
               </a:rPr>
               <a:t>The </a:t>
             </a:r>
             <a:r>
-              <a:rPr lang="en-US" noProof="1" smtClean="0">
+              <a:rPr lang="en-US" noProof="1">
                 <a:latin typeface="Consolas" pitchFamily="49" charset="0"/>
                 <a:cs typeface="Consolas" pitchFamily="49" charset="0"/>
               </a:rPr>
               <a:t>switch-case </a:t>
             </a:r>
             <a:r>
-              <a:rPr lang="en-US" noProof="1" smtClean="0"/>
+              <a:rPr lang="en-US" noProof="1"/>
               <a:t>Statement</a:t>
             </a:r>
-            <a:endParaRPr lang="en-US" noProof="1"/>
           </a:p>
         </p:txBody>
       </p:sp>
@@ -13520,7 +12353,7 @@
               </a:lnSpc>
             </a:pPr>
             <a:r>
-              <a:rPr lang="en-US" sz="2800" b="1" dirty="0" smtClean="0">
+              <a:rPr lang="en-US" sz="2800" b="1" dirty="0">
                 <a:effectLst>
                   <a:outerShdw blurRad="38100" dist="38100" dir="2700000" algn="tl">
                     <a:srgbClr val="000000">
@@ -13572,13 +12405,6 @@
     <a:masterClrMapping/>
   </p:clrMapOvr>
   <p:transition/>
-  <p:timing>
-    <p:tnLst>
-      <p:par>
-        <p:cTn id="1" dur="indefinite" restart="never" nodeType="tmRoot"/>
-      </p:par>
-    </p:tnLst>
-  </p:timing>
 </p:sld>
 </file>
 
@@ -13615,18 +12441,18 @@
           <a:lstStyle/>
           <a:p>
             <a:r>
-              <a:rPr lang="en-US" dirty="0" smtClean="0"/>
+              <a:rPr lang="en-US" dirty="0"/>
               <a:t>Using </a:t>
             </a:r>
             <a:r>
-              <a:rPr lang="en-US" dirty="0" smtClean="0">
+              <a:rPr lang="en-US" dirty="0">
                 <a:latin typeface="Consolas" pitchFamily="49" charset="0"/>
                 <a:cs typeface="Consolas" pitchFamily="49" charset="0"/>
               </a:rPr>
               <a:t>switch</a:t>
             </a:r>
             <a:r>
-              <a:rPr lang="en-US" dirty="0" smtClean="0"/>
+              <a:rPr lang="en-US" dirty="0"/>
               <a:t>: Rules</a:t>
             </a:r>
             <a:endParaRPr lang="bg-BG" dirty="0"/>
@@ -13700,7 +12526,7 @@
               <a:t>and integral types can be used for </a:t>
             </a:r>
             <a:r>
-              <a:rPr lang="en-US" sz="3000" dirty="0" smtClean="0">
+              <a:rPr lang="en-US" sz="3000" dirty="0">
                 <a:solidFill>
                   <a:schemeClr val="accent5">
                     <a:lumMod val="20000"/>
@@ -13713,7 +12539,7 @@
               <a:t>switch</a:t>
             </a:r>
             <a:r>
-              <a:rPr lang="en-US" sz="3000" dirty="0" smtClean="0">
+              <a:rPr lang="en-US" sz="3000" dirty="0">
                 <a:solidFill>
                   <a:schemeClr val="tx2"/>
                 </a:solidFill>
@@ -13721,10 +12547,9 @@
               <a:t> </a:t>
             </a:r>
             <a:r>
-              <a:rPr lang="en-US" sz="3000" dirty="0" smtClean="0"/>
+              <a:rPr lang="en-US" sz="3000" dirty="0"/>
               <a:t>expression</a:t>
             </a:r>
-            <a:endParaRPr lang="en-US" sz="3000" dirty="0"/>
           </a:p>
           <a:p>
             <a:pPr>
@@ -13790,15 +12615,7 @@
             </a:pPr>
             <a:r>
               <a:rPr lang="en-US" sz="3000" dirty="0"/>
-              <a:t>"No fall through" </a:t>
-            </a:r>
-            <a:r>
-              <a:rPr lang="en-US" sz="3000" dirty="0" smtClean="0"/>
-              <a:t>rule </a:t>
-            </a:r>
-            <a:r>
-              <a:rPr lang="en-US" sz="3000" dirty="0"/>
-              <a:t>– you are obligated to use </a:t>
+              <a:t>"No fall through" rule – you are obligated to use </a:t>
             </a:r>
             <a:r>
               <a:rPr lang="en-US" sz="3000" dirty="0">
@@ -13815,13 +12632,8 @@
             </a:r>
             <a:r>
               <a:rPr lang="en-US" sz="3000" dirty="0"/>
-              <a:t> </a:t>
-            </a:r>
-            <a:r>
-              <a:rPr lang="en-US" sz="3000" dirty="0" smtClean="0"/>
-              <a:t>after each case  </a:t>
-            </a:r>
-            <a:endParaRPr lang="en-US" sz="3000" dirty="0"/>
+              <a:t> after each case  </a:t>
+            </a:r>
           </a:p>
           <a:p>
             <a:pPr>
@@ -13876,13 +12688,6 @@
     <a:masterClrMapping/>
   </p:clrMapOvr>
   <p:transition/>
-  <p:timing>
-    <p:tnLst>
-      <p:par>
-        <p:cTn id="1" dur="indefinite" restart="never" nodeType="tmRoot"/>
-      </p:par>
-    </p:tnLst>
-  </p:timing>
 </p:sld>
 </file>
 
@@ -13975,7 +12780,7 @@
               <a:buSzPct val="70000"/>
             </a:pPr>
             <a:r>
-              <a:rPr lang="en-US" sz="2000" b="1" noProof="1" smtClean="0">
+              <a:rPr lang="en-US" sz="2000" b="1" noProof="1">
                 <a:solidFill>
                   <a:srgbClr val="8CF4F2"/>
                 </a:solidFill>
@@ -14003,7 +12808,7 @@
               <a:buSzPct val="70000"/>
             </a:pPr>
             <a:r>
-              <a:rPr lang="en-US" sz="2000" b="1" noProof="1" smtClean="0">
+              <a:rPr lang="en-US" sz="2000" b="1" noProof="1">
                 <a:solidFill>
                   <a:srgbClr val="8CF4F2"/>
                 </a:solidFill>
@@ -14031,7 +12836,7 @@
               <a:buSzPct val="70000"/>
             </a:pPr>
             <a:r>
-              <a:rPr lang="en-US" sz="2000" b="1" noProof="1" smtClean="0">
+              <a:rPr lang="en-US" sz="2000" b="1" noProof="1">
                 <a:solidFill>
                   <a:srgbClr val="8CF4F2"/>
                 </a:solidFill>
@@ -14059,7 +12864,7 @@
               <a:buSzPct val="70000"/>
             </a:pPr>
             <a:r>
-              <a:rPr lang="en-US" sz="2000" b="1" noProof="1" smtClean="0">
+              <a:rPr lang="en-US" sz="2000" b="1" noProof="1">
                 <a:solidFill>
                   <a:srgbClr val="8CF4F2"/>
                 </a:solidFill>
@@ -14087,7 +12892,7 @@
               <a:buSzPct val="70000"/>
             </a:pPr>
             <a:r>
-              <a:rPr lang="en-US" sz="2000" b="1" noProof="1" smtClean="0">
+              <a:rPr lang="en-US" sz="2000" b="1" noProof="1">
                 <a:solidFill>
                   <a:srgbClr val="8CF4F2"/>
                 </a:solidFill>
@@ -14115,7 +12920,7 @@
               <a:buSzPct val="70000"/>
             </a:pPr>
             <a:r>
-              <a:rPr lang="en-US" sz="2000" b="1" noProof="1" smtClean="0">
+              <a:rPr lang="en-US" sz="2000" b="1" noProof="1">
                 <a:solidFill>
                   <a:srgbClr val="8CF4F2"/>
                 </a:solidFill>
@@ -14143,7 +12948,7 @@
               <a:buSzPct val="70000"/>
             </a:pPr>
             <a:r>
-              <a:rPr lang="en-US" sz="2000" b="1" noProof="1" smtClean="0">
+              <a:rPr lang="en-US" sz="2000" b="1" noProof="1">
                 <a:solidFill>
                   <a:srgbClr val="8CF4F2"/>
                 </a:solidFill>
@@ -14171,7 +12976,7 @@
               <a:buSzPct val="70000"/>
             </a:pPr>
             <a:r>
-              <a:rPr lang="en-US" sz="2000" b="1" noProof="1" smtClean="0">
+              <a:rPr lang="en-US" sz="2000" b="1" noProof="1">
                 <a:solidFill>
                   <a:srgbClr val="8CF4F2"/>
                 </a:solidFill>
@@ -14199,7 +13004,7 @@
               <a:buSzPct val="70000"/>
             </a:pPr>
             <a:r>
-              <a:rPr lang="en-US" sz="2000" b="1" noProof="1" smtClean="0">
+              <a:rPr lang="en-US" sz="2000" b="1" noProof="1">
                 <a:solidFill>
                   <a:srgbClr val="8CF4F2"/>
                 </a:solidFill>
@@ -14227,7 +13032,7 @@
               <a:buSzPct val="70000"/>
             </a:pPr>
             <a:r>
-              <a:rPr lang="en-US" sz="2000" b="1" noProof="1" smtClean="0">
+              <a:rPr lang="en-US" sz="2000" b="1" noProof="1">
                 <a:solidFill>
                   <a:srgbClr val="8CF4F2"/>
                 </a:solidFill>
@@ -14255,7 +13060,7 @@
               <a:buSzPct val="70000"/>
             </a:pPr>
             <a:r>
-              <a:rPr lang="en-US" sz="2000" b="1" noProof="1" smtClean="0">
+              <a:rPr lang="en-US" sz="2000" b="1" noProof="1">
                 <a:solidFill>
                   <a:srgbClr val="8CF4F2"/>
                 </a:solidFill>
@@ -14283,7 +13088,7 @@
               <a:buSzPct val="70000"/>
             </a:pPr>
             <a:r>
-              <a:rPr lang="en-US" sz="2000" b="1" noProof="1" smtClean="0">
+              <a:rPr lang="en-US" sz="2000" b="1" noProof="1">
                 <a:solidFill>
                   <a:srgbClr val="8CF4F2"/>
                 </a:solidFill>
@@ -14311,7 +13116,7 @@
               <a:buSzPct val="70000"/>
             </a:pPr>
             <a:r>
-              <a:rPr lang="en-US" sz="2000" b="1" noProof="1" smtClean="0">
+              <a:rPr lang="en-US" sz="2000" b="1" noProof="1">
                 <a:solidFill>
                   <a:srgbClr val="8CF4F2"/>
                 </a:solidFill>
@@ -14339,7 +13144,7 @@
               <a:buSzPct val="70000"/>
             </a:pPr>
             <a:r>
-              <a:rPr lang="en-US" sz="2000" b="1" noProof="1" smtClean="0">
+              <a:rPr lang="en-US" sz="2000" b="1" noProof="1">
                 <a:solidFill>
                   <a:srgbClr val="8CF4F2"/>
                 </a:solidFill>
@@ -14480,11 +13285,7 @@
             </a:pPr>
             <a:r>
               <a:rPr lang="en-US" dirty="0"/>
-              <a:t>Multiple Labels </a:t>
-            </a:r>
-            <a:r>
-              <a:rPr lang="en-US" dirty="0" smtClean="0"/>
-              <a:t>in a </a:t>
+              <a:t>Multiple Labels in a </a:t>
             </a:r>
             <a:r>
               <a:rPr lang="en-US" dirty="0">
@@ -14537,7 +13338,7 @@
               </a:lnSpc>
             </a:pPr>
             <a:r>
-              <a:rPr lang="en-US" sz="2800" b="1" dirty="0" smtClean="0">
+              <a:rPr lang="en-US" sz="2800" b="1" dirty="0">
                 <a:effectLst>
                   <a:outerShdw blurRad="38100" dist="38100" dir="2700000" algn="tl">
                     <a:srgbClr val="000000">
@@ -14591,13 +13392,6 @@
     <a:masterClrMapping/>
   </p:clrMapOvr>
   <p:transition/>
-  <p:timing>
-    <p:tnLst>
-      <p:par>
-        <p:cTn id="1" dur="indefinite" restart="never" nodeType="tmRoot"/>
-      </p:par>
-    </p:tnLst>
-  </p:timing>
 </p:sld>
 </file>
 
@@ -14644,7 +13438,7 @@
               </a:lnSpc>
             </a:pPr>
             <a:r>
-              <a:rPr lang="en-US" dirty="0" smtClean="0"/>
+              <a:rPr lang="en-US" dirty="0"/>
               <a:t>Comparison and Logical Operators</a:t>
             </a:r>
             <a:endParaRPr lang="bg-BG" dirty="0"/>
@@ -14688,13 +13482,6 @@
     <a:masterClrMapping/>
   </p:clrMapOvr>
   <p:transition/>
-  <p:timing>
-    <p:tnLst>
-      <p:par>
-        <p:cTn id="1" dur="indefinite" restart="never" nodeType="tmRoot"/>
-      </p:par>
-    </p:tnLst>
-  </p:timing>
 </p:sld>
 </file>
 
@@ -14731,23 +13518,19 @@
           <a:lstStyle/>
           <a:p>
             <a:r>
-              <a:rPr lang="en-US" dirty="0" smtClean="0"/>
+              <a:rPr lang="en-US" dirty="0"/>
               <a:t>Using </a:t>
             </a:r>
             <a:r>
-              <a:rPr lang="en-US" dirty="0" smtClean="0">
+              <a:rPr lang="en-US" dirty="0">
                 <a:latin typeface="Consolas" pitchFamily="49" charset="0"/>
                 <a:cs typeface="Consolas" pitchFamily="49" charset="0"/>
               </a:rPr>
               <a:t>switch</a:t>
             </a:r>
             <a:r>
-              <a:rPr lang="en-US" dirty="0" smtClean="0"/>
-              <a:t> </a:t>
-            </a:r>
-            <a:r>
               <a:rPr lang="en-US" dirty="0"/>
-              <a:t>– Good Practices</a:t>
+              <a:t> – Good Practices</a:t>
             </a:r>
             <a:r>
               <a:rPr lang="en-US" dirty="0">
@@ -14920,13 +13703,6 @@
     <a:masterClrMapping/>
   </p:clrMapOvr>
   <p:transition/>
-  <p:timing>
-    <p:tnLst>
-      <p:par>
-        <p:cTn id="1" dur="indefinite" restart="never" nodeType="tmRoot"/>
-      </p:par>
-    </p:tnLst>
-  </p:timing>
 </p:sld>
 </file>
 
@@ -14991,18 +13767,9 @@
               </a:lnSpc>
             </a:pPr>
             <a:r>
-              <a:rPr lang="en-US" dirty="0" smtClean="0"/>
-              <a:t>Comparison and logical </a:t>
-            </a:r>
-            <a:r>
               <a:rPr lang="en-US" dirty="0"/>
-              <a:t>operators are used to </a:t>
-            </a:r>
-            <a:r>
-              <a:rPr lang="en-US" dirty="0" smtClean="0"/>
-              <a:t>compose logical conditions</a:t>
-            </a:r>
-            <a:endParaRPr lang="en-US" dirty="0"/>
+              <a:t>Comparison and logical operators are used to compose logical conditions</a:t>
+            </a:r>
           </a:p>
           <a:p>
             <a:pPr>
@@ -15046,11 +13813,7 @@
             </a:r>
             <a:r>
               <a:rPr lang="en-US" dirty="0"/>
-              <a:t> </a:t>
-            </a:r>
-            <a:r>
-              <a:rPr lang="en-US" dirty="0" smtClean="0"/>
-              <a:t>provide conditional execution of blocks of code</a:t>
+              <a:t> provide conditional execution of blocks of code</a:t>
             </a:r>
           </a:p>
           <a:p>
@@ -15060,10 +13823,9 @@
               </a:lnSpc>
             </a:pPr>
             <a:r>
-              <a:rPr lang="en-US" dirty="0" smtClean="0"/>
+              <a:rPr lang="en-US" dirty="0"/>
               <a:t>Constantly used in computer programming</a:t>
             </a:r>
-            <a:endParaRPr lang="en-US" dirty="0"/>
           </a:p>
           <a:p>
             <a:pPr lvl="1">
@@ -15146,13 +13908,6 @@
     <a:masterClrMapping/>
   </p:clrMapOvr>
   <p:transition/>
-  <p:timing>
-    <p:tnLst>
-      <p:par>
-        <p:cTn id="1" dur="indefinite" restart="never" nodeType="tmRoot"/>
-      </p:par>
-    </p:tnLst>
-  </p:timing>
 </p:sld>
 </file>
 
@@ -15189,10 +13944,9 @@
           <a:lstStyle/>
           <a:p>
             <a:r>
-              <a:rPr lang="en-US" dirty="0" smtClean="0"/>
+              <a:rPr lang="en-US" dirty="0"/>
               <a:t>Conditional Statements</a:t>
             </a:r>
-            <a:endParaRPr lang="en-US" dirty="0"/>
           </a:p>
         </p:txBody>
       </p:sp>
@@ -15375,7 +14129,7 @@
           <a:p>
             <a:pPr algn="r"/>
             <a:r>
-              <a:rPr lang="en-US" sz="1800" b="1" dirty="0" smtClean="0">
+              <a:rPr lang="en-US" sz="1800" b="1" dirty="0">
                 <a:hlinkClick r:id="rId3"/>
               </a:rPr>
               <a:t>http://academy.telerik.com</a:t>
@@ -15661,23 +14415,11 @@
             </a:r>
             <a:r>
               <a:rPr lang="en-US" sz="2800"/>
-              <a:t>the </a:t>
-            </a:r>
-            <a:r>
-              <a:rPr lang="en-US" sz="2800" smtClean="0"/>
-              <a:t>sign (+ or -) </a:t>
+              <a:t>the sign (+ or -) </a:t>
             </a:r>
             <a:r>
               <a:rPr lang="en-US" sz="2800" dirty="0"/>
-              <a:t>of the product of three real numbers without calculating it. </a:t>
-            </a:r>
-            <a:r>
-              <a:rPr lang="en-US" sz="2800" dirty="0" smtClean="0"/>
-              <a:t>Use a sequence </a:t>
-            </a:r>
-            <a:r>
-              <a:rPr lang="en-US" sz="2800" dirty="0"/>
-              <a:t>of if statements.</a:t>
+              <a:t>of the product of three real numbers without calculating it. Use a sequence of if statements.</a:t>
             </a:r>
           </a:p>
           <a:p>
@@ -15759,13 +14501,6 @@
     <a:masterClrMapping/>
   </p:clrMapOvr>
   <p:transition/>
-  <p:timing>
-    <p:tnLst>
-      <p:par>
-        <p:cTn id="1" dur="indefinite" restart="never" nodeType="tmRoot"/>
-      </p:par>
-    </p:tnLst>
-  </p:timing>
 </p:sld>
 </file>
 
@@ -15833,15 +14568,7 @@
             </a:pPr>
             <a:r>
               <a:rPr lang="en-US" sz="2800" dirty="0"/>
-              <a:t>Write program that asks for a digit and depending on the input shows the name of that digit (in </a:t>
-            </a:r>
-            <a:r>
-              <a:rPr lang="en-US" sz="2800" dirty="0" smtClean="0"/>
-              <a:t>English) </a:t>
-            </a:r>
-            <a:r>
-              <a:rPr lang="en-US" sz="2800" dirty="0"/>
-              <a:t>using a switch statement.</a:t>
+              <a:t>Write program that asks for a digit and depending on the input shows the name of that digit (in English) using a switch statement.</a:t>
             </a:r>
           </a:p>
           <a:p>
@@ -15918,14 +14645,10 @@
             </a:pPr>
             <a:r>
               <a:rPr lang="en-US" sz="2800" dirty="0"/>
-              <a:t>	</a:t>
-            </a:r>
-            <a:r>
-              <a:rPr lang="en-US" sz="2800" dirty="0" smtClean="0"/>
-              <a:t>	</a:t>
-            </a:r>
-            <a:r>
-              <a:rPr lang="en-US" sz="2800" noProof="1" smtClean="0">
+              <a:t>		</a:t>
+            </a:r>
+            <a:r>
+              <a:rPr lang="en-US" sz="2800" noProof="1">
                 <a:solidFill>
                   <a:schemeClr val="accent5">
                     <a:lumMod val="20000"/>
@@ -15938,7 +14661,7 @@
               <a:t>a*x</a:t>
             </a:r>
             <a:r>
-              <a:rPr lang="en-US" sz="2800" baseline="30000" noProof="1" smtClean="0">
+              <a:rPr lang="en-US" sz="2800" baseline="30000" noProof="1">
                 <a:solidFill>
                   <a:schemeClr val="accent5">
                     <a:lumMod val="20000"/>
@@ -15951,7 +14674,7 @@
               <a:t>2</a:t>
             </a:r>
             <a:r>
-              <a:rPr lang="en-US" sz="2800" baseline="30000" noProof="1" smtClean="0">
+              <a:rPr lang="en-US" sz="2800" baseline="30000" noProof="1">
                 <a:solidFill>
                   <a:schemeClr val="accent5">
                     <a:lumMod val="20000"/>
@@ -15963,7 +14686,7 @@
               <a:t> </a:t>
             </a:r>
             <a:r>
-              <a:rPr lang="en-US" sz="2800" noProof="1" smtClean="0">
+              <a:rPr lang="en-US" sz="2800" noProof="1">
                 <a:solidFill>
                   <a:schemeClr val="accent5">
                     <a:lumMod val="20000"/>
@@ -15976,7 +14699,7 @@
               <a:t>+</a:t>
             </a:r>
             <a:r>
-              <a:rPr lang="en-US" sz="2800" noProof="1" smtClean="0">
+              <a:rPr lang="en-US" sz="2800" noProof="1">
                 <a:solidFill>
                   <a:schemeClr val="accent5">
                     <a:lumMod val="20000"/>
@@ -15988,7 +14711,7 @@
               <a:t> </a:t>
             </a:r>
             <a:r>
-              <a:rPr lang="en-US" sz="2800" noProof="1" smtClean="0">
+              <a:rPr lang="en-US" sz="2800" noProof="1">
                 <a:solidFill>
                   <a:schemeClr val="accent5">
                     <a:lumMod val="20000"/>
@@ -16001,7 +14724,7 @@
               <a:t>b*x</a:t>
             </a:r>
             <a:r>
-              <a:rPr lang="en-US" sz="2800" noProof="1" smtClean="0">
+              <a:rPr lang="en-US" sz="2800" noProof="1">
                 <a:solidFill>
                   <a:schemeClr val="accent5">
                     <a:lumMod val="20000"/>
@@ -16013,7 +14736,7 @@
               <a:t> </a:t>
             </a:r>
             <a:r>
-              <a:rPr lang="en-US" sz="2800" noProof="1" smtClean="0">
+              <a:rPr lang="en-US" sz="2800" noProof="1">
                 <a:solidFill>
                   <a:schemeClr val="accent5">
                     <a:lumMod val="20000"/>
@@ -16026,7 +14749,7 @@
               <a:t>+</a:t>
             </a:r>
             <a:r>
-              <a:rPr lang="en-US" sz="2800" noProof="1" smtClean="0">
+              <a:rPr lang="en-US" sz="2800" noProof="1">
                 <a:solidFill>
                   <a:schemeClr val="accent5">
                     <a:lumMod val="20000"/>
@@ -16038,7 +14761,7 @@
               <a:t> </a:t>
             </a:r>
             <a:r>
-              <a:rPr lang="en-US" sz="2800" noProof="1" smtClean="0">
+              <a:rPr lang="en-US" sz="2800" noProof="1">
                 <a:solidFill>
                   <a:schemeClr val="accent5">
                     <a:lumMod val="20000"/>
@@ -16051,7 +14774,7 @@
               <a:t>c</a:t>
             </a:r>
             <a:r>
-              <a:rPr lang="en-US" sz="2800" noProof="1" smtClean="0">
+              <a:rPr lang="en-US" sz="2800" noProof="1">
                 <a:solidFill>
                   <a:schemeClr val="accent5">
                     <a:lumMod val="20000"/>
@@ -16121,23 +14844,7 @@
             </a:pPr>
             <a:r>
               <a:rPr lang="en-US" sz="2800" dirty="0"/>
-              <a:t>	</a:t>
-            </a:r>
-            <a:r>
-              <a:rPr lang="en-US" sz="2800" dirty="0" smtClean="0"/>
-              <a:t>	and </a:t>
-            </a:r>
-            <a:r>
-              <a:rPr lang="en-US" sz="2800" dirty="0"/>
-              <a:t>calculates and prints its real roots. Note </a:t>
-            </a:r>
-            <a:r>
-              <a:rPr lang="en-US" sz="2800" dirty="0" smtClean="0"/>
-              <a:t>that quadratic </a:t>
-            </a:r>
-            <a:r>
-              <a:rPr lang="en-US" sz="2800" dirty="0"/>
-              <a:t>equations may have </a:t>
+              <a:t>		and calculates and prints its real roots. Note that quadratic equations may have </a:t>
             </a:r>
             <a:r>
               <a:rPr lang="en-US" sz="2800" dirty="0">
@@ -16170,11 +14877,7 @@
             </a:r>
             <a:r>
               <a:rPr lang="en-US" sz="2800" dirty="0"/>
-              <a:t> real roots</a:t>
-            </a:r>
-            <a:r>
-              <a:rPr lang="en-US" sz="2800" dirty="0" smtClean="0"/>
-              <a:t>.</a:t>
+              <a:t> real roots.</a:t>
             </a:r>
           </a:p>
           <a:p>
@@ -16186,18 +14889,18 @@
               <a:buAutoNum type="arabicPeriod" startAt="7"/>
             </a:pPr>
             <a:r>
-              <a:rPr lang="en-US" sz="2800" dirty="0" smtClean="0"/>
+              <a:rPr lang="en-US" sz="2800" dirty="0"/>
               <a:t>Write a program that finds the greatest of given </a:t>
             </a:r>
             <a:r>
-              <a:rPr lang="en-US" sz="2800" dirty="0" smtClean="0">
+              <a:rPr lang="en-US" sz="2800" dirty="0">
                 <a:latin typeface="Consolas" pitchFamily="49" charset="0"/>
                 <a:cs typeface="Consolas" pitchFamily="49" charset="0"/>
               </a:rPr>
               <a:t>5</a:t>
             </a:r>
             <a:r>
-              <a:rPr lang="en-US" sz="2800" dirty="0" smtClean="0"/>
+              <a:rPr lang="en-US" sz="2800" dirty="0"/>
               <a:t> variables.</a:t>
             </a:r>
             <a:endParaRPr lang="bg-BG" sz="2800" dirty="0"/>
@@ -16280,7 +14983,7 @@
           <a:lstStyle/>
           <a:p>
             <a:r>
-              <a:rPr lang="en-US" dirty="0" smtClean="0"/>
+              <a:rPr lang="en-US" dirty="0"/>
               <a:t>Exercises (3)</a:t>
             </a:r>
             <a:endParaRPr lang="bg-BG" dirty="0"/>
@@ -16319,7 +15022,7 @@
               <a:t>Write a program that, depending on the user's choice inputs </a:t>
             </a:r>
             <a:r>
-              <a:rPr lang="en-US" sz="2800" noProof="1" smtClean="0">
+              <a:rPr lang="en-US" sz="2800" noProof="1">
                 <a:solidFill>
                   <a:schemeClr val="accent5">
                     <a:lumMod val="20000"/>
@@ -16332,7 +15035,7 @@
               <a:t>int</a:t>
             </a:r>
             <a:r>
-              <a:rPr lang="en-US" sz="2800" dirty="0" smtClean="0"/>
+              <a:rPr lang="en-US" sz="2800" dirty="0"/>
               <a:t>, </a:t>
             </a:r>
             <a:r>
@@ -16413,20 +15116,8 @@
               <a:buAutoNum type="arabicPeriod" startAt="8"/>
             </a:pPr>
             <a:r>
-              <a:rPr lang="en-US" sz="2800" dirty="0" smtClean="0"/>
-              <a:t>We </a:t>
-            </a:r>
-            <a:r>
               <a:rPr lang="en-US" sz="2800" dirty="0"/>
-              <a:t>are given 5 integer numbers. Write a program that checks if the sum of some </a:t>
-            </a:r>
-            <a:r>
-              <a:rPr lang="en-US" sz="2800" dirty="0" smtClean="0"/>
-              <a:t>subset of </a:t>
-            </a:r>
-            <a:r>
-              <a:rPr lang="en-US" sz="2800" dirty="0"/>
-              <a:t>them is </a:t>
+              <a:t>We are given 5 integer numbers. Write a program that checks if the sum of some subset of them is </a:t>
             </a:r>
             <a:r>
               <a:rPr lang="en-US" sz="2800" dirty="0">
@@ -16558,13 +15249,6 @@
     <a:masterClrMapping/>
   </p:clrMapOvr>
   <p:transition/>
-  <p:timing>
-    <p:tnLst>
-      <p:par>
-        <p:cTn id="1" dur="indefinite" restart="never" nodeType="tmRoot"/>
-      </p:par>
-    </p:tnLst>
-  </p:timing>
 </p:sld>
 </file>
 
@@ -16602,7 +15286,7 @@
           <a:p>
             <a:pPr marL="762000" indent="-762000"/>
             <a:r>
-              <a:rPr lang="en-US" dirty="0" smtClean="0"/>
+              <a:rPr lang="en-US" dirty="0"/>
               <a:t>Exercises (4)</a:t>
             </a:r>
             <a:endParaRPr lang="bg-BG" dirty="0"/>
@@ -16646,15 +15330,7 @@
             </a:pPr>
             <a:r>
               <a:rPr lang="en-US" sz="2800" dirty="0"/>
-              <a:t>	</a:t>
-            </a:r>
-            <a:r>
-              <a:rPr lang="en-US" sz="2800" dirty="0" smtClean="0"/>
-              <a:t>	Use </a:t>
-            </a:r>
-            <a:r>
-              <a:rPr lang="en-US" sz="2800" dirty="0"/>
-              <a:t>a </a:t>
+              <a:t>		Use a </a:t>
             </a:r>
             <a:r>
               <a:rPr lang="en-US" sz="2800" dirty="0">
@@ -16752,7 +15428,7 @@
           <a:lstStyle/>
           <a:p>
             <a:r>
-              <a:rPr lang="en-US" dirty="0" smtClean="0"/>
+              <a:rPr lang="en-US" dirty="0"/>
               <a:t>Exercises (5)</a:t>
             </a:r>
             <a:endParaRPr lang="bg-BG" dirty="0"/>
@@ -16787,20 +15463,8 @@
               <a:buAutoNum type="arabicPeriod" startAt="11"/>
             </a:pPr>
             <a:r>
-              <a:rPr lang="en-US" sz="2800" dirty="0" smtClean="0"/>
-              <a:t>* Write </a:t>
-            </a:r>
-            <a:r>
               <a:rPr lang="en-US" sz="2800" dirty="0"/>
-              <a:t>a program that converts a number in the range [0...999] to a text corresponding to its </a:t>
-            </a:r>
-            <a:r>
-              <a:rPr lang="en-US" sz="2800" dirty="0" smtClean="0"/>
-              <a:t>English pronunciation</a:t>
-            </a:r>
-            <a:r>
-              <a:rPr lang="en-US" sz="2800" dirty="0"/>
-              <a:t>. Examples:</a:t>
+              <a:t>* Write a program that converts a number in the range [0...999] to a text corresponding to its English pronunciation. Examples:</a:t>
             </a:r>
           </a:p>
           <a:p>
@@ -16828,7 +15492,7 @@
               <a:t>0  </a:t>
             </a:r>
             <a:r>
-              <a:rPr lang="bg-BG" sz="2500" dirty="0" smtClean="0">
+              <a:rPr lang="bg-BG" sz="2500" dirty="0">
                 <a:latin typeface="Consolas" pitchFamily="49" charset="0"/>
                 <a:cs typeface="Consolas" pitchFamily="49" charset="0"/>
                 <a:sym typeface="Wingdings" pitchFamily="2" charset="2"/>
@@ -16836,7 +15500,7 @@
               <a:t>"</a:t>
             </a:r>
             <a:r>
-              <a:rPr lang="en-US" sz="2500" dirty="0" smtClean="0">
+              <a:rPr lang="en-US" sz="2500" dirty="0">
                 <a:latin typeface="Consolas" pitchFamily="49" charset="0"/>
                 <a:cs typeface="Consolas" pitchFamily="49" charset="0"/>
                 <a:sym typeface="Wingdings" pitchFamily="2" charset="2"/>
@@ -16844,18 +15508,13 @@
               <a:t>Zero</a:t>
             </a:r>
             <a:r>
-              <a:rPr lang="bg-BG" sz="2500" dirty="0" smtClean="0">
+              <a:rPr lang="bg-BG" sz="2500" dirty="0">
                 <a:latin typeface="Consolas" pitchFamily="49" charset="0"/>
                 <a:cs typeface="Consolas" pitchFamily="49" charset="0"/>
                 <a:sym typeface="Wingdings" pitchFamily="2" charset="2"/>
               </a:rPr>
               <a:t>"</a:t>
             </a:r>
-            <a:endParaRPr lang="bg-BG" sz="2500" dirty="0">
-              <a:latin typeface="Consolas" pitchFamily="49" charset="0"/>
-              <a:cs typeface="Consolas" pitchFamily="49" charset="0"/>
-              <a:sym typeface="Wingdings" pitchFamily="2" charset="2"/>
-            </a:endParaRPr>
           </a:p>
           <a:p>
             <a:pPr marL="1073150" lvl="1" indent="-350838">
@@ -16879,21 +15538,8 @@
                 <a:cs typeface="Consolas" pitchFamily="49" charset="0"/>
                 <a:sym typeface="Wingdings" pitchFamily="2" charset="2"/>
               </a:rPr>
-              <a:t>273  </a:t>
-            </a:r>
-            <a:r>
-              <a:rPr lang="en-US" sz="2500" dirty="0" smtClean="0">
-                <a:latin typeface="Consolas" pitchFamily="49" charset="0"/>
-                <a:cs typeface="Consolas" pitchFamily="49" charset="0"/>
-                <a:sym typeface="Wingdings" pitchFamily="2" charset="2"/>
-              </a:rPr>
-              <a:t>"Two hundred seventy three"</a:t>
-            </a:r>
-            <a:endParaRPr lang="en-US" sz="2500" dirty="0">
-              <a:latin typeface="Consolas" pitchFamily="49" charset="0"/>
-              <a:cs typeface="Consolas" pitchFamily="49" charset="0"/>
-              <a:sym typeface="Wingdings" pitchFamily="2" charset="2"/>
-            </a:endParaRPr>
+              <a:t>273  "Two hundred seventy three"</a:t>
+            </a:r>
           </a:p>
           <a:p>
             <a:pPr marL="1073150" lvl="1" indent="-350838">
@@ -16917,15 +15563,7 @@
                 <a:cs typeface="Consolas" pitchFamily="49" charset="0"/>
                 <a:sym typeface="Wingdings" pitchFamily="2" charset="2"/>
               </a:rPr>
-              <a:t>400  </a:t>
-            </a:r>
-            <a:r>
-              <a:rPr lang="en-US" sz="2500" dirty="0" smtClean="0">
-                <a:latin typeface="Consolas" pitchFamily="49" charset="0"/>
-                <a:cs typeface="Consolas" pitchFamily="49" charset="0"/>
-                <a:sym typeface="Wingdings" pitchFamily="2" charset="2"/>
-              </a:rPr>
-              <a:t>"Four hundred"</a:t>
+              <a:t>400  "Four hundred"</a:t>
             </a:r>
             <a:endParaRPr lang="bg-BG" sz="2500" dirty="0">
               <a:latin typeface="Consolas" pitchFamily="49" charset="0"/>
@@ -16947,26 +15585,18 @@
                 <a:cs typeface="Consolas" pitchFamily="49" charset="0"/>
                 <a:sym typeface="Wingdings" pitchFamily="2" charset="2"/>
               </a:rPr>
-              <a:t>	501  </a:t>
-            </a:r>
-            <a:r>
-              <a:rPr lang="bg-BG" sz="2500" dirty="0" smtClean="0">
+              <a:t>	501  "</a:t>
+            </a:r>
+            <a:r>
+              <a:rPr lang="en-US" sz="2500" dirty="0">
                 <a:latin typeface="Consolas" pitchFamily="49" charset="0"/>
                 <a:cs typeface="Consolas" pitchFamily="49" charset="0"/>
                 <a:sym typeface="Wingdings" pitchFamily="2" charset="2"/>
               </a:rPr>
-              <a:t>"</a:t>
-            </a:r>
-            <a:r>
-              <a:rPr lang="en-US" sz="2500" dirty="0" smtClean="0">
-                <a:latin typeface="Consolas" pitchFamily="49" charset="0"/>
-                <a:cs typeface="Consolas" pitchFamily="49" charset="0"/>
-                <a:sym typeface="Wingdings" pitchFamily="2" charset="2"/>
-              </a:rPr>
               <a:t>Five hundred and one</a:t>
             </a:r>
             <a:r>
-              <a:rPr lang="bg-BG" sz="2500" dirty="0" smtClean="0">
+              <a:rPr lang="bg-BG" sz="2500" dirty="0">
                 <a:latin typeface="Consolas" pitchFamily="49" charset="0"/>
                 <a:cs typeface="Consolas" pitchFamily="49" charset="0"/>
                 <a:sym typeface="Wingdings" pitchFamily="2" charset="2"/>
@@ -17000,31 +15630,7 @@
                 <a:cs typeface="Consolas" pitchFamily="49" charset="0"/>
                 <a:sym typeface="Wingdings" pitchFamily="2" charset="2"/>
               </a:rPr>
-              <a:t> </a:t>
-            </a:r>
-            <a:r>
-              <a:rPr lang="en-US" sz="2500" dirty="0" smtClean="0">
-                <a:latin typeface="Consolas" pitchFamily="49" charset="0"/>
-                <a:cs typeface="Consolas" pitchFamily="49" charset="0"/>
-                <a:sym typeface="Wingdings" pitchFamily="2" charset="2"/>
-              </a:rPr>
-              <a:t>"</a:t>
-            </a:r>
-            <a:r>
-              <a:rPr lang="en-US" sz="2500" dirty="0" smtClean="0">
-                <a:latin typeface="Consolas" pitchFamily="49" charset="0"/>
-                <a:cs typeface="Consolas" pitchFamily="49" charset="0"/>
-                <a:sym typeface="Wingdings" pitchFamily="2" charset="2"/>
-              </a:rPr>
-              <a:t>Seven </a:t>
-            </a:r>
-            <a:r>
-              <a:rPr lang="en-US" sz="2500" dirty="0" smtClean="0">
-                <a:latin typeface="Consolas" pitchFamily="49" charset="0"/>
-                <a:cs typeface="Consolas" pitchFamily="49" charset="0"/>
-                <a:sym typeface="Wingdings" pitchFamily="2" charset="2"/>
-              </a:rPr>
-              <a:t>hundred and eleven"</a:t>
+              <a:t> "Seven hundred and eleven"</a:t>
             </a:r>
             <a:endParaRPr lang="en-US" sz="2500" dirty="0">
               <a:latin typeface="Consolas" pitchFamily="49" charset="0"/>
@@ -17073,13 +15679,6 @@
     <a:masterClrMapping/>
   </p:clrMapOvr>
   <p:transition/>
-  <p:timing>
-    <p:tnLst>
-      <p:par>
-        <p:cTn id="1" dur="indefinite" restart="never" nodeType="tmRoot"/>
-      </p:par>
-    </p:tnLst>
-  </p:timing>
 </p:sld>
 </file>
 
@@ -17116,10 +15715,9 @@
           <a:lstStyle/>
           <a:p>
             <a:r>
-              <a:rPr lang="en-US" dirty="0" smtClean="0"/>
+              <a:rPr lang="en-US" dirty="0"/>
               <a:t>Comparison Operators</a:t>
             </a:r>
-            <a:endParaRPr lang="en-US" dirty="0"/>
           </a:p>
         </p:txBody>
       </p:sp>
@@ -17164,15 +15762,27 @@
         </p:nvGraphicFramePr>
         <p:xfrm>
           <a:off x="762000" y="1219200"/>
-          <a:ext cx="7562850" cy="3514980"/>
+          <a:ext cx="7562850" cy="3474785"/>
         </p:xfrm>
         <a:graphic>
           <a:graphicData uri="http://schemas.openxmlformats.org/drawingml/2006/table">
             <a:tbl>
               <a:tblPr/>
               <a:tblGrid>
-                <a:gridCol w="4293704"/>
-                <a:gridCol w="3269146"/>
+                <a:gridCol w="4293704">
+                  <a:extLst>
+                    <a:ext uri="{9D8B030D-6E8A-4147-A177-3AD203B41FA5}">
+                      <a16:colId xmlns:a16="http://schemas.microsoft.com/office/drawing/2014/main" val="20000"/>
+                    </a:ext>
+                  </a:extLst>
+                </a:gridCol>
+                <a:gridCol w="3269146">
+                  <a:extLst>
+                    <a:ext uri="{9D8B030D-6E8A-4147-A177-3AD203B41FA5}">
+                      <a16:colId xmlns:a16="http://schemas.microsoft.com/office/drawing/2014/main" val="20001"/>
+                    </a:ext>
+                  </a:extLst>
+                </a:gridCol>
               </a:tblGrid>
               <a:tr h="643128">
                 <a:tc>
@@ -17199,7 +15809,7 @@
                         <a:tabLst/>
                       </a:pPr>
                       <a:r>
-                        <a:rPr lang="en-US" sz="3200" b="1" kern="1200" dirty="0" smtClean="0">
+                        <a:rPr lang="en-US" sz="3200" b="1" kern="1200" dirty="0">
                           <a:solidFill>
                             <a:srgbClr val="EBFFD2"/>
                           </a:solidFill>
@@ -17306,7 +15916,7 @@
                         <a:tabLst/>
                       </a:pPr>
                       <a:r>
-                        <a:rPr lang="en-US" sz="3200" b="1" kern="1200" dirty="0" smtClean="0">
+                        <a:rPr lang="en-US" sz="3200" b="1" kern="1200" dirty="0">
                           <a:solidFill>
                             <a:srgbClr val="EBFFD2"/>
                           </a:solidFill>
@@ -17389,6 +15999,11 @@
                     </a:solidFill>
                   </a:tcPr>
                 </a:tc>
+                <a:extLst>
+                  <a:ext uri="{0D108BD9-81ED-4DB2-BD59-A6C34878D82A}">
+                    <a16:rowId xmlns:a16="http://schemas.microsoft.com/office/drawing/2014/main" val="10000"/>
+                  </a:ext>
+                </a:extLst>
               </a:tr>
               <a:tr h="368300">
                 <a:tc>
@@ -17421,7 +16036,7 @@
                         <a:defRPr/>
                       </a:pPr>
                       <a:r>
-                        <a:rPr kumimoji="0" lang="en-US" sz="2400" b="1" i="0" u="none" strike="noStrike" kern="1200" cap="none" spc="0" normalizeH="0" baseline="0" noProof="0" dirty="0" smtClean="0">
+                        <a:rPr kumimoji="0" lang="en-US" sz="2400" b="1" i="0" u="none" strike="noStrike" kern="1200" cap="none" spc="0" normalizeH="0" baseline="0" noProof="0" dirty="0">
                           <a:ln>
                             <a:noFill/>
                           </a:ln>
@@ -17528,7 +16143,7 @@
                         <a:defRPr/>
                       </a:pPr>
                       <a:r>
-                        <a:rPr kumimoji="0" lang="en-US" sz="2400" b="1" i="0" u="none" strike="noStrike" kern="1200" cap="none" spc="0" normalizeH="0" baseline="0" noProof="0" dirty="0" smtClean="0">
+                        <a:rPr kumimoji="0" lang="en-US" sz="2400" b="1" i="0" u="none" strike="noStrike" kern="1200" cap="none" spc="0" normalizeH="0" baseline="0" noProof="0" dirty="0">
                           <a:ln>
                             <a:noFill/>
                           </a:ln>
@@ -17553,7 +16168,7 @@
                         </a:rPr>
                         <a:t>==</a:t>
                       </a:r>
-                      <a:endParaRPr kumimoji="0" lang="en-US" sz="2400" b="1" i="0" u="none" strike="noStrike" kern="1200" cap="none" spc="0" normalizeH="0" baseline="0" noProof="0" dirty="0" smtClean="0">
+                      <a:endParaRPr kumimoji="0" lang="en-US" sz="2400" b="1" i="0" u="none" strike="noStrike" kern="1200" cap="none" spc="0" normalizeH="0" baseline="0" noProof="0" dirty="0">
                         <a:ln>
                           <a:noFill/>
                         </a:ln>
@@ -17633,6 +16248,11 @@
                     <a:noFill/>
                   </a:tcPr>
                 </a:tc>
+                <a:extLst>
+                  <a:ext uri="{0D108BD9-81ED-4DB2-BD59-A6C34878D82A}">
+                    <a16:rowId xmlns:a16="http://schemas.microsoft.com/office/drawing/2014/main" val="10001"/>
+                  </a:ext>
+                </a:extLst>
               </a:tr>
               <a:tr h="368300">
                 <a:tc>
@@ -17660,7 +16280,7 @@
                         <a:defRPr/>
                       </a:pPr>
                       <a:r>
-                        <a:rPr kumimoji="0" lang="en-US" sz="2400" b="1" i="0" u="none" strike="noStrike" kern="1200" cap="none" spc="0" normalizeH="0" baseline="0" noProof="0" dirty="0" smtClean="0">
+                        <a:rPr kumimoji="0" lang="en-US" sz="2400" b="1" i="0" u="none" strike="noStrike" kern="1200" cap="none" spc="0" normalizeH="0" baseline="0" noProof="0" dirty="0">
                           <a:ln>
                             <a:noFill/>
                           </a:ln>
@@ -17682,7 +16302,7 @@
                         </a:rPr>
                         <a:t>Not Equals</a:t>
                       </a:r>
-                      <a:endParaRPr kumimoji="0" lang="bg-BG" sz="2400" b="1" i="0" u="none" strike="noStrike" kern="1200" cap="none" spc="0" normalizeH="0" baseline="0" noProof="0" dirty="0" smtClean="0">
+                      <a:endParaRPr kumimoji="0" lang="bg-BG" sz="2400" b="1" i="0" u="none" strike="noStrike" kern="1200" cap="none" spc="0" normalizeH="0" baseline="0" noProof="0" dirty="0">
                         <a:ln>
                           <a:noFill/>
                         </a:ln>
@@ -17787,7 +16407,7 @@
                         <a:defRPr/>
                       </a:pPr>
                       <a:r>
-                        <a:rPr kumimoji="0" lang="en-US" sz="2400" b="1" i="0" u="none" strike="noStrike" kern="1200" cap="none" spc="0" normalizeH="0" baseline="0" noProof="0" dirty="0" smtClean="0">
+                        <a:rPr kumimoji="0" lang="en-US" sz="2400" b="1" i="0" u="none" strike="noStrike" kern="1200" cap="none" spc="0" normalizeH="0" baseline="0" noProof="0" dirty="0">
                           <a:ln>
                             <a:noFill/>
                           </a:ln>
@@ -17812,7 +16432,7 @@
                         </a:rPr>
                         <a:t>!=</a:t>
                       </a:r>
-                      <a:endParaRPr kumimoji="0" lang="en-US" sz="2400" b="1" i="0" u="none" strike="noStrike" kern="1200" cap="none" spc="0" normalizeH="0" baseline="0" noProof="0" dirty="0" smtClean="0">
+                      <a:endParaRPr kumimoji="0" lang="en-US" sz="2400" b="1" i="0" u="none" strike="noStrike" kern="1200" cap="none" spc="0" normalizeH="0" baseline="0" noProof="0" dirty="0">
                         <a:ln>
                           <a:noFill/>
                         </a:ln>
@@ -17892,6 +16512,11 @@
                     <a:noFill/>
                   </a:tcPr>
                 </a:tc>
+                <a:extLst>
+                  <a:ext uri="{0D108BD9-81ED-4DB2-BD59-A6C34878D82A}">
+                    <a16:rowId xmlns:a16="http://schemas.microsoft.com/office/drawing/2014/main" val="10002"/>
+                  </a:ext>
+                </a:extLst>
               </a:tr>
               <a:tr h="490538">
                 <a:tc>
@@ -17919,7 +16544,7 @@
                         <a:defRPr/>
                       </a:pPr>
                       <a:r>
-                        <a:rPr kumimoji="0" lang="en-US" sz="2400" b="1" i="0" u="none" strike="noStrike" kern="1200" cap="none" spc="0" normalizeH="0" baseline="0" noProof="0" dirty="0" smtClean="0">
+                        <a:rPr kumimoji="0" lang="en-US" sz="2400" b="1" i="0" u="none" strike="noStrike" kern="1200" cap="none" spc="0" normalizeH="0" baseline="0" noProof="0" dirty="0">
                           <a:ln>
                             <a:noFill/>
                           </a:ln>
@@ -17941,7 +16566,7 @@
                         </a:rPr>
                         <a:t>Greater Than</a:t>
                       </a:r>
-                      <a:endParaRPr kumimoji="0" lang="bg-BG" sz="2400" b="1" i="0" u="none" strike="noStrike" kern="1200" cap="none" spc="0" normalizeH="0" baseline="0" noProof="0" dirty="0" smtClean="0">
+                      <a:endParaRPr kumimoji="0" lang="bg-BG" sz="2400" b="1" i="0" u="none" strike="noStrike" kern="1200" cap="none" spc="0" normalizeH="0" baseline="0" noProof="0" dirty="0">
                         <a:ln>
                           <a:noFill/>
                         </a:ln>
@@ -18046,7 +16671,7 @@
                         <a:defRPr/>
                       </a:pPr>
                       <a:r>
-                        <a:rPr kumimoji="0" lang="en-US" sz="2400" b="1" i="0" u="none" strike="noStrike" kern="1200" cap="none" spc="0" normalizeH="0" baseline="0" noProof="0" dirty="0" smtClean="0">
+                        <a:rPr kumimoji="0" lang="en-US" sz="2400" b="1" i="0" u="none" strike="noStrike" kern="1200" cap="none" spc="0" normalizeH="0" baseline="0" noProof="0" dirty="0">
                           <a:ln>
                             <a:noFill/>
                           </a:ln>
@@ -18071,7 +16696,7 @@
                         </a:rPr>
                         <a:t>&gt;</a:t>
                       </a:r>
-                      <a:endParaRPr kumimoji="0" lang="en-US" sz="2400" b="1" i="0" u="none" strike="noStrike" kern="1200" cap="none" spc="0" normalizeH="0" baseline="0" noProof="0" dirty="0" smtClean="0">
+                      <a:endParaRPr kumimoji="0" lang="en-US" sz="2400" b="1" i="0" u="none" strike="noStrike" kern="1200" cap="none" spc="0" normalizeH="0" baseline="0" noProof="0" dirty="0">
                         <a:ln>
                           <a:noFill/>
                         </a:ln>
@@ -18151,6 +16776,11 @@
                     <a:noFill/>
                   </a:tcPr>
                 </a:tc>
+                <a:extLst>
+                  <a:ext uri="{0D108BD9-81ED-4DB2-BD59-A6C34878D82A}">
+                    <a16:rowId xmlns:a16="http://schemas.microsoft.com/office/drawing/2014/main" val="10003"/>
+                  </a:ext>
+                </a:extLst>
               </a:tr>
               <a:tr h="490538">
                 <a:tc>
@@ -18178,7 +16808,7 @@
                         <a:defRPr/>
                       </a:pPr>
                       <a:r>
-                        <a:rPr kumimoji="0" lang="en-US" sz="2400" b="1" i="0" u="none" strike="noStrike" kern="1200" cap="none" spc="0" normalizeH="0" baseline="0" noProof="0" dirty="0" smtClean="0">
+                        <a:rPr kumimoji="0" lang="en-US" sz="2400" b="1" i="0" u="none" strike="noStrike" kern="1200" cap="none" spc="0" normalizeH="0" baseline="0" noProof="0" dirty="0">
                           <a:ln>
                             <a:noFill/>
                           </a:ln>
@@ -18200,7 +16830,7 @@
                         </a:rPr>
                         <a:t>Greater Than or Equals</a:t>
                       </a:r>
-                      <a:endParaRPr kumimoji="0" lang="bg-BG" sz="2400" b="1" i="0" u="none" strike="noStrike" kern="1200" cap="none" spc="0" normalizeH="0" baseline="0" noProof="0" dirty="0" smtClean="0">
+                      <a:endParaRPr kumimoji="0" lang="bg-BG" sz="2400" b="1" i="0" u="none" strike="noStrike" kern="1200" cap="none" spc="0" normalizeH="0" baseline="0" noProof="0" dirty="0">
                         <a:ln>
                           <a:noFill/>
                         </a:ln>
@@ -18305,7 +16935,7 @@
                         <a:defRPr/>
                       </a:pPr>
                       <a:r>
-                        <a:rPr kumimoji="0" lang="en-US" sz="2400" b="1" i="0" u="none" strike="noStrike" kern="1200" cap="none" spc="0" normalizeH="0" baseline="0" noProof="0" dirty="0" smtClean="0">
+                        <a:rPr kumimoji="0" lang="en-US" sz="2400" b="1" i="0" u="none" strike="noStrike" kern="1200" cap="none" spc="0" normalizeH="0" baseline="0" noProof="0" dirty="0">
                           <a:ln>
                             <a:noFill/>
                           </a:ln>
@@ -18330,7 +16960,7 @@
                         </a:rPr>
                         <a:t>&gt;=</a:t>
                       </a:r>
-                      <a:endParaRPr kumimoji="0" lang="en-US" sz="2400" b="1" i="0" u="none" strike="noStrike" kern="1200" cap="none" spc="0" normalizeH="0" baseline="0" noProof="0" dirty="0" smtClean="0">
+                      <a:endParaRPr kumimoji="0" lang="en-US" sz="2400" b="1" i="0" u="none" strike="noStrike" kern="1200" cap="none" spc="0" normalizeH="0" baseline="0" noProof="0" dirty="0">
                         <a:ln>
                           <a:noFill/>
                         </a:ln>
@@ -18410,6 +17040,11 @@
                     <a:noFill/>
                   </a:tcPr>
                 </a:tc>
+                <a:extLst>
+                  <a:ext uri="{0D108BD9-81ED-4DB2-BD59-A6C34878D82A}">
+                    <a16:rowId xmlns:a16="http://schemas.microsoft.com/office/drawing/2014/main" val="10004"/>
+                  </a:ext>
+                </a:extLst>
               </a:tr>
               <a:tr h="296863">
                 <a:tc>
@@ -18437,7 +17072,7 @@
                         <a:defRPr/>
                       </a:pPr>
                       <a:r>
-                        <a:rPr kumimoji="0" lang="en-US" sz="2400" b="1" i="0" u="none" strike="noStrike" kern="1200" cap="none" spc="0" normalizeH="0" baseline="0" noProof="0" dirty="0" smtClean="0">
+                        <a:rPr kumimoji="0" lang="en-US" sz="2400" b="1" i="0" u="none" strike="noStrike" kern="1200" cap="none" spc="0" normalizeH="0" baseline="0" noProof="0" dirty="0">
                           <a:ln>
                             <a:noFill/>
                           </a:ln>
@@ -18459,7 +17094,7 @@
                         </a:rPr>
                         <a:t>Less Than</a:t>
                       </a:r>
-                      <a:endParaRPr kumimoji="0" lang="bg-BG" sz="2400" b="1" i="0" u="none" strike="noStrike" kern="1200" cap="none" spc="0" normalizeH="0" baseline="0" noProof="0" dirty="0" smtClean="0">
+                      <a:endParaRPr kumimoji="0" lang="bg-BG" sz="2400" b="1" i="0" u="none" strike="noStrike" kern="1200" cap="none" spc="0" normalizeH="0" baseline="0" noProof="0" dirty="0">
                         <a:ln>
                           <a:noFill/>
                         </a:ln>
@@ -18564,7 +17199,7 @@
                         <a:defRPr/>
                       </a:pPr>
                       <a:r>
-                        <a:rPr kumimoji="0" lang="en-US" sz="2400" b="1" i="0" u="none" strike="noStrike" kern="1200" cap="none" spc="0" normalizeH="0" baseline="0" noProof="0" dirty="0" smtClean="0">
+                        <a:rPr kumimoji="0" lang="en-US" sz="2400" b="1" i="0" u="none" strike="noStrike" kern="1200" cap="none" spc="0" normalizeH="0" baseline="0" noProof="0" dirty="0">
                           <a:ln>
                             <a:noFill/>
                           </a:ln>
@@ -18589,7 +17224,7 @@
                         </a:rPr>
                         <a:t>&lt;</a:t>
                       </a:r>
-                      <a:endParaRPr kumimoji="0" lang="en-US" sz="2400" b="1" i="0" u="none" strike="noStrike" kern="1200" cap="none" spc="0" normalizeH="0" baseline="0" noProof="0" dirty="0" smtClean="0">
+                      <a:endParaRPr kumimoji="0" lang="en-US" sz="2400" b="1" i="0" u="none" strike="noStrike" kern="1200" cap="none" spc="0" normalizeH="0" baseline="0" noProof="0" dirty="0">
                         <a:ln>
                           <a:noFill/>
                         </a:ln>
@@ -18669,6 +17304,11 @@
                     <a:noFill/>
                   </a:tcPr>
                 </a:tc>
+                <a:extLst>
+                  <a:ext uri="{0D108BD9-81ED-4DB2-BD59-A6C34878D82A}">
+                    <a16:rowId xmlns:a16="http://schemas.microsoft.com/office/drawing/2014/main" val="10005"/>
+                  </a:ext>
+                </a:extLst>
               </a:tr>
               <a:tr h="246063">
                 <a:tc>
@@ -18696,7 +17336,7 @@
                         <a:defRPr/>
                       </a:pPr>
                       <a:r>
-                        <a:rPr kumimoji="0" lang="en-US" sz="2400" b="1" i="0" u="none" strike="noStrike" kern="1200" cap="none" spc="0" normalizeH="0" baseline="0" noProof="0" dirty="0" smtClean="0">
+                        <a:rPr kumimoji="0" lang="en-US" sz="2400" b="1" i="0" u="none" strike="noStrike" kern="1200" cap="none" spc="0" normalizeH="0" baseline="0" noProof="0" dirty="0">
                           <a:ln>
                             <a:noFill/>
                           </a:ln>
@@ -18718,7 +17358,7 @@
                         </a:rPr>
                         <a:t>Less Than or Equals</a:t>
                       </a:r>
-                      <a:endParaRPr kumimoji="0" lang="bg-BG" sz="2400" b="1" i="0" u="none" strike="noStrike" kern="1200" cap="none" spc="0" normalizeH="0" baseline="0" noProof="0" dirty="0" smtClean="0">
+                      <a:endParaRPr kumimoji="0" lang="bg-BG" sz="2400" b="1" i="0" u="none" strike="noStrike" kern="1200" cap="none" spc="0" normalizeH="0" baseline="0" noProof="0" dirty="0">
                         <a:ln>
                           <a:noFill/>
                         </a:ln>
@@ -18823,7 +17463,7 @@
                         <a:defRPr/>
                       </a:pPr>
                       <a:r>
-                        <a:rPr kumimoji="0" lang="en-US" sz="2400" b="1" i="0" u="none" strike="noStrike" kern="1200" cap="none" spc="0" normalizeH="0" baseline="0" noProof="0" dirty="0" smtClean="0">
+                        <a:rPr kumimoji="0" lang="en-US" sz="2400" b="1" i="0" u="none" strike="noStrike" kern="1200" cap="none" spc="0" normalizeH="0" baseline="0" noProof="0" dirty="0">
                           <a:ln>
                             <a:noFill/>
                           </a:ln>
@@ -18848,7 +17488,7 @@
                         </a:rPr>
                         <a:t>&lt;=</a:t>
                       </a:r>
-                      <a:endParaRPr kumimoji="0" lang="en-US" sz="2400" b="1" i="0" u="none" strike="noStrike" kern="1200" cap="none" spc="0" normalizeH="0" baseline="0" noProof="0" dirty="0" smtClean="0">
+                      <a:endParaRPr kumimoji="0" lang="en-US" sz="2400" b="1" i="0" u="none" strike="noStrike" kern="1200" cap="none" spc="0" normalizeH="0" baseline="0" noProof="0" dirty="0">
                         <a:ln>
                           <a:noFill/>
                         </a:ln>
@@ -18928,6 +17568,11 @@
                     <a:noFill/>
                   </a:tcPr>
                 </a:tc>
+                <a:extLst>
+                  <a:ext uri="{0D108BD9-81ED-4DB2-BD59-A6C34878D82A}">
+                    <a16:rowId xmlns:a16="http://schemas.microsoft.com/office/drawing/2014/main" val="10006"/>
+                  </a:ext>
+                </a:extLst>
               </a:tr>
             </a:tbl>
           </a:graphicData>
@@ -18979,7 +17624,7 @@
               <a:defRPr/>
             </a:pPr>
             <a:r>
-              <a:rPr kumimoji="0" lang="en-US" sz="3200" b="1" i="0" u="none" strike="noStrike" kern="1200" cap="none" spc="0" normalizeH="0" baseline="0" noProof="0" dirty="0" smtClean="0">
+              <a:rPr kumimoji="0" lang="en-US" sz="3200" b="1" i="0" u="none" strike="noStrike" kern="1200" cap="none" spc="0" normalizeH="0" baseline="0" noProof="0" dirty="0">
                 <a:ln>
                   <a:noFill/>
                 </a:ln>
@@ -19075,7 +17720,7 @@
               <a:buSzPct val="70000"/>
             </a:pPr>
             <a:r>
-              <a:rPr lang="en-US" sz="2200" b="1" noProof="1" smtClean="0">
+              <a:rPr lang="en-US" sz="2200" b="1" noProof="1">
                 <a:solidFill>
                   <a:srgbClr val="8CF4F2"/>
                 </a:solidFill>
@@ -19106,7 +17751,7 @@
               <a:buSzPct val="70000"/>
             </a:pPr>
             <a:r>
-              <a:rPr lang="en-US" sz="2200" b="1" noProof="1" smtClean="0">
+              <a:rPr lang="en-US" sz="2200" b="1" noProof="1">
                 <a:solidFill>
                   <a:srgbClr val="8CF4F2"/>
                 </a:solidFill>
@@ -19198,12 +17843,8 @@
               </a:lnSpc>
             </a:pPr>
             <a:r>
-              <a:rPr lang="en-US" dirty="0" smtClean="0"/>
-              <a:t>De </a:t>
-            </a:r>
-            <a:r>
               <a:rPr lang="en-US" dirty="0"/>
-              <a:t>Morgan laws</a:t>
+              <a:t>De Morgan laws</a:t>
             </a:r>
           </a:p>
           <a:p>
@@ -19334,21 +17975,7 @@
                 <a:cs typeface="Consolas" pitchFamily="49" charset="0"/>
                 <a:sym typeface="Wingdings" pitchFamily="2" charset="2"/>
               </a:rPr>
-              <a:t> !A || !</a:t>
-            </a:r>
-            <a:r>
-              <a:rPr lang="en-US" dirty="0" smtClean="0">
-                <a:solidFill>
-                  <a:schemeClr val="accent5">
-                    <a:lumMod val="20000"/>
-                    <a:lumOff val="80000"/>
-                  </a:schemeClr>
-                </a:solidFill>
-                <a:latin typeface="Consolas" pitchFamily="49" charset="0"/>
-                <a:cs typeface="Consolas" pitchFamily="49" charset="0"/>
-                <a:sym typeface="Wingdings" pitchFamily="2" charset="2"/>
-              </a:rPr>
-              <a:t>B</a:t>
+              <a:t> !A || !B</a:t>
             </a:r>
             <a:endParaRPr lang="en-US" dirty="0">
               <a:latin typeface="Courier New" pitchFamily="49" charset="0"/>
@@ -19366,15 +17993,27 @@
         </p:nvGraphicFramePr>
         <p:xfrm>
           <a:off x="762000" y="1172844"/>
-          <a:ext cx="7562850" cy="2637156"/>
+          <a:ext cx="7562850" cy="2596961"/>
         </p:xfrm>
         <a:graphic>
           <a:graphicData uri="http://schemas.openxmlformats.org/drawingml/2006/table">
             <a:tbl>
               <a:tblPr/>
               <a:tblGrid>
-                <a:gridCol w="4293704"/>
-                <a:gridCol w="3269146"/>
+                <a:gridCol w="4293704">
+                  <a:extLst>
+                    <a:ext uri="{9D8B030D-6E8A-4147-A177-3AD203B41FA5}">
+                      <a16:colId xmlns:a16="http://schemas.microsoft.com/office/drawing/2014/main" val="20000"/>
+                    </a:ext>
+                  </a:extLst>
+                </a:gridCol>
+                <a:gridCol w="3269146">
+                  <a:extLst>
+                    <a:ext uri="{9D8B030D-6E8A-4147-A177-3AD203B41FA5}">
+                      <a16:colId xmlns:a16="http://schemas.microsoft.com/office/drawing/2014/main" val="20001"/>
+                    </a:ext>
+                  </a:extLst>
+                </a:gridCol>
               </a:tblGrid>
               <a:tr h="643128">
                 <a:tc>
@@ -19401,7 +18040,7 @@
                         <a:tabLst/>
                       </a:pPr>
                       <a:r>
-                        <a:rPr lang="en-US" sz="3200" b="1" kern="1200" dirty="0" smtClean="0">
+                        <a:rPr lang="en-US" sz="3200" b="1" kern="1200" dirty="0">
                           <a:solidFill>
                             <a:srgbClr val="EBFFD2"/>
                           </a:solidFill>
@@ -19508,7 +18147,7 @@
                         <a:tabLst/>
                       </a:pPr>
                       <a:r>
-                        <a:rPr lang="en-US" sz="3200" b="1" kern="1200" dirty="0" smtClean="0">
+                        <a:rPr lang="en-US" sz="3200" b="1" kern="1200" dirty="0">
                           <a:solidFill>
                             <a:srgbClr val="EBFFD2"/>
                           </a:solidFill>
@@ -19591,6 +18230,11 @@
                     </a:solidFill>
                   </a:tcPr>
                 </a:tc>
+                <a:extLst>
+                  <a:ext uri="{0D108BD9-81ED-4DB2-BD59-A6C34878D82A}">
+                    <a16:rowId xmlns:a16="http://schemas.microsoft.com/office/drawing/2014/main" val="10000"/>
+                  </a:ext>
+                </a:extLst>
               </a:tr>
               <a:tr h="368300">
                 <a:tc>
@@ -19623,7 +18267,7 @@
                         <a:defRPr/>
                       </a:pPr>
                       <a:r>
-                        <a:rPr kumimoji="0" lang="en-US" sz="2400" b="1" i="0" u="none" strike="noStrike" kern="1200" cap="none" spc="0" normalizeH="0" baseline="0" noProof="0" dirty="0" smtClean="0">
+                        <a:rPr kumimoji="0" lang="en-US" sz="2400" b="1" i="0" u="none" strike="noStrike" kern="1200" cap="none" spc="0" normalizeH="0" baseline="0" noProof="0" dirty="0">
                           <a:ln>
                             <a:noFill/>
                           </a:ln>
@@ -19730,7 +18374,7 @@
                         <a:defRPr/>
                       </a:pPr>
                       <a:r>
-                        <a:rPr kumimoji="0" lang="en-US" sz="2400" b="1" i="0" u="none" strike="noStrike" kern="1200" cap="none" spc="0" normalizeH="0" baseline="0" noProof="0" dirty="0" smtClean="0">
+                        <a:rPr kumimoji="0" lang="en-US" sz="2400" b="1" i="0" u="none" strike="noStrike" kern="1200" cap="none" spc="0" normalizeH="0" baseline="0" noProof="0" dirty="0">
                           <a:ln>
                             <a:noFill/>
                           </a:ln>
@@ -19755,7 +18399,7 @@
                         </a:rPr>
                         <a:t>!</a:t>
                       </a:r>
-                      <a:endParaRPr kumimoji="0" lang="en-US" sz="2400" b="1" i="0" u="none" strike="noStrike" kern="1200" cap="none" spc="0" normalizeH="0" baseline="0" noProof="0" dirty="0" smtClean="0">
+                      <a:endParaRPr kumimoji="0" lang="en-US" sz="2400" b="1" i="0" u="none" strike="noStrike" kern="1200" cap="none" spc="0" normalizeH="0" baseline="0" noProof="0" dirty="0">
                         <a:ln>
                           <a:noFill/>
                         </a:ln>
@@ -19835,6 +18479,11 @@
                     <a:noFill/>
                   </a:tcPr>
                 </a:tc>
+                <a:extLst>
+                  <a:ext uri="{0D108BD9-81ED-4DB2-BD59-A6C34878D82A}">
+                    <a16:rowId xmlns:a16="http://schemas.microsoft.com/office/drawing/2014/main" val="10001"/>
+                  </a:ext>
+                </a:extLst>
               </a:tr>
               <a:tr h="368300">
                 <a:tc>
@@ -19862,7 +18511,7 @@
                         <a:defRPr/>
                       </a:pPr>
                       <a:r>
-                        <a:rPr kumimoji="0" lang="en-US" sz="2400" b="1" i="0" u="none" strike="noStrike" kern="1200" cap="none" spc="0" normalizeH="0" baseline="0" noProof="0" dirty="0" smtClean="0">
+                        <a:rPr kumimoji="0" lang="en-US" sz="2400" b="1" i="0" u="none" strike="noStrike" kern="1200" cap="none" spc="0" normalizeH="0" baseline="0" noProof="0" dirty="0">
                           <a:ln>
                             <a:noFill/>
                           </a:ln>
@@ -19884,7 +18533,7 @@
                         </a:rPr>
                         <a:t>Logical AND</a:t>
                       </a:r>
-                      <a:endParaRPr kumimoji="0" lang="bg-BG" sz="2400" b="1" i="0" u="none" strike="noStrike" kern="1200" cap="none" spc="0" normalizeH="0" baseline="0" noProof="0" dirty="0" smtClean="0">
+                      <a:endParaRPr kumimoji="0" lang="bg-BG" sz="2400" b="1" i="0" u="none" strike="noStrike" kern="1200" cap="none" spc="0" normalizeH="0" baseline="0" noProof="0" dirty="0">
                         <a:ln>
                           <a:noFill/>
                         </a:ln>
@@ -19989,7 +18638,7 @@
                         <a:defRPr/>
                       </a:pPr>
                       <a:r>
-                        <a:rPr kumimoji="0" lang="en-US" sz="2400" b="1" i="0" u="none" strike="noStrike" kern="1200" cap="none" spc="0" normalizeH="0" baseline="0" noProof="0" dirty="0" smtClean="0">
+                        <a:rPr kumimoji="0" lang="en-US" sz="2400" b="1" i="0" u="none" strike="noStrike" kern="1200" cap="none" spc="0" normalizeH="0" baseline="0" noProof="0" dirty="0">
                           <a:ln>
                             <a:noFill/>
                           </a:ln>
@@ -20014,7 +18663,7 @@
                         </a:rPr>
                         <a:t>&amp;&amp;</a:t>
                       </a:r>
-                      <a:endParaRPr kumimoji="0" lang="en-US" sz="2400" b="1" i="0" u="none" strike="noStrike" kern="1200" cap="none" spc="0" normalizeH="0" baseline="0" noProof="0" dirty="0" smtClean="0">
+                      <a:endParaRPr kumimoji="0" lang="en-US" sz="2400" b="1" i="0" u="none" strike="noStrike" kern="1200" cap="none" spc="0" normalizeH="0" baseline="0" noProof="0" dirty="0">
                         <a:ln>
                           <a:noFill/>
                         </a:ln>
@@ -20094,6 +18743,11 @@
                     <a:noFill/>
                   </a:tcPr>
                 </a:tc>
+                <a:extLst>
+                  <a:ext uri="{0D108BD9-81ED-4DB2-BD59-A6C34878D82A}">
+                    <a16:rowId xmlns:a16="http://schemas.microsoft.com/office/drawing/2014/main" val="10002"/>
+                  </a:ext>
+                </a:extLst>
               </a:tr>
               <a:tr h="490538">
                 <a:tc>
@@ -20121,7 +18775,7 @@
                         <a:defRPr/>
                       </a:pPr>
                       <a:r>
-                        <a:rPr kumimoji="0" lang="en-US" sz="2400" b="1" i="0" u="none" strike="noStrike" kern="1200" cap="none" spc="0" normalizeH="0" baseline="0" noProof="0" dirty="0" smtClean="0">
+                        <a:rPr kumimoji="0" lang="en-US" sz="2400" b="1" i="0" u="none" strike="noStrike" kern="1200" cap="none" spc="0" normalizeH="0" baseline="0" noProof="0" dirty="0">
                           <a:ln>
                             <a:noFill/>
                           </a:ln>
@@ -20143,7 +18797,7 @@
                         </a:rPr>
                         <a:t>Logical OR</a:t>
                       </a:r>
-                      <a:endParaRPr kumimoji="0" lang="bg-BG" sz="2400" b="1" i="0" u="none" strike="noStrike" kern="1200" cap="none" spc="0" normalizeH="0" baseline="0" noProof="0" dirty="0" smtClean="0">
+                      <a:endParaRPr kumimoji="0" lang="bg-BG" sz="2400" b="1" i="0" u="none" strike="noStrike" kern="1200" cap="none" spc="0" normalizeH="0" baseline="0" noProof="0" dirty="0">
                         <a:ln>
                           <a:noFill/>
                         </a:ln>
@@ -20248,7 +18902,7 @@
                         <a:defRPr/>
                       </a:pPr>
                       <a:r>
-                        <a:rPr kumimoji="0" lang="en-US" sz="2400" b="1" i="0" u="none" strike="noStrike" kern="1200" cap="none" spc="0" normalizeH="0" baseline="0" noProof="0" dirty="0" smtClean="0">
+                        <a:rPr kumimoji="0" lang="en-US" sz="2400" b="1" i="0" u="none" strike="noStrike" kern="1200" cap="none" spc="0" normalizeH="0" baseline="0" noProof="0" dirty="0">
                           <a:ln>
                             <a:noFill/>
                           </a:ln>
@@ -20273,7 +18927,7 @@
                         </a:rPr>
                         <a:t>||</a:t>
                       </a:r>
-                      <a:endParaRPr kumimoji="0" lang="en-US" sz="2400" b="1" i="0" u="none" strike="noStrike" kern="1200" cap="none" spc="0" normalizeH="0" baseline="0" noProof="0" dirty="0" smtClean="0">
+                      <a:endParaRPr kumimoji="0" lang="en-US" sz="2400" b="1" i="0" u="none" strike="noStrike" kern="1200" cap="none" spc="0" normalizeH="0" baseline="0" noProof="0" dirty="0">
                         <a:ln>
                           <a:noFill/>
                         </a:ln>
@@ -20353,6 +19007,11 @@
                     <a:noFill/>
                   </a:tcPr>
                 </a:tc>
+                <a:extLst>
+                  <a:ext uri="{0D108BD9-81ED-4DB2-BD59-A6C34878D82A}">
+                    <a16:rowId xmlns:a16="http://schemas.microsoft.com/office/drawing/2014/main" val="10003"/>
+                  </a:ext>
+                </a:extLst>
               </a:tr>
               <a:tr h="490538">
                 <a:tc>
@@ -20380,7 +19039,7 @@
                         <a:defRPr/>
                       </a:pPr>
                       <a:r>
-                        <a:rPr kumimoji="0" lang="en-US" sz="2400" b="1" i="0" u="none" strike="noStrike" kern="1200" cap="none" spc="0" normalizeH="0" baseline="0" noProof="0" dirty="0" smtClean="0">
+                        <a:rPr kumimoji="0" lang="en-US" sz="2400" b="1" i="0" u="none" strike="noStrike" kern="1200" cap="none" spc="0" normalizeH="0" baseline="0" noProof="0" dirty="0">
                           <a:ln>
                             <a:noFill/>
                           </a:ln>
@@ -20402,7 +19061,7 @@
                         </a:rPr>
                         <a:t>Logical Exclusive OR (XOR)</a:t>
                       </a:r>
-                      <a:endParaRPr kumimoji="0" lang="bg-BG" sz="2400" b="1" i="0" u="none" strike="noStrike" kern="1200" cap="none" spc="0" normalizeH="0" baseline="0" noProof="0" dirty="0" smtClean="0">
+                      <a:endParaRPr kumimoji="0" lang="bg-BG" sz="2400" b="1" i="0" u="none" strike="noStrike" kern="1200" cap="none" spc="0" normalizeH="0" baseline="0" noProof="0" dirty="0">
                         <a:ln>
                           <a:noFill/>
                         </a:ln>
@@ -20507,7 +19166,7 @@
                         <a:defRPr/>
                       </a:pPr>
                       <a:r>
-                        <a:rPr kumimoji="0" lang="en-US" sz="2400" b="1" i="0" u="none" strike="noStrike" kern="1200" cap="none" spc="0" normalizeH="0" baseline="0" noProof="0" dirty="0" smtClean="0">
+                        <a:rPr kumimoji="0" lang="en-US" sz="2400" b="1" i="0" u="none" strike="noStrike" kern="1200" cap="none" spc="0" normalizeH="0" baseline="0" noProof="0" dirty="0">
                           <a:ln>
                             <a:noFill/>
                           </a:ln>
@@ -20532,7 +19191,7 @@
                         </a:rPr>
                         <a:t>^</a:t>
                       </a:r>
-                      <a:endParaRPr kumimoji="0" lang="en-US" sz="2400" b="1" i="0" u="none" strike="noStrike" kern="1200" cap="none" spc="0" normalizeH="0" baseline="0" noProof="0" dirty="0" smtClean="0">
+                      <a:endParaRPr kumimoji="0" lang="en-US" sz="2400" b="1" i="0" u="none" strike="noStrike" kern="1200" cap="none" spc="0" normalizeH="0" baseline="0" noProof="0" dirty="0">
                         <a:ln>
                           <a:noFill/>
                         </a:ln>
@@ -20612,6 +19271,11 @@
                     <a:noFill/>
                   </a:tcPr>
                 </a:tc>
+                <a:extLst>
+                  <a:ext uri="{0D108BD9-81ED-4DB2-BD59-A6C34878D82A}">
+                    <a16:rowId xmlns:a16="http://schemas.microsoft.com/office/drawing/2014/main" val="10004"/>
+                  </a:ext>
+                </a:extLst>
               </a:tr>
             </a:tbl>
           </a:graphicData>
@@ -20688,13 +19352,6 @@
     <a:masterClrMapping/>
   </p:clrMapOvr>
   <p:transition/>
-  <p:timing>
-    <p:tnLst>
-      <p:par>
-        <p:cTn id="1" dur="indefinite" restart="never" nodeType="tmRoot"/>
-      </p:par>
-    </p:tnLst>
-  </p:timing>
 </p:sld>
 </file>
 
@@ -20736,27 +19393,23 @@
           <a:lstStyle/>
           <a:p>
             <a:r>
-              <a:rPr lang="en-US" dirty="0" smtClean="0">
+              <a:rPr lang="en-US" dirty="0">
                 <a:latin typeface="Consolas" pitchFamily="49" charset="0"/>
                 <a:cs typeface="Consolas" pitchFamily="49" charset="0"/>
               </a:rPr>
               <a:t>if</a:t>
             </a:r>
             <a:r>
-              <a:rPr lang="en-US" dirty="0" smtClean="0"/>
+              <a:rPr lang="en-US" dirty="0"/>
               <a:t> and </a:t>
             </a:r>
             <a:r>
-              <a:rPr lang="en-US" dirty="0" smtClean="0">
+              <a:rPr lang="en-US" dirty="0">
                 <a:latin typeface="Consolas" pitchFamily="49" charset="0"/>
                 <a:cs typeface="Consolas" pitchFamily="49" charset="0"/>
               </a:rPr>
               <a:t>if-else</a:t>
             </a:r>
-            <a:endParaRPr lang="en-US" dirty="0">
-              <a:latin typeface="Consolas" pitchFamily="49" charset="0"/>
-              <a:cs typeface="Consolas" pitchFamily="49" charset="0"/>
-            </a:endParaRPr>
           </a:p>
         </p:txBody>
       </p:sp>
@@ -20781,10 +19434,9 @@
           <a:lstStyle/>
           <a:p>
             <a:r>
-              <a:rPr lang="en-US" dirty="0" smtClean="0"/>
+              <a:rPr lang="en-US" dirty="0"/>
               <a:t>Implementing Conditional Logic</a:t>
             </a:r>
-            <a:endParaRPr lang="en-US" dirty="0"/>
           </a:p>
         </p:txBody>
       </p:sp>
@@ -20868,18 +19520,18 @@
           <a:lstStyle/>
           <a:p>
             <a:r>
-              <a:rPr lang="en-US" dirty="0" smtClean="0"/>
+              <a:rPr lang="en-US" dirty="0"/>
               <a:t>The </a:t>
             </a:r>
             <a:r>
-              <a:rPr lang="en-US" dirty="0" smtClean="0">
+              <a:rPr lang="en-US" dirty="0">
                 <a:latin typeface="Consolas" pitchFamily="49" charset="0"/>
                 <a:cs typeface="Consolas" pitchFamily="49" charset="0"/>
               </a:rPr>
               <a:t>if</a:t>
             </a:r>
             <a:r>
-              <a:rPr lang="en-US" dirty="0" smtClean="0"/>
+              <a:rPr lang="en-US" dirty="0"/>
               <a:t> Statement</a:t>
             </a:r>
             <a:endParaRPr lang="bg-BG" i="1" dirty="0"/>
@@ -21030,24 +19682,7 @@
                 <a:latin typeface="Consolas" pitchFamily="49" charset="0"/>
                 <a:cs typeface="Consolas" pitchFamily="49" charset="0"/>
               </a:rPr>
-              <a:t>if </a:t>
-            </a:r>
-            <a:r>
-              <a:rPr lang="en-US" sz="2000" b="1" noProof="1" smtClean="0">
-                <a:solidFill>
-                  <a:srgbClr val="8CF4F2"/>
-                </a:solidFill>
-                <a:effectLst>
-                  <a:outerShdw blurRad="38100" dist="38100" dir="2700000" algn="tl">
-                    <a:srgbClr val="000000">
-                      <a:alpha val="43137"/>
-                    </a:srgbClr>
-                  </a:outerShdw>
-                </a:effectLst>
-                <a:latin typeface="Consolas" pitchFamily="49" charset="0"/>
-                <a:cs typeface="Consolas" pitchFamily="49" charset="0"/>
-              </a:rPr>
-              <a:t>(condition) </a:t>
+              <a:t>if (condition) </a:t>
             </a:r>
           </a:p>
           <a:p>
@@ -21066,7 +19701,7 @@
               <a:buNone/>
             </a:pPr>
             <a:r>
-              <a:rPr lang="en-US" sz="2000" b="1" noProof="1" smtClean="0">
+              <a:rPr lang="en-US" sz="2000" b="1" noProof="1">
                 <a:solidFill>
                   <a:srgbClr val="8CF4F2"/>
                 </a:solidFill>
@@ -21099,7 +19734,7 @@
               <a:buNone/>
             </a:pPr>
             <a:r>
-              <a:rPr lang="en-US" sz="2000" b="1" noProof="1" smtClean="0">
+              <a:rPr lang="en-US" sz="2000" b="1" noProof="1">
                 <a:solidFill>
                   <a:srgbClr val="8CF4F2"/>
                 </a:solidFill>
@@ -21132,7 +19767,7 @@
               <a:buNone/>
             </a:pPr>
             <a:r>
-              <a:rPr lang="en-US" sz="2000" b="1" noProof="1" smtClean="0">
+              <a:rPr lang="en-US" sz="2000" b="1" noProof="1">
                 <a:solidFill>
                   <a:srgbClr val="8CF4F2"/>
                 </a:solidFill>
@@ -21148,20 +19783,6 @@
               </a:rPr>
               <a:t>}</a:t>
             </a:r>
-            <a:endParaRPr lang="en-US" sz="2000" b="1" noProof="1">
-              <a:solidFill>
-                <a:srgbClr val="8CF4F2"/>
-              </a:solidFill>
-              <a:effectLst>
-                <a:outerShdw blurRad="38100" dist="38100" dir="2700000" algn="tl">
-                  <a:srgbClr val="000000">
-                    <a:alpha val="43137"/>
-                  </a:srgbClr>
-                </a:outerShdw>
-              </a:effectLst>
-              <a:latin typeface="Consolas" pitchFamily="49" charset="0"/>
-              <a:cs typeface="Consolas" pitchFamily="49" charset="0"/>
-            </a:endParaRPr>
           </a:p>
         </p:txBody>
       </p:sp>
@@ -21205,13 +19826,6 @@
     <a:masterClrMapping/>
   </p:clrMapOvr>
   <p:transition/>
-  <p:timing>
-    <p:tnLst>
-      <p:par>
-        <p:cTn id="1" dur="indefinite" restart="never" nodeType="tmRoot"/>
-      </p:par>
-    </p:tnLst>
-  </p:timing>
 </p:sld>
 </file>
 
@@ -21314,10 +19928,9 @@
               </a:lnSpc>
             </a:pPr>
             <a:r>
-              <a:rPr lang="en-US" sz="3200" dirty="0" smtClean="0"/>
+              <a:rPr lang="en-US" sz="3200" dirty="0"/>
               <a:t>Comparison expression</a:t>
             </a:r>
-            <a:endParaRPr lang="en-US" sz="3200" dirty="0"/>
           </a:p>
           <a:p>
             <a:pPr>
@@ -21327,13 +19940,8 @@
             </a:pPr>
             <a:r>
               <a:rPr lang="en-US" dirty="0"/>
-              <a:t>The condition cannot be integer </a:t>
-            </a:r>
-            <a:r>
-              <a:rPr lang="en-US" dirty="0" smtClean="0"/>
-              <a:t>variable (like in C / C++)</a:t>
-            </a:r>
-            <a:endParaRPr lang="en-US" dirty="0"/>
+              <a:t>The condition cannot be integer variable (like in C / C++)</a:t>
+            </a:r>
           </a:p>
           <a:p>
             <a:pPr>
@@ -21453,13 +20061,6 @@
     <a:masterClrMapping/>
   </p:clrMapOvr>
   <p:transition/>
-  <p:timing>
-    <p:tnLst>
-      <p:par>
-        <p:cTn id="1" dur="indefinite" restart="never" nodeType="tmRoot"/>
-      </p:par>
-    </p:tnLst>
-  </p:timing>
 </p:sld>
 </file>
 
@@ -21541,13 +20142,8 @@
             </a:pPr>
             <a:r>
               <a:rPr lang="en-US" dirty="0"/>
-              <a:t>If it is true, the </a:t>
-            </a:r>
-            <a:r>
-              <a:rPr lang="en-US" dirty="0" smtClean="0"/>
-              <a:t>statement is executed</a:t>
-            </a:r>
-            <a:endParaRPr lang="en-US" dirty="0"/>
+              <a:t>If it is true, the statement is executed</a:t>
+            </a:r>
           </a:p>
           <a:p>
             <a:pPr lvl="1">
@@ -22201,13 +20797,6 @@
     <a:masterClrMapping/>
   </p:clrMapOvr>
   <p:transition/>
-  <p:timing>
-    <p:tnLst>
-      <p:par>
-        <p:cTn id="1" dur="indefinite" restart="never" nodeType="tmRoot"/>
-      </p:par>
-    </p:tnLst>
-  </p:timing>
 </p:sld>
 </file>
 
